--- a/material/07_CSharp_VS_Git.pptx
+++ b/material/07_CSharp_VS_Git.pptx
@@ -5,7 +5,7 @@
     <p:sldMasterId id="2147483660" r:id="rId1"/>
   </p:sldMasterIdLst>
   <p:notesMasterIdLst>
-    <p:notesMasterId r:id="rId28"/>
+    <p:notesMasterId r:id="rId26"/>
   </p:notesMasterIdLst>
   <p:sldIdLst>
     <p:sldId id="256" r:id="rId2"/>
@@ -32,35 +32,33 @@
     <p:sldId id="732" r:id="rId23"/>
     <p:sldId id="734" r:id="rId24"/>
     <p:sldId id="735" r:id="rId25"/>
-    <p:sldId id="733" r:id="rId26"/>
-    <p:sldId id="753" r:id="rId27"/>
   </p:sldIdLst>
   <p:sldSz cx="12192000" cy="6858000"/>
   <p:notesSz cx="6858000" cy="9144000"/>
   <p:embeddedFontLst>
     <p:embeddedFont>
-      <p:font typeface="Malgun Gothic Semilight" panose="020B0502040204020203" pitchFamily="50" charset="-127"/>
-      <p:regular r:id="rId29"/>
+      <p:font typeface="AppleSDGothicNeoH00" panose="020B0600000101010101" charset="-127"/>
+      <p:regular r:id="rId27"/>
     </p:embeddedFont>
     <p:embeddedFont>
-      <p:font typeface="AppleSDGothicNeoH00" panose="020B0600000101010101" charset="-127"/>
-      <p:regular r:id="rId30"/>
+      <p:font typeface="Malgun Gothic Semilight" panose="020B0502040204020203" pitchFamily="50" charset="-127"/>
+      <p:regular r:id="rId28"/>
     </p:embeddedFont>
     <p:embeddedFont>
       <p:font typeface="맑은 고딕" panose="020B0503020000020004" pitchFamily="50" charset="-127"/>
-      <p:regular r:id="rId31"/>
-      <p:bold r:id="rId32"/>
-    </p:embeddedFont>
-    <p:embeddedFont>
-      <p:font typeface="Cascadia Mono" panose="020B0609020000020004" charset="0"/>
-      <p:regular r:id="rId33"/>
-      <p:bold r:id="rId34"/>
-      <p:italic r:id="rId35"/>
-      <p:boldItalic r:id="rId36"/>
+      <p:regular r:id="rId29"/>
+      <p:bold r:id="rId30"/>
     </p:embeddedFont>
     <p:embeddedFont>
       <p:font typeface="AppleSDGothicNeoB00" panose="020B0600000101010101" charset="-127"/>
-      <p:regular r:id="rId37"/>
+      <p:regular r:id="rId31"/>
+    </p:embeddedFont>
+    <p:embeddedFont>
+      <p:font typeface="Cascadia Mono" panose="020B0609020000020004" pitchFamily="49" charset="0"/>
+      <p:regular r:id="rId32"/>
+      <p:bold r:id="rId33"/>
+      <p:italic r:id="rId34"/>
+      <p:boldItalic r:id="rId35"/>
     </p:embeddedFont>
   </p:embeddedFontLst>
   <p:defaultTextStyle>
@@ -251,7 +249,7 @@
           <a:p>
             <a:fld id="{2EF3F159-7250-4DD4-91C2-13B35D56E1AF}" type="datetimeFigureOut">
               <a:rPr lang="ko-KR" altLang="en-US" smtClean="0"/>
-              <a:t>2025-04-24</a:t>
+              <a:t>2025-04-25</a:t>
             </a:fld>
             <a:endParaRPr lang="ko-KR" altLang="en-US"/>
           </a:p>
@@ -646,7 +644,7 @@
           <a:bodyPr/>
           <a:lstStyle/>
           <a:p>
-            <a:endParaRPr lang="ko-KR" altLang="en-US" dirty="0"/>
+            <a:endParaRPr lang="ko-KR" altLang="en-US"/>
           </a:p>
         </p:txBody>
       </p:sp>
@@ -667,7 +665,7 @@
           <a:p>
             <a:fld id="{C09E5BFC-1559-42F1-8940-AB342D56BF02}" type="slidenum">
               <a:rPr lang="ko-KR" altLang="en-US" smtClean="0"/>
-              <a:t>15</a:t>
+              <a:t>14</a:t>
             </a:fld>
             <a:endParaRPr lang="ko-KR" altLang="en-US"/>
           </a:p>
@@ -676,7 +674,7 @@
     </p:spTree>
     <p:extLst>
       <p:ext uri="{BB962C8B-B14F-4D97-AF65-F5344CB8AC3E}">
-        <p14:creationId xmlns:p14="http://schemas.microsoft.com/office/powerpoint/2010/main" val="358771860"/>
+        <p14:creationId xmlns:p14="http://schemas.microsoft.com/office/powerpoint/2010/main" val="507108682"/>
       </p:ext>
     </p:extLst>
   </p:cSld>
@@ -730,14 +728,6 @@
           <a:bodyPr/>
           <a:lstStyle/>
           <a:p>
-            <a:r>
-              <a:rPr lang="ko-KR" altLang="en-US" dirty="0"/>
-              <a:t>내용 입력하고 </a:t>
-            </a:r>
-            <a:r>
-              <a:rPr lang="en-US" altLang="ko-KR" dirty="0"/>
-              <a:t>-&gt; add -&gt; commit -&gt; push</a:t>
-            </a:r>
             <a:endParaRPr lang="ko-KR" altLang="en-US" dirty="0"/>
           </a:p>
         </p:txBody>
@@ -759,7 +749,7 @@
           <a:p>
             <a:fld id="{C09E5BFC-1559-42F1-8940-AB342D56BF02}" type="slidenum">
               <a:rPr lang="ko-KR" altLang="en-US" smtClean="0"/>
-              <a:t>16</a:t>
+              <a:t>15</a:t>
             </a:fld>
             <a:endParaRPr lang="ko-KR" altLang="en-US"/>
           </a:p>
@@ -768,7 +758,7 @@
     </p:spTree>
     <p:extLst>
       <p:ext uri="{BB962C8B-B14F-4D97-AF65-F5344CB8AC3E}">
-        <p14:creationId xmlns:p14="http://schemas.microsoft.com/office/powerpoint/2010/main" val="2330414986"/>
+        <p14:creationId xmlns:p14="http://schemas.microsoft.com/office/powerpoint/2010/main" val="358771860"/>
       </p:ext>
     </p:extLst>
   </p:cSld>
@@ -822,7 +812,15 @@
           <a:bodyPr/>
           <a:lstStyle/>
           <a:p>
-            <a:endParaRPr lang="ko-KR" altLang="en-US"/>
+            <a:r>
+              <a:rPr lang="ko-KR" altLang="en-US" dirty="0"/>
+              <a:t>내용 입력하고 </a:t>
+            </a:r>
+            <a:r>
+              <a:rPr lang="en-US" altLang="ko-KR" dirty="0"/>
+              <a:t>-&gt; add -&gt; commit -&gt; push</a:t>
+            </a:r>
+            <a:endParaRPr lang="ko-KR" altLang="en-US" dirty="0"/>
           </a:p>
         </p:txBody>
       </p:sp>
@@ -843,7 +841,7 @@
           <a:p>
             <a:fld id="{C09E5BFC-1559-42F1-8940-AB342D56BF02}" type="slidenum">
               <a:rPr lang="ko-KR" altLang="en-US" smtClean="0"/>
-              <a:t>17</a:t>
+              <a:t>16</a:t>
             </a:fld>
             <a:endParaRPr lang="ko-KR" altLang="en-US"/>
           </a:p>
@@ -852,7 +850,7 @@
     </p:spTree>
     <p:extLst>
       <p:ext uri="{BB962C8B-B14F-4D97-AF65-F5344CB8AC3E}">
-        <p14:creationId xmlns:p14="http://schemas.microsoft.com/office/powerpoint/2010/main" val="1825928881"/>
+        <p14:creationId xmlns:p14="http://schemas.microsoft.com/office/powerpoint/2010/main" val="2330414986"/>
       </p:ext>
     </p:extLst>
   </p:cSld>
@@ -906,7 +904,7 @@
           <a:bodyPr/>
           <a:lstStyle/>
           <a:p>
-            <a:endParaRPr lang="ko-KR" altLang="en-US" dirty="0"/>
+            <a:endParaRPr lang="ko-KR" altLang="en-US"/>
           </a:p>
         </p:txBody>
       </p:sp>
@@ -927,7 +925,7 @@
           <a:p>
             <a:fld id="{C09E5BFC-1559-42F1-8940-AB342D56BF02}" type="slidenum">
               <a:rPr lang="ko-KR" altLang="en-US" smtClean="0"/>
-              <a:t>18</a:t>
+              <a:t>17</a:t>
             </a:fld>
             <a:endParaRPr lang="ko-KR" altLang="en-US"/>
           </a:p>
@@ -936,7 +934,7 @@
     </p:spTree>
     <p:extLst>
       <p:ext uri="{BB962C8B-B14F-4D97-AF65-F5344CB8AC3E}">
-        <p14:creationId xmlns:p14="http://schemas.microsoft.com/office/powerpoint/2010/main" val="3422126848"/>
+        <p14:creationId xmlns:p14="http://schemas.microsoft.com/office/powerpoint/2010/main" val="1825928881"/>
       </p:ext>
     </p:extLst>
   </p:cSld>
@@ -990,7 +988,7 @@
           <a:bodyPr/>
           <a:lstStyle/>
           <a:p>
-            <a:endParaRPr lang="ko-KR" altLang="en-US"/>
+            <a:endParaRPr lang="ko-KR" altLang="en-US" dirty="0"/>
           </a:p>
         </p:txBody>
       </p:sp>
@@ -1011,7 +1009,7 @@
           <a:p>
             <a:fld id="{C09E5BFC-1559-42F1-8940-AB342D56BF02}" type="slidenum">
               <a:rPr lang="ko-KR" altLang="en-US" smtClean="0"/>
-              <a:t>19</a:t>
+              <a:t>18</a:t>
             </a:fld>
             <a:endParaRPr lang="ko-KR" altLang="en-US"/>
           </a:p>
@@ -1020,7 +1018,7 @@
     </p:spTree>
     <p:extLst>
       <p:ext uri="{BB962C8B-B14F-4D97-AF65-F5344CB8AC3E}">
-        <p14:creationId xmlns:p14="http://schemas.microsoft.com/office/powerpoint/2010/main" val="297171943"/>
+        <p14:creationId xmlns:p14="http://schemas.microsoft.com/office/powerpoint/2010/main" val="3422126848"/>
       </p:ext>
     </p:extLst>
   </p:cSld>
@@ -1095,7 +1093,7 @@
           <a:p>
             <a:fld id="{C09E5BFC-1559-42F1-8940-AB342D56BF02}" type="slidenum">
               <a:rPr lang="ko-KR" altLang="en-US" smtClean="0"/>
-              <a:t>20</a:t>
+              <a:t>19</a:t>
             </a:fld>
             <a:endParaRPr lang="ko-KR" altLang="en-US"/>
           </a:p>
@@ -1104,7 +1102,7 @@
     </p:spTree>
     <p:extLst>
       <p:ext uri="{BB962C8B-B14F-4D97-AF65-F5344CB8AC3E}">
-        <p14:creationId xmlns:p14="http://schemas.microsoft.com/office/powerpoint/2010/main" val="1032763412"/>
+        <p14:creationId xmlns:p14="http://schemas.microsoft.com/office/powerpoint/2010/main" val="297171943"/>
       </p:ext>
     </p:extLst>
   </p:cSld>
@@ -1179,7 +1177,7 @@
           <a:p>
             <a:fld id="{C09E5BFC-1559-42F1-8940-AB342D56BF02}" type="slidenum">
               <a:rPr lang="ko-KR" altLang="en-US" smtClean="0"/>
-              <a:t>21</a:t>
+              <a:t>20</a:t>
             </a:fld>
             <a:endParaRPr lang="ko-KR" altLang="en-US"/>
           </a:p>
@@ -1188,7 +1186,7 @@
     </p:spTree>
     <p:extLst>
       <p:ext uri="{BB962C8B-B14F-4D97-AF65-F5344CB8AC3E}">
-        <p14:creationId xmlns:p14="http://schemas.microsoft.com/office/powerpoint/2010/main" val="4282462808"/>
+        <p14:creationId xmlns:p14="http://schemas.microsoft.com/office/powerpoint/2010/main" val="1032763412"/>
       </p:ext>
     </p:extLst>
   </p:cSld>
@@ -1263,7 +1261,7 @@
           <a:p>
             <a:fld id="{C09E5BFC-1559-42F1-8940-AB342D56BF02}" type="slidenum">
               <a:rPr lang="ko-KR" altLang="en-US" smtClean="0"/>
-              <a:t>22</a:t>
+              <a:t>21</a:t>
             </a:fld>
             <a:endParaRPr lang="ko-KR" altLang="en-US"/>
           </a:p>
@@ -1272,7 +1270,7 @@
     </p:spTree>
     <p:extLst>
       <p:ext uri="{BB962C8B-B14F-4D97-AF65-F5344CB8AC3E}">
-        <p14:creationId xmlns:p14="http://schemas.microsoft.com/office/powerpoint/2010/main" val="3237300491"/>
+        <p14:creationId xmlns:p14="http://schemas.microsoft.com/office/powerpoint/2010/main" val="4282462808"/>
       </p:ext>
     </p:extLst>
   </p:cSld>
@@ -1347,7 +1345,7 @@
           <a:p>
             <a:fld id="{C09E5BFC-1559-42F1-8940-AB342D56BF02}" type="slidenum">
               <a:rPr lang="ko-KR" altLang="en-US" smtClean="0"/>
-              <a:t>23</a:t>
+              <a:t>22</a:t>
             </a:fld>
             <a:endParaRPr lang="ko-KR" altLang="en-US"/>
           </a:p>
@@ -1356,7 +1354,7 @@
     </p:spTree>
     <p:extLst>
       <p:ext uri="{BB962C8B-B14F-4D97-AF65-F5344CB8AC3E}">
-        <p14:creationId xmlns:p14="http://schemas.microsoft.com/office/powerpoint/2010/main" val="3438931504"/>
+        <p14:creationId xmlns:p14="http://schemas.microsoft.com/office/powerpoint/2010/main" val="3237300491"/>
       </p:ext>
     </p:extLst>
   </p:cSld>
@@ -1431,7 +1429,7 @@
           <a:p>
             <a:fld id="{C09E5BFC-1559-42F1-8940-AB342D56BF02}" type="slidenum">
               <a:rPr lang="ko-KR" altLang="en-US" smtClean="0"/>
-              <a:t>24</a:t>
+              <a:t>23</a:t>
             </a:fld>
             <a:endParaRPr lang="ko-KR" altLang="en-US"/>
           </a:p>
@@ -1440,7 +1438,7 @@
     </p:spTree>
     <p:extLst>
       <p:ext uri="{BB962C8B-B14F-4D97-AF65-F5344CB8AC3E}">
-        <p14:creationId xmlns:p14="http://schemas.microsoft.com/office/powerpoint/2010/main" val="406921856"/>
+        <p14:creationId xmlns:p14="http://schemas.microsoft.com/office/powerpoint/2010/main" val="3438931504"/>
       </p:ext>
     </p:extLst>
   </p:cSld>
@@ -1578,11 +1576,7 @@
           <a:bodyPr/>
           <a:lstStyle/>
           <a:p>
-            <a:r>
-              <a:rPr lang="en-US" altLang="ko-KR" dirty="0"/>
-              <a:t>https://github.com/johnAtSpreatics/SFS3_WindowsFormsApp1/settings/rules/2979040</a:t>
-            </a:r>
-            <a:endParaRPr lang="ko-KR" altLang="en-US" dirty="0"/>
+            <a:endParaRPr lang="ko-KR" altLang="en-US"/>
           </a:p>
         </p:txBody>
       </p:sp>
@@ -1603,7 +1597,7 @@
           <a:p>
             <a:fld id="{C09E5BFC-1559-42F1-8940-AB342D56BF02}" type="slidenum">
               <a:rPr lang="ko-KR" altLang="en-US" smtClean="0"/>
-              <a:t>25</a:t>
+              <a:t>24</a:t>
             </a:fld>
             <a:endParaRPr lang="ko-KR" altLang="en-US"/>
           </a:p>
@@ -1612,7 +1606,7 @@
     </p:spTree>
     <p:extLst>
       <p:ext uri="{BB962C8B-B14F-4D97-AF65-F5344CB8AC3E}">
-        <p14:creationId xmlns:p14="http://schemas.microsoft.com/office/powerpoint/2010/main" val="2301375570"/>
+        <p14:creationId xmlns:p14="http://schemas.microsoft.com/office/powerpoint/2010/main" val="406921856"/>
       </p:ext>
     </p:extLst>
   </p:cSld>
@@ -2199,7 +2193,31 @@
           <a:bodyPr/>
           <a:lstStyle/>
           <a:p>
-            <a:endParaRPr lang="ko-KR" altLang="en-US"/>
+            <a:r>
+              <a:rPr lang="en-US" altLang="ko-KR" dirty="0" err="1" smtClean="0"/>
+              <a:t>Github</a:t>
+            </a:r>
+            <a:r>
+              <a:rPr lang="en-US" altLang="ko-KR" dirty="0" smtClean="0"/>
+              <a:t> </a:t>
+            </a:r>
+            <a:r>
+              <a:rPr lang="ko-KR" altLang="en-US" dirty="0" smtClean="0"/>
+              <a:t>가서 </a:t>
+            </a:r>
+            <a:r>
+              <a:rPr lang="en-US" altLang="ko-KR" dirty="0" smtClean="0"/>
+              <a:t>Repo </a:t>
+            </a:r>
+            <a:r>
+              <a:rPr lang="ko-KR" altLang="en-US" dirty="0" smtClean="0"/>
+              <a:t>한번 보기</a:t>
+            </a:r>
+            <a:r>
+              <a:rPr lang="en-US" altLang="ko-KR" dirty="0" smtClean="0"/>
+              <a:t>.</a:t>
+            </a:r>
+            <a:endParaRPr lang="ko-KR" altLang="en-US" dirty="0"/>
           </a:p>
         </p:txBody>
       </p:sp>
@@ -2210,7 +2228,7 @@
             <a:spLocks noGrp="1"/>
           </p:cNvSpPr>
           <p:nvPr>
-            <p:ph type="sldNum" sz="quarter" idx="5"/>
+            <p:ph type="sldNum" sz="quarter" idx="10"/>
           </p:nvPr>
         </p:nvSpPr>
         <p:spPr/>
@@ -2220,7 +2238,7 @@
           <a:p>
             <a:fld id="{C09E5BFC-1559-42F1-8940-AB342D56BF02}" type="slidenum">
               <a:rPr lang="ko-KR" altLang="en-US" smtClean="0"/>
-              <a:t>10</a:t>
+              <a:t>6</a:t>
             </a:fld>
             <a:endParaRPr lang="ko-KR" altLang="en-US"/>
           </a:p>
@@ -2229,7 +2247,7 @@
     </p:spTree>
     <p:extLst>
       <p:ext uri="{BB962C8B-B14F-4D97-AF65-F5344CB8AC3E}">
-        <p14:creationId xmlns:p14="http://schemas.microsoft.com/office/powerpoint/2010/main" val="1578274500"/>
+        <p14:creationId xmlns:p14="http://schemas.microsoft.com/office/powerpoint/2010/main" val="385477930"/>
       </p:ext>
     </p:extLst>
   </p:cSld>
@@ -2304,7 +2322,7 @@
           <a:p>
             <a:fld id="{C09E5BFC-1559-42F1-8940-AB342D56BF02}" type="slidenum">
               <a:rPr lang="ko-KR" altLang="en-US" smtClean="0"/>
-              <a:t>11</a:t>
+              <a:t>10</a:t>
             </a:fld>
             <a:endParaRPr lang="ko-KR" altLang="en-US"/>
           </a:p>
@@ -2313,7 +2331,7 @@
     </p:spTree>
     <p:extLst>
       <p:ext uri="{BB962C8B-B14F-4D97-AF65-F5344CB8AC3E}">
-        <p14:creationId xmlns:p14="http://schemas.microsoft.com/office/powerpoint/2010/main" val="1507044314"/>
+        <p14:creationId xmlns:p14="http://schemas.microsoft.com/office/powerpoint/2010/main" val="1578274500"/>
       </p:ext>
     </p:extLst>
   </p:cSld>
@@ -2367,7 +2385,7 @@
           <a:bodyPr/>
           <a:lstStyle/>
           <a:p>
-            <a:endParaRPr lang="ko-KR" altLang="en-US" dirty="0"/>
+            <a:endParaRPr lang="ko-KR" altLang="en-US"/>
           </a:p>
         </p:txBody>
       </p:sp>
@@ -2388,7 +2406,7 @@
           <a:p>
             <a:fld id="{C09E5BFC-1559-42F1-8940-AB342D56BF02}" type="slidenum">
               <a:rPr lang="ko-KR" altLang="en-US" smtClean="0"/>
-              <a:t>12</a:t>
+              <a:t>11</a:t>
             </a:fld>
             <a:endParaRPr lang="ko-KR" altLang="en-US"/>
           </a:p>
@@ -2397,7 +2415,7 @@
     </p:spTree>
     <p:extLst>
       <p:ext uri="{BB962C8B-B14F-4D97-AF65-F5344CB8AC3E}">
-        <p14:creationId xmlns:p14="http://schemas.microsoft.com/office/powerpoint/2010/main" val="1982388685"/>
+        <p14:creationId xmlns:p14="http://schemas.microsoft.com/office/powerpoint/2010/main" val="1507044314"/>
       </p:ext>
     </p:extLst>
   </p:cSld>
@@ -2451,7 +2469,7 @@
           <a:bodyPr/>
           <a:lstStyle/>
           <a:p>
-            <a:endParaRPr lang="ko-KR" altLang="en-US"/>
+            <a:endParaRPr lang="ko-KR" altLang="en-US" dirty="0"/>
           </a:p>
         </p:txBody>
       </p:sp>
@@ -2472,7 +2490,7 @@
           <a:p>
             <a:fld id="{C09E5BFC-1559-42F1-8940-AB342D56BF02}" type="slidenum">
               <a:rPr lang="ko-KR" altLang="en-US" smtClean="0"/>
-              <a:t>13</a:t>
+              <a:t>12</a:t>
             </a:fld>
             <a:endParaRPr lang="ko-KR" altLang="en-US"/>
           </a:p>
@@ -2481,7 +2499,7 @@
     </p:spTree>
     <p:extLst>
       <p:ext uri="{BB962C8B-B14F-4D97-AF65-F5344CB8AC3E}">
-        <p14:creationId xmlns:p14="http://schemas.microsoft.com/office/powerpoint/2010/main" val="758678782"/>
+        <p14:creationId xmlns:p14="http://schemas.microsoft.com/office/powerpoint/2010/main" val="1982388685"/>
       </p:ext>
     </p:extLst>
   </p:cSld>
@@ -2556,7 +2574,7 @@
           <a:p>
             <a:fld id="{C09E5BFC-1559-42F1-8940-AB342D56BF02}" type="slidenum">
               <a:rPr lang="ko-KR" altLang="en-US" smtClean="0"/>
-              <a:t>14</a:t>
+              <a:t>13</a:t>
             </a:fld>
             <a:endParaRPr lang="ko-KR" altLang="en-US"/>
           </a:p>
@@ -2565,7 +2583,7 @@
     </p:spTree>
     <p:extLst>
       <p:ext uri="{BB962C8B-B14F-4D97-AF65-F5344CB8AC3E}">
-        <p14:creationId xmlns:p14="http://schemas.microsoft.com/office/powerpoint/2010/main" val="507108682"/>
+        <p14:creationId xmlns:p14="http://schemas.microsoft.com/office/powerpoint/2010/main" val="758678782"/>
       </p:ext>
     </p:extLst>
   </p:cSld>
@@ -2716,7 +2734,7 @@
           <a:p>
             <a:fld id="{442BEE3F-2E9A-4FD8-8B8A-8619F3E161C0}" type="datetime1">
               <a:rPr lang="ko-KR" altLang="en-US" smtClean="0"/>
-              <a:t>2025-04-24</a:t>
+              <a:t>2025-04-25</a:t>
             </a:fld>
             <a:endParaRPr lang="ko-KR" altLang="en-US"/>
           </a:p>
@@ -2902,7 +2920,7 @@
           <a:p>
             <a:fld id="{2EAE422B-0E68-47B5-84BB-CA2BDA8EE46C}" type="datetime1">
               <a:rPr lang="ko-KR" altLang="en-US" smtClean="0"/>
-              <a:t>2025-04-24</a:t>
+              <a:t>2025-04-25</a:t>
             </a:fld>
             <a:endParaRPr lang="ko-KR" altLang="en-US"/>
           </a:p>
@@ -3110,7 +3128,7 @@
           <a:p>
             <a:fld id="{AF7C623F-179B-417F-99B6-50F6DF228D4B}" type="datetime1">
               <a:rPr lang="ko-KR" altLang="en-US" smtClean="0"/>
-              <a:t>2025-04-24</a:t>
+              <a:t>2025-04-25</a:t>
             </a:fld>
             <a:endParaRPr lang="ko-KR" altLang="en-US"/>
           </a:p>
@@ -3339,7 +3357,7 @@
           <a:p>
             <a:fld id="{0F78D9C4-20C1-4B15-A116-16DC77AD9A1E}" type="datetime1">
               <a:rPr lang="ko-KR" altLang="en-US" smtClean="0"/>
-              <a:t>2025-04-24</a:t>
+              <a:t>2025-04-25</a:t>
             </a:fld>
             <a:endParaRPr lang="ko-KR" altLang="en-US"/>
           </a:p>
@@ -3614,7 +3632,7 @@
           <a:p>
             <a:fld id="{C7F43723-C509-4DEA-8428-B50818F79709}" type="datetime1">
               <a:rPr lang="ko-KR" altLang="en-US" smtClean="0"/>
-              <a:t>2025-04-24</a:t>
+              <a:t>2025-04-25</a:t>
             </a:fld>
             <a:endParaRPr lang="ko-KR" altLang="en-US"/>
           </a:p>
@@ -3879,7 +3897,7 @@
           <a:p>
             <a:fld id="{5D2B7482-EE74-4DBD-97F4-D0DAC0C0E4E5}" type="datetime1">
               <a:rPr lang="ko-KR" altLang="en-US" smtClean="0"/>
-              <a:t>2025-04-24</a:t>
+              <a:t>2025-04-25</a:t>
             </a:fld>
             <a:endParaRPr lang="ko-KR" altLang="en-US"/>
           </a:p>
@@ -4292,7 +4310,7 @@
           <a:p>
             <a:fld id="{051A8C49-CED7-4A86-9B4A-621D7F62EE92}" type="datetime1">
               <a:rPr lang="ko-KR" altLang="en-US" smtClean="0"/>
-              <a:t>2025-04-24</a:t>
+              <a:t>2025-04-25</a:t>
             </a:fld>
             <a:endParaRPr lang="ko-KR" altLang="en-US"/>
           </a:p>
@@ -4439,7 +4457,7 @@
           <a:p>
             <a:fld id="{84082D76-7079-412D-848B-E1B9E7A6A286}" type="datetime1">
               <a:rPr lang="ko-KR" altLang="en-US" smtClean="0"/>
-              <a:t>2025-04-24</a:t>
+              <a:t>2025-04-25</a:t>
             </a:fld>
             <a:endParaRPr lang="ko-KR" altLang="en-US"/>
           </a:p>
@@ -4552,7 +4570,7 @@
           <a:p>
             <a:fld id="{10C5FEB5-5F88-4F49-9108-1795E314F09F}" type="datetime1">
               <a:rPr lang="ko-KR" altLang="en-US" smtClean="0"/>
-              <a:t>2025-04-24</a:t>
+              <a:t>2025-04-25</a:t>
             </a:fld>
             <a:endParaRPr lang="ko-KR" altLang="en-US"/>
           </a:p>
@@ -4863,7 +4881,7 @@
           <a:p>
             <a:fld id="{E37ABBEE-D8D4-48AD-9887-4DC578B8A684}" type="datetime1">
               <a:rPr lang="ko-KR" altLang="en-US" smtClean="0"/>
-              <a:t>2025-04-24</a:t>
+              <a:t>2025-04-25</a:t>
             </a:fld>
             <a:endParaRPr lang="ko-KR" altLang="en-US"/>
           </a:p>
@@ -5154,7 +5172,7 @@
           <a:p>
             <a:fld id="{A2D6A55C-F3DD-45DD-9D50-F8680410167D}" type="datetime1">
               <a:rPr lang="ko-KR" altLang="en-US" smtClean="0"/>
-              <a:t>2025-04-24</a:t>
+              <a:t>2025-04-25</a:t>
             </a:fld>
             <a:endParaRPr lang="ko-KR" altLang="en-US"/>
           </a:p>
@@ -5398,7 +5416,7 @@
             <a:fld id="{7F5E23C3-0E3D-4E4E-8486-D7FB4C073DC1}" type="datetime1">
               <a:rPr lang="ko-KR" altLang="en-US" smtClean="0"/>
               <a:pPr/>
-              <a:t>2025-04-24</a:t>
+              <a:t>2025-04-25</a:t>
             </a:fld>
             <a:endParaRPr lang="ko-KR" altLang="en-US" dirty="0"/>
           </a:p>
@@ -5929,7 +5947,7 @@
           <a:p>
             <a:fld id="{2E2BEDFA-D8AA-4914-9440-7DF713C99FA9}" type="datetime1">
               <a:rPr lang="ko-KR" altLang="en-US" smtClean="0"/>
-              <a:t>2025-04-24</a:t>
+              <a:t>2025-04-25</a:t>
             </a:fld>
             <a:endParaRPr lang="ko-KR" altLang="en-US"/>
           </a:p>
@@ -6062,7 +6080,7 @@
           <a:p>
             <a:fld id="{0F78D9C4-20C1-4B15-A116-16DC77AD9A1E}" type="datetime1">
               <a:rPr lang="ko-KR" altLang="en-US" smtClean="0"/>
-              <a:t>2025-04-24</a:t>
+              <a:t>2025-04-25</a:t>
             </a:fld>
             <a:endParaRPr lang="ko-KR" altLang="en-US"/>
           </a:p>
@@ -6430,7 +6448,7 @@
           <a:p>
             <a:fld id="{0F78D9C4-20C1-4B15-A116-16DC77AD9A1E}" type="datetime1">
               <a:rPr lang="ko-KR" altLang="en-US" smtClean="0"/>
-              <a:t>2025-04-24</a:t>
+              <a:t>2025-04-25</a:t>
             </a:fld>
             <a:endParaRPr lang="ko-KR" altLang="en-US"/>
           </a:p>
@@ -6789,7 +6807,7 @@
           <a:p>
             <a:fld id="{0F78D9C4-20C1-4B15-A116-16DC77AD9A1E}" type="datetime1">
               <a:rPr lang="ko-KR" altLang="en-US" smtClean="0"/>
-              <a:t>2025-04-24</a:t>
+              <a:t>2025-04-25</a:t>
             </a:fld>
             <a:endParaRPr lang="ko-KR" altLang="en-US"/>
           </a:p>
@@ -7897,7 +7915,7 @@
           <a:p>
             <a:fld id="{0F78D9C4-20C1-4B15-A116-16DC77AD9A1E}" type="datetime1">
               <a:rPr lang="ko-KR" altLang="en-US" smtClean="0"/>
-              <a:t>2025-04-24</a:t>
+              <a:t>2025-04-25</a:t>
             </a:fld>
             <a:endParaRPr lang="ko-KR" altLang="en-US"/>
           </a:p>
@@ -9162,7 +9180,7 @@
           <a:p>
             <a:fld id="{0F78D9C4-20C1-4B15-A116-16DC77AD9A1E}" type="datetime1">
               <a:rPr lang="ko-KR" altLang="en-US" smtClean="0"/>
-              <a:t>2025-04-24</a:t>
+              <a:t>2025-04-25</a:t>
             </a:fld>
             <a:endParaRPr lang="ko-KR" altLang="en-US"/>
           </a:p>
@@ -9596,7 +9614,7 @@
           <a:p>
             <a:fld id="{0F78D9C4-20C1-4B15-A116-16DC77AD9A1E}" type="datetime1">
               <a:rPr lang="ko-KR" altLang="en-US" smtClean="0"/>
-              <a:t>2025-04-24</a:t>
+              <a:t>2025-04-25</a:t>
             </a:fld>
             <a:endParaRPr lang="ko-KR" altLang="en-US"/>
           </a:p>
@@ -10031,7 +10049,7 @@
           <a:p>
             <a:fld id="{0F78D9C4-20C1-4B15-A116-16DC77AD9A1E}" type="datetime1">
               <a:rPr lang="ko-KR" altLang="en-US" smtClean="0"/>
-              <a:t>2025-04-24</a:t>
+              <a:t>2025-04-25</a:t>
             </a:fld>
             <a:endParaRPr lang="ko-KR" altLang="en-US"/>
           </a:p>
@@ -10479,7 +10497,7 @@
           <a:p>
             <a:fld id="{0F78D9C4-20C1-4B15-A116-16DC77AD9A1E}" type="datetime1">
               <a:rPr lang="ko-KR" altLang="en-US" smtClean="0"/>
-              <a:t>2025-04-24</a:t>
+              <a:t>2025-04-25</a:t>
             </a:fld>
             <a:endParaRPr lang="ko-KR" altLang="en-US"/>
           </a:p>
@@ -10541,7 +10559,7 @@
         </p:blipFill>
         <p:spPr>
           <a:xfrm>
-            <a:off x="2368419" y="965636"/>
+            <a:off x="2368419" y="1292790"/>
             <a:ext cx="7455161" cy="4723964"/>
           </a:xfrm>
           <a:prstGeom prst="rect">
@@ -10563,7 +10581,7 @@
         </p:nvSpPr>
         <p:spPr>
           <a:xfrm>
-            <a:off x="2579940" y="5785922"/>
+            <a:off x="3025653" y="6017556"/>
             <a:ext cx="5859296" cy="461665"/>
           </a:xfrm>
           <a:prstGeom prst="rect">
@@ -10578,19 +10596,19 @@
           <a:lstStyle/>
           <a:p>
             <a:r>
-              <a:rPr lang="en-US" altLang="ko-KR" sz="2400"/>
+              <a:rPr lang="en-US" altLang="ko-KR" sz="2400" dirty="0"/>
               <a:t>GitHub</a:t>
             </a:r>
             <a:r>
-              <a:rPr lang="ko-KR" altLang="en-US" sz="2400"/>
+              <a:rPr lang="ko-KR" altLang="en-US" sz="2400" dirty="0"/>
               <a:t> </a:t>
             </a:r>
             <a:r>
-              <a:rPr lang="en-US" altLang="ko-KR" sz="2400"/>
+              <a:rPr lang="en-US" altLang="ko-KR" sz="2400" dirty="0"/>
               <a:t>Pull Request </a:t>
             </a:r>
             <a:r>
-              <a:rPr lang="ko-KR" altLang="en-US" sz="2400"/>
+              <a:rPr lang="ko-KR" altLang="en-US" sz="2400" dirty="0"/>
               <a:t>페이지가 자동으로 열림</a:t>
             </a:r>
           </a:p>
@@ -10754,7 +10772,7 @@
           <a:p>
             <a:fld id="{0F78D9C4-20C1-4B15-A116-16DC77AD9A1E}" type="datetime1">
               <a:rPr lang="ko-KR" altLang="en-US" smtClean="0"/>
-              <a:t>2025-04-24</a:t>
+              <a:t>2025-04-25</a:t>
             </a:fld>
             <a:endParaRPr lang="ko-KR" altLang="en-US"/>
           </a:p>
@@ -10803,7 +10821,7 @@
         </p:nvSpPr>
         <p:spPr>
           <a:xfrm>
-            <a:off x="1851807" y="5503468"/>
+            <a:off x="3051342" y="5690281"/>
             <a:ext cx="5609228" cy="461665"/>
           </a:xfrm>
           <a:prstGeom prst="rect">
@@ -10970,7 +10988,7 @@
           <a:p>
             <a:fld id="{0F78D9C4-20C1-4B15-A116-16DC77AD9A1E}" type="datetime1">
               <a:rPr lang="ko-KR" altLang="en-US" smtClean="0"/>
-              <a:t>2025-04-24</a:t>
+              <a:t>2025-04-25</a:t>
             </a:fld>
             <a:endParaRPr lang="ko-KR" altLang="en-US"/>
           </a:p>
@@ -11159,7 +11177,7 @@
           <a:p>
             <a:fld id="{0F78D9C4-20C1-4B15-A116-16DC77AD9A1E}" type="datetime1">
               <a:rPr lang="ko-KR" altLang="en-US" smtClean="0"/>
-              <a:t>2025-04-24</a:t>
+              <a:t>2025-04-25</a:t>
             </a:fld>
             <a:endParaRPr lang="ko-KR" altLang="en-US"/>
           </a:p>
@@ -12176,7 +12194,7 @@
           <a:p>
             <a:fld id="{0F78D9C4-20C1-4B15-A116-16DC77AD9A1E}" type="datetime1">
               <a:rPr lang="ko-KR" altLang="en-US" smtClean="0"/>
-              <a:t>2025-04-24</a:t>
+              <a:t>2025-04-25</a:t>
             </a:fld>
             <a:endParaRPr lang="ko-KR" altLang="en-US"/>
           </a:p>
@@ -12634,7 +12652,7 @@
           <a:p>
             <a:fld id="{0F78D9C4-20C1-4B15-A116-16DC77AD9A1E}" type="datetime1">
               <a:rPr lang="ko-KR" altLang="en-US" smtClean="0"/>
-              <a:t>2025-04-24</a:t>
+              <a:t>2025-04-25</a:t>
             </a:fld>
             <a:endParaRPr lang="ko-KR" altLang="en-US"/>
           </a:p>
@@ -12923,7 +12941,7 @@
           <a:p>
             <a:fld id="{0F78D9C4-20C1-4B15-A116-16DC77AD9A1E}" type="datetime1">
               <a:rPr lang="ko-KR" altLang="en-US" smtClean="0"/>
-              <a:t>2025-04-24</a:t>
+              <a:t>2025-04-25</a:t>
             </a:fld>
             <a:endParaRPr lang="ko-KR" altLang="en-US"/>
           </a:p>
@@ -13217,7 +13235,7 @@
           <a:p>
             <a:fld id="{0F78D9C4-20C1-4B15-A116-16DC77AD9A1E}" type="datetime1">
               <a:rPr lang="ko-KR" altLang="en-US" smtClean="0"/>
-              <a:t>2025-04-24</a:t>
+              <a:t>2025-04-25</a:t>
             </a:fld>
             <a:endParaRPr lang="ko-KR" altLang="en-US"/>
           </a:p>
@@ -13402,7 +13420,7 @@
           <a:p>
             <a:fld id="{0F78D9C4-20C1-4B15-A116-16DC77AD9A1E}" type="datetime1">
               <a:rPr lang="ko-KR" altLang="en-US" smtClean="0"/>
-              <a:t>2025-04-24</a:t>
+              <a:t>2025-04-25</a:t>
             </a:fld>
             <a:endParaRPr lang="ko-KR" altLang="en-US"/>
           </a:p>
@@ -13523,696 +13541,6 @@
     <p:extLst>
       <p:ext uri="{BB962C8B-B14F-4D97-AF65-F5344CB8AC3E}">
         <p14:creationId xmlns:p14="http://schemas.microsoft.com/office/powerpoint/2010/main" val="3572503261"/>
-      </p:ext>
-    </p:extLst>
-  </p:cSld>
-  <p:clrMapOvr>
-    <a:masterClrMapping/>
-  </p:clrMapOvr>
-</p:sld>
-</file>
-
-<file path=ppt/slides/slide25.xml><?xml version="1.0" encoding="utf-8"?>
-<p:sld xmlns:a="http://schemas.openxmlformats.org/drawingml/2006/main" xmlns:r="http://schemas.openxmlformats.org/officeDocument/2006/relationships" xmlns:p="http://schemas.openxmlformats.org/presentationml/2006/main">
-  <p:cSld>
-    <p:spTree>
-      <p:nvGrpSpPr>
-        <p:cNvPr id="1" name=""/>
-        <p:cNvGrpSpPr/>
-        <p:nvPr/>
-      </p:nvGrpSpPr>
-      <p:grpSpPr>
-        <a:xfrm>
-          <a:off x="0" y="0"/>
-          <a:ext cx="0" cy="0"/>
-          <a:chOff x="0" y="0"/>
-          <a:chExt cx="0" cy="0"/>
-        </a:xfrm>
-      </p:grpSpPr>
-      <p:sp>
-        <p:nvSpPr>
-          <p:cNvPr id="2" name="제목 1">
-            <a:extLst>
-              <a:ext uri="{FF2B5EF4-FFF2-40B4-BE49-F238E27FC236}">
-                <a16:creationId xmlns:a16="http://schemas.microsoft.com/office/drawing/2014/main" id="{FED6D24D-13BB-C716-F1DF-410729DECA7A}"/>
-              </a:ext>
-            </a:extLst>
-          </p:cNvPr>
-          <p:cNvSpPr>
-            <a:spLocks noGrp="1"/>
-          </p:cNvSpPr>
-          <p:nvPr>
-            <p:ph type="title"/>
-          </p:nvPr>
-        </p:nvSpPr>
-        <p:spPr/>
-        <p:txBody>
-          <a:bodyPr/>
-          <a:lstStyle/>
-          <a:p>
-            <a:r>
-              <a:rPr lang="ko-KR" altLang="en-US" dirty="0">
-                <a:solidFill>
-                  <a:srgbClr val="00B050"/>
-                </a:solidFill>
-              </a:rPr>
-              <a:t>실습</a:t>
-            </a:r>
-            <a:r>
-              <a:rPr lang="en-US" altLang="ko-KR" dirty="0">
-                <a:solidFill>
-                  <a:srgbClr val="00B050"/>
-                </a:solidFill>
-              </a:rPr>
-              <a:t>. VS Git</a:t>
-            </a:r>
-            <a:endParaRPr lang="ko-KR" altLang="en-US" dirty="0">
-              <a:solidFill>
-                <a:srgbClr val="00B050"/>
-              </a:solidFill>
-            </a:endParaRPr>
-          </a:p>
-        </p:txBody>
-      </p:sp>
-      <p:sp>
-        <p:nvSpPr>
-          <p:cNvPr id="4" name="날짜 개체 틀 3">
-            <a:extLst>
-              <a:ext uri="{FF2B5EF4-FFF2-40B4-BE49-F238E27FC236}">
-                <a16:creationId xmlns:a16="http://schemas.microsoft.com/office/drawing/2014/main" id="{FCD81FF6-3738-F023-9174-52329665A686}"/>
-              </a:ext>
-            </a:extLst>
-          </p:cNvPr>
-          <p:cNvSpPr>
-            <a:spLocks noGrp="1"/>
-          </p:cNvSpPr>
-          <p:nvPr>
-            <p:ph type="dt" sz="half" idx="10"/>
-          </p:nvPr>
-        </p:nvSpPr>
-        <p:spPr/>
-        <p:txBody>
-          <a:bodyPr/>
-          <a:lstStyle/>
-          <a:p>
-            <a:fld id="{0F78D9C4-20C1-4B15-A116-16DC77AD9A1E}" type="datetime1">
-              <a:rPr lang="ko-KR" altLang="en-US" smtClean="0"/>
-              <a:t>2025-04-24</a:t>
-            </a:fld>
-            <a:endParaRPr lang="ko-KR" altLang="en-US"/>
-          </a:p>
-        </p:txBody>
-      </p:sp>
-      <p:sp>
-        <p:nvSpPr>
-          <p:cNvPr id="5" name="슬라이드 번호 개체 틀 4">
-            <a:extLst>
-              <a:ext uri="{FF2B5EF4-FFF2-40B4-BE49-F238E27FC236}">
-                <a16:creationId xmlns:a16="http://schemas.microsoft.com/office/drawing/2014/main" id="{5F2E7290-E87B-E4DF-A9C3-61708095FA5B}"/>
-              </a:ext>
-            </a:extLst>
-          </p:cNvPr>
-          <p:cNvSpPr>
-            <a:spLocks noGrp="1"/>
-          </p:cNvSpPr>
-          <p:nvPr>
-            <p:ph type="sldNum" sz="quarter" idx="12"/>
-          </p:nvPr>
-        </p:nvSpPr>
-        <p:spPr/>
-        <p:txBody>
-          <a:bodyPr/>
-          <a:lstStyle/>
-          <a:p>
-            <a:fld id="{083A2CE0-18CD-4102-B738-4ACFF9E68BA4}" type="slidenum">
-              <a:rPr lang="ko-KR" altLang="en-US" smtClean="0"/>
-              <a:t>25</a:t>
-            </a:fld>
-            <a:endParaRPr lang="ko-KR" altLang="en-US"/>
-          </a:p>
-        </p:txBody>
-      </p:sp>
-      <p:sp>
-        <p:nvSpPr>
-          <p:cNvPr id="3" name="TextBox 2">
-            <a:extLst>
-              <a:ext uri="{FF2B5EF4-FFF2-40B4-BE49-F238E27FC236}">
-                <a16:creationId xmlns:a16="http://schemas.microsoft.com/office/drawing/2014/main" id="{00DD5D28-A9C5-7BDA-FFDA-819D7AEAA4BA}"/>
-              </a:ext>
-            </a:extLst>
-          </p:cNvPr>
-          <p:cNvSpPr txBox="1"/>
-          <p:nvPr/>
-        </p:nvSpPr>
-        <p:spPr>
-          <a:xfrm>
-            <a:off x="928914" y="1494971"/>
-            <a:ext cx="10057561" cy="5096780"/>
-          </a:xfrm>
-          <a:prstGeom prst="rect">
-            <a:avLst/>
-          </a:prstGeom>
-          <a:noFill/>
-        </p:spPr>
-        <p:txBody>
-          <a:bodyPr wrap="none" rtlCol="0">
-            <a:spAutoFit/>
-          </a:bodyPr>
-          <a:lstStyle/>
-          <a:p>
-            <a:pPr marL="514350" indent="-514350">
-              <a:lnSpc>
-                <a:spcPct val="120000"/>
-              </a:lnSpc>
-              <a:buFont typeface="+mj-lt"/>
-              <a:buAutoNum type="arabicPeriod"/>
-            </a:pPr>
-            <a:r>
-              <a:rPr lang="ko-KR" altLang="en-US" sz="3200" dirty="0"/>
-              <a:t>리더에게 </a:t>
-            </a:r>
-            <a:r>
-              <a:rPr lang="en-US" altLang="ko-KR" sz="3200" dirty="0"/>
-              <a:t>dm</a:t>
-            </a:r>
-            <a:r>
-              <a:rPr lang="ko-KR" altLang="en-US" sz="3200" dirty="0"/>
-              <a:t>으로 각자 </a:t>
-            </a:r>
-            <a:r>
-              <a:rPr lang="en-US" altLang="ko-KR" sz="3200" dirty="0"/>
-              <a:t>GitHub </a:t>
-            </a:r>
-            <a:r>
-              <a:rPr lang="ko-KR" altLang="en-US" sz="3200" dirty="0"/>
-              <a:t>닉네임 또는 이메일 보내기</a:t>
-            </a:r>
-            <a:endParaRPr lang="en-US" altLang="ko-KR" sz="3200" dirty="0"/>
-          </a:p>
-          <a:p>
-            <a:pPr marL="971550" lvl="1" indent="-514350">
-              <a:lnSpc>
-                <a:spcPct val="120000"/>
-              </a:lnSpc>
-              <a:buFont typeface="Arial" panose="020B0604020202020204" pitchFamily="34" charset="0"/>
-              <a:buChar char="•"/>
-            </a:pPr>
-            <a:r>
-              <a:rPr lang="ko-KR" altLang="en-US" sz="2400" dirty="0"/>
-              <a:t>리더가 모든 크루를 </a:t>
-            </a:r>
-            <a:r>
-              <a:rPr lang="en-US" altLang="ko-KR" sz="2400" dirty="0"/>
-              <a:t>Collaborator</a:t>
-            </a:r>
-            <a:r>
-              <a:rPr lang="ko-KR" altLang="en-US" sz="2400" dirty="0"/>
-              <a:t>로 추가</a:t>
-            </a:r>
-            <a:endParaRPr lang="en-US" altLang="ko-KR" sz="2400" dirty="0"/>
-          </a:p>
-          <a:p>
-            <a:pPr marL="514350" indent="-514350">
-              <a:lnSpc>
-                <a:spcPct val="120000"/>
-              </a:lnSpc>
-              <a:buFont typeface="+mj-lt"/>
-              <a:buAutoNum type="arabicPeriod"/>
-            </a:pPr>
-            <a:r>
-              <a:rPr lang="ko-KR" altLang="en-US" sz="3200" dirty="0"/>
-              <a:t>리더의 </a:t>
-            </a:r>
-            <a:r>
-              <a:rPr lang="en-US" altLang="ko-KR" sz="3200" dirty="0"/>
-              <a:t>Remote</a:t>
-            </a:r>
-            <a:r>
-              <a:rPr lang="ko-KR" altLang="en-US" sz="3200" dirty="0"/>
-              <a:t> </a:t>
-            </a:r>
-            <a:r>
-              <a:rPr lang="en-US" altLang="ko-KR" sz="3200" dirty="0"/>
-              <a:t>Repo</a:t>
-            </a:r>
-            <a:r>
-              <a:rPr lang="ko-KR" altLang="en-US" sz="3200" dirty="0"/>
-              <a:t>를 </a:t>
-            </a:r>
-            <a:r>
-              <a:rPr lang="en-US" altLang="ko-KR" sz="3200" dirty="0"/>
-              <a:t>Clone</a:t>
-            </a:r>
-          </a:p>
-          <a:p>
-            <a:pPr marL="514350" indent="-514350">
-              <a:lnSpc>
-                <a:spcPct val="120000"/>
-              </a:lnSpc>
-              <a:buFont typeface="+mj-lt"/>
-              <a:buAutoNum type="arabicPeriod"/>
-            </a:pPr>
-            <a:r>
-              <a:rPr lang="ko-KR" altLang="en-US" sz="3200" dirty="0"/>
-              <a:t>각자의 이름으로 된 </a:t>
-            </a:r>
-            <a:r>
-              <a:rPr lang="ko-KR" altLang="en-US" sz="3200" dirty="0" err="1"/>
-              <a:t>브랜치를</a:t>
-            </a:r>
-            <a:r>
-              <a:rPr lang="ko-KR" altLang="en-US" sz="3200" dirty="0"/>
-              <a:t> 생성</a:t>
-            </a:r>
-            <a:endParaRPr lang="en-US" altLang="ko-KR" sz="3200" dirty="0"/>
-          </a:p>
-          <a:p>
-            <a:pPr marL="514350" indent="-514350">
-              <a:lnSpc>
-                <a:spcPct val="120000"/>
-              </a:lnSpc>
-              <a:buFont typeface="+mj-lt"/>
-              <a:buAutoNum type="arabicPeriod"/>
-            </a:pPr>
-            <a:r>
-              <a:rPr lang="ko-KR" altLang="en-US" sz="3200" dirty="0"/>
-              <a:t>각자 프로젝트 내부에 본인 이름으로 </a:t>
-            </a:r>
-            <a:r>
-              <a:rPr lang="en-US" altLang="ko-KR" sz="3200" dirty="0"/>
-              <a:t>.cs </a:t>
-            </a:r>
-            <a:r>
-              <a:rPr lang="ko-KR" altLang="en-US" sz="3200" dirty="0"/>
-              <a:t>파일 생성</a:t>
-            </a:r>
-            <a:endParaRPr lang="en-US" altLang="ko-KR" sz="3200" dirty="0"/>
-          </a:p>
-          <a:p>
-            <a:pPr marL="514350" indent="-514350">
-              <a:lnSpc>
-                <a:spcPct val="120000"/>
-              </a:lnSpc>
-              <a:buFont typeface="+mj-lt"/>
-              <a:buAutoNum type="arabicPeriod"/>
-            </a:pPr>
-            <a:r>
-              <a:rPr lang="ko-KR" altLang="en-US" sz="3200" dirty="0"/>
-              <a:t>새로 만든 </a:t>
-            </a:r>
-            <a:r>
-              <a:rPr lang="en-US" altLang="ko-KR" sz="3200" dirty="0"/>
-              <a:t>.cs </a:t>
-            </a:r>
-            <a:r>
-              <a:rPr lang="ko-KR" altLang="en-US" sz="3200" dirty="0"/>
-              <a:t>파일에 자기 이름을 주석을 작성</a:t>
-            </a:r>
-            <a:endParaRPr lang="en-US" altLang="ko-KR" sz="3200" dirty="0"/>
-          </a:p>
-          <a:p>
-            <a:pPr marL="971550" lvl="1" indent="-514350">
-              <a:lnSpc>
-                <a:spcPct val="120000"/>
-              </a:lnSpc>
-              <a:buFont typeface="Arial" panose="020B0604020202020204" pitchFamily="34" charset="0"/>
-              <a:buChar char="•"/>
-            </a:pPr>
-            <a:r>
-              <a:rPr lang="ko-KR" altLang="en-US" sz="2400" dirty="0"/>
-              <a:t>주석</a:t>
-            </a:r>
-            <a:r>
-              <a:rPr lang="en-US" altLang="ko-KR" sz="2400" dirty="0"/>
-              <a:t>: </a:t>
-            </a:r>
-            <a:r>
-              <a:rPr lang="en-US" altLang="ko-KR" sz="2400" dirty="0">
-                <a:solidFill>
-                  <a:srgbClr val="00B050"/>
-                </a:solidFill>
-              </a:rPr>
-              <a:t>// (</a:t>
-            </a:r>
-            <a:r>
-              <a:rPr lang="ko-KR" altLang="en-US" sz="2400" dirty="0">
-                <a:solidFill>
-                  <a:srgbClr val="00B050"/>
-                </a:solidFill>
-              </a:rPr>
-              <a:t>내용 작성</a:t>
-            </a:r>
-            <a:r>
-              <a:rPr lang="en-US" altLang="ko-KR" sz="2400" dirty="0">
-                <a:solidFill>
-                  <a:srgbClr val="00B050"/>
-                </a:solidFill>
-              </a:rPr>
-              <a:t>) </a:t>
-            </a:r>
-            <a:r>
-              <a:rPr lang="ko-KR" altLang="en-US" sz="2400" dirty="0"/>
-              <a:t>또는 </a:t>
-            </a:r>
-            <a:r>
-              <a:rPr lang="en-US" altLang="ko-KR" sz="2400" dirty="0">
-                <a:solidFill>
-                  <a:srgbClr val="00B050"/>
-                </a:solidFill>
-              </a:rPr>
-              <a:t>/* (</a:t>
-            </a:r>
-            <a:r>
-              <a:rPr lang="ko-KR" altLang="en-US" sz="2400" dirty="0">
-                <a:solidFill>
-                  <a:srgbClr val="00B050"/>
-                </a:solidFill>
-              </a:rPr>
-              <a:t>내용 작성</a:t>
-            </a:r>
-            <a:r>
-              <a:rPr lang="en-US" altLang="ko-KR" sz="2400" dirty="0">
-                <a:solidFill>
-                  <a:srgbClr val="00B050"/>
-                </a:solidFill>
-              </a:rPr>
-              <a:t>) */</a:t>
-            </a:r>
-            <a:r>
-              <a:rPr lang="ko-KR" altLang="en-US" sz="2400" dirty="0"/>
-              <a:t> </a:t>
-            </a:r>
-            <a:endParaRPr lang="en-US" altLang="ko-KR" sz="2400" dirty="0"/>
-          </a:p>
-          <a:p>
-            <a:pPr marL="514350" indent="-514350">
-              <a:lnSpc>
-                <a:spcPct val="120000"/>
-              </a:lnSpc>
-              <a:buFont typeface="+mj-lt"/>
-              <a:buAutoNum type="arabicPeriod"/>
-            </a:pPr>
-            <a:r>
-              <a:rPr lang="ko-KR" altLang="en-US" sz="3200" dirty="0"/>
-              <a:t>변경 사항을 </a:t>
-            </a:r>
-            <a:r>
-              <a:rPr lang="en-US" altLang="ko-KR" sz="3200" dirty="0"/>
-              <a:t>Push -&gt; Pull Request</a:t>
-            </a:r>
-          </a:p>
-          <a:p>
-            <a:pPr marL="971550" lvl="1" indent="-514350">
-              <a:lnSpc>
-                <a:spcPct val="120000"/>
-              </a:lnSpc>
-              <a:buFont typeface="Arial" panose="020B0604020202020204" pitchFamily="34" charset="0"/>
-              <a:buChar char="•"/>
-            </a:pPr>
-            <a:r>
-              <a:rPr lang="ko-KR" altLang="en-US" sz="2400" dirty="0"/>
-              <a:t>내 이름으로 된 </a:t>
-            </a:r>
-            <a:r>
-              <a:rPr lang="ko-KR" altLang="en-US" sz="2400" dirty="0" err="1"/>
-              <a:t>브랜치에서</a:t>
-            </a:r>
-            <a:r>
-              <a:rPr lang="ko-KR" altLang="en-US" sz="2400" dirty="0"/>
-              <a:t> </a:t>
-            </a:r>
-            <a:r>
-              <a:rPr lang="en-US" altLang="ko-KR" sz="2400" dirty="0"/>
-              <a:t>Push </a:t>
-            </a:r>
-            <a:r>
-              <a:rPr lang="ko-KR" altLang="en-US" sz="2400" dirty="0"/>
-              <a:t>할 경우 </a:t>
-            </a:r>
-            <a:r>
-              <a:rPr lang="en-US" altLang="ko-KR" sz="2400" dirty="0"/>
-              <a:t>Remote</a:t>
-            </a:r>
-            <a:r>
-              <a:rPr lang="ko-KR" altLang="en-US" sz="2400" dirty="0"/>
-              <a:t>에 </a:t>
-            </a:r>
-            <a:r>
-              <a:rPr lang="ko-KR" altLang="en-US" sz="2400" dirty="0" err="1"/>
-              <a:t>브랜치가</a:t>
-            </a:r>
-            <a:r>
-              <a:rPr lang="ko-KR" altLang="en-US" sz="2400" dirty="0"/>
-              <a:t> 추가됨</a:t>
-            </a:r>
-            <a:endParaRPr lang="en-US" altLang="ko-KR" sz="2400" dirty="0"/>
-          </a:p>
-        </p:txBody>
-      </p:sp>
-    </p:spTree>
-    <p:extLst>
-      <p:ext uri="{BB962C8B-B14F-4D97-AF65-F5344CB8AC3E}">
-        <p14:creationId xmlns:p14="http://schemas.microsoft.com/office/powerpoint/2010/main" val="4268023860"/>
-      </p:ext>
-    </p:extLst>
-  </p:cSld>
-  <p:clrMapOvr>
-    <a:masterClrMapping/>
-  </p:clrMapOvr>
-</p:sld>
-</file>
-
-<file path=ppt/slides/slide26.xml><?xml version="1.0" encoding="utf-8"?>
-<p:sld xmlns:a="http://schemas.openxmlformats.org/drawingml/2006/main" xmlns:r="http://schemas.openxmlformats.org/officeDocument/2006/relationships" xmlns:p="http://schemas.openxmlformats.org/presentationml/2006/main">
-  <p:cSld>
-    <p:spTree>
-      <p:nvGrpSpPr>
-        <p:cNvPr id="1" name=""/>
-        <p:cNvGrpSpPr/>
-        <p:nvPr/>
-      </p:nvGrpSpPr>
-      <p:grpSpPr>
-        <a:xfrm>
-          <a:off x="0" y="0"/>
-          <a:ext cx="0" cy="0"/>
-          <a:chOff x="0" y="0"/>
-          <a:chExt cx="0" cy="0"/>
-        </a:xfrm>
-      </p:grpSpPr>
-      <p:sp>
-        <p:nvSpPr>
-          <p:cNvPr id="2" name="제목 1">
-            <a:extLst>
-              <a:ext uri="{FF2B5EF4-FFF2-40B4-BE49-F238E27FC236}">
-                <a16:creationId xmlns:a16="http://schemas.microsoft.com/office/drawing/2014/main" id="{AC088420-85EC-513A-B917-9450C48B0DA2}"/>
-              </a:ext>
-            </a:extLst>
-          </p:cNvPr>
-          <p:cNvSpPr>
-            <a:spLocks noGrp="1"/>
-          </p:cNvSpPr>
-          <p:nvPr>
-            <p:ph type="title"/>
-          </p:nvPr>
-        </p:nvSpPr>
-        <p:spPr/>
-        <p:txBody>
-          <a:bodyPr/>
-          <a:lstStyle/>
-          <a:p>
-            <a:r>
-              <a:rPr lang="ko-KR" altLang="en-US" dirty="0">
-                <a:solidFill>
-                  <a:srgbClr val="00B050"/>
-                </a:solidFill>
-              </a:rPr>
-              <a:t>실습</a:t>
-            </a:r>
-            <a:r>
-              <a:rPr lang="en-US" altLang="ko-KR" dirty="0">
-                <a:solidFill>
-                  <a:srgbClr val="00B050"/>
-                </a:solidFill>
-              </a:rPr>
-              <a:t>. VS Git</a:t>
-            </a:r>
-            <a:endParaRPr lang="ko-KR" altLang="en-US" dirty="0"/>
-          </a:p>
-        </p:txBody>
-      </p:sp>
-      <p:pic>
-        <p:nvPicPr>
-          <p:cNvPr id="7" name="내용 개체 틀 6">
-            <a:extLst>
-              <a:ext uri="{FF2B5EF4-FFF2-40B4-BE49-F238E27FC236}">
-                <a16:creationId xmlns:a16="http://schemas.microsoft.com/office/drawing/2014/main" id="{423FDD9B-6054-2995-8113-35898AF2655A}"/>
-              </a:ext>
-            </a:extLst>
-          </p:cNvPr>
-          <p:cNvPicPr>
-            <a:picLocks noGrp="1" noChangeAspect="1"/>
-          </p:cNvPicPr>
-          <p:nvPr>
-            <p:ph idx="1"/>
-          </p:nvPr>
-        </p:nvPicPr>
-        <p:blipFill>
-          <a:blip r:embed="rId2"/>
-          <a:stretch>
-            <a:fillRect/>
-          </a:stretch>
-        </p:blipFill>
-        <p:spPr>
-          <a:xfrm>
-            <a:off x="1004455" y="2176840"/>
-            <a:ext cx="7440063" cy="3048425"/>
-          </a:xfrm>
-        </p:spPr>
-      </p:pic>
-      <p:sp>
-        <p:nvSpPr>
-          <p:cNvPr id="4" name="날짜 개체 틀 3">
-            <a:extLst>
-              <a:ext uri="{FF2B5EF4-FFF2-40B4-BE49-F238E27FC236}">
-                <a16:creationId xmlns:a16="http://schemas.microsoft.com/office/drawing/2014/main" id="{31928C61-B2B0-3849-E681-288A9A14035F}"/>
-              </a:ext>
-            </a:extLst>
-          </p:cNvPr>
-          <p:cNvSpPr>
-            <a:spLocks noGrp="1"/>
-          </p:cNvSpPr>
-          <p:nvPr>
-            <p:ph type="dt" sz="half" idx="10"/>
-          </p:nvPr>
-        </p:nvSpPr>
-        <p:spPr/>
-        <p:txBody>
-          <a:bodyPr/>
-          <a:lstStyle/>
-          <a:p>
-            <a:fld id="{0F78D9C4-20C1-4B15-A116-16DC77AD9A1E}" type="datetime1">
-              <a:rPr lang="ko-KR" altLang="en-US" smtClean="0"/>
-              <a:t>2025-04-24</a:t>
-            </a:fld>
-            <a:endParaRPr lang="ko-KR" altLang="en-US"/>
-          </a:p>
-        </p:txBody>
-      </p:sp>
-      <p:sp>
-        <p:nvSpPr>
-          <p:cNvPr id="5" name="슬라이드 번호 개체 틀 4">
-            <a:extLst>
-              <a:ext uri="{FF2B5EF4-FFF2-40B4-BE49-F238E27FC236}">
-                <a16:creationId xmlns:a16="http://schemas.microsoft.com/office/drawing/2014/main" id="{BD374274-BA98-9029-D624-291E1285B601}"/>
-              </a:ext>
-            </a:extLst>
-          </p:cNvPr>
-          <p:cNvSpPr>
-            <a:spLocks noGrp="1"/>
-          </p:cNvSpPr>
-          <p:nvPr>
-            <p:ph type="sldNum" sz="quarter" idx="12"/>
-          </p:nvPr>
-        </p:nvSpPr>
-        <p:spPr/>
-        <p:txBody>
-          <a:bodyPr/>
-          <a:lstStyle/>
-          <a:p>
-            <a:fld id="{083A2CE0-18CD-4102-B738-4ACFF9E68BA4}" type="slidenum">
-              <a:rPr lang="ko-KR" altLang="en-US" smtClean="0"/>
-              <a:t>26</a:t>
-            </a:fld>
-            <a:endParaRPr lang="ko-KR" altLang="en-US"/>
-          </a:p>
-        </p:txBody>
-      </p:sp>
-      <p:pic>
-        <p:nvPicPr>
-          <p:cNvPr id="9" name="그림 8">
-            <a:extLst>
-              <a:ext uri="{FF2B5EF4-FFF2-40B4-BE49-F238E27FC236}">
-                <a16:creationId xmlns:a16="http://schemas.microsoft.com/office/drawing/2014/main" id="{F79F0955-456B-C581-B685-666316A5AE09}"/>
-              </a:ext>
-            </a:extLst>
-          </p:cNvPr>
-          <p:cNvPicPr>
-            <a:picLocks noChangeAspect="1"/>
-          </p:cNvPicPr>
-          <p:nvPr/>
-        </p:nvPicPr>
-        <p:blipFill>
-          <a:blip r:embed="rId3"/>
-          <a:stretch>
-            <a:fillRect/>
-          </a:stretch>
-        </p:blipFill>
-        <p:spPr>
-          <a:xfrm>
-            <a:off x="6514605" y="4873688"/>
-            <a:ext cx="4248743" cy="1114581"/>
-          </a:xfrm>
-          <a:prstGeom prst="rect">
-            <a:avLst/>
-          </a:prstGeom>
-        </p:spPr>
-      </p:pic>
-      <p:sp>
-        <p:nvSpPr>
-          <p:cNvPr id="10" name="TextBox 9">
-            <a:extLst>
-              <a:ext uri="{FF2B5EF4-FFF2-40B4-BE49-F238E27FC236}">
-                <a16:creationId xmlns:a16="http://schemas.microsoft.com/office/drawing/2014/main" id="{B08871A1-E9C9-DB9C-43F8-921F48862B15}"/>
-              </a:ext>
-            </a:extLst>
-          </p:cNvPr>
-          <p:cNvSpPr txBox="1"/>
-          <p:nvPr/>
-        </p:nvSpPr>
-        <p:spPr>
-          <a:xfrm>
-            <a:off x="2909455" y="1778075"/>
-            <a:ext cx="3393878" cy="369332"/>
-          </a:xfrm>
-          <a:prstGeom prst="rect">
-            <a:avLst/>
-          </a:prstGeom>
-          <a:noFill/>
-        </p:spPr>
-        <p:txBody>
-          <a:bodyPr wrap="none" rtlCol="0">
-            <a:spAutoFit/>
-          </a:bodyPr>
-          <a:lstStyle/>
-          <a:p>
-            <a:r>
-              <a:rPr lang="ko-KR" altLang="en-US" dirty="0"/>
-              <a:t>프로젝트에서 </a:t>
-            </a:r>
-            <a:r>
-              <a:rPr lang="ko-KR" altLang="en-US" dirty="0" err="1"/>
-              <a:t>우클릭</a:t>
-            </a:r>
-            <a:r>
-              <a:rPr lang="en-US" altLang="ko-KR" dirty="0"/>
-              <a:t>! (</a:t>
-            </a:r>
-            <a:r>
-              <a:rPr lang="ko-KR" altLang="en-US" dirty="0"/>
-              <a:t>솔루션 아님</a:t>
-            </a:r>
-            <a:r>
-              <a:rPr lang="en-US" altLang="ko-KR" dirty="0"/>
-              <a:t>)</a:t>
-            </a:r>
-            <a:endParaRPr lang="ko-KR" altLang="en-US" dirty="0"/>
-          </a:p>
-        </p:txBody>
-      </p:sp>
-    </p:spTree>
-    <p:extLst>
-      <p:ext uri="{BB962C8B-B14F-4D97-AF65-F5344CB8AC3E}">
-        <p14:creationId xmlns:p14="http://schemas.microsoft.com/office/powerpoint/2010/main" val="2152739259"/>
       </p:ext>
     </p:extLst>
   </p:cSld>
@@ -14291,7 +13619,7 @@
           <a:p>
             <a:fld id="{0F78D9C4-20C1-4B15-A116-16DC77AD9A1E}" type="datetime1">
               <a:rPr lang="ko-KR" altLang="en-US" smtClean="0"/>
-              <a:t>2025-04-24</a:t>
+              <a:t>2025-04-25</a:t>
             </a:fld>
             <a:endParaRPr lang="ko-KR" altLang="en-US"/>
           </a:p>
@@ -15139,7 +14467,7 @@
           <a:p>
             <a:fld id="{0F78D9C4-20C1-4B15-A116-16DC77AD9A1E}" type="datetime1">
               <a:rPr lang="ko-KR" altLang="en-US" smtClean="0"/>
-              <a:t>2025-04-24</a:t>
+              <a:t>2025-04-25</a:t>
             </a:fld>
             <a:endParaRPr lang="ko-KR" altLang="en-US"/>
           </a:p>
@@ -15304,7 +14632,7 @@
           <a:p>
             <a:fld id="{0F78D9C4-20C1-4B15-A116-16DC77AD9A1E}" type="datetime1">
               <a:rPr lang="ko-KR" altLang="en-US" smtClean="0"/>
-              <a:t>2025-04-24</a:t>
+              <a:t>2025-04-25</a:t>
             </a:fld>
             <a:endParaRPr lang="ko-KR" altLang="en-US"/>
           </a:p>
@@ -15492,7 +14820,7 @@
           <a:p>
             <a:fld id="{0F78D9C4-20C1-4B15-A116-16DC77AD9A1E}" type="datetime1">
               <a:rPr lang="ko-KR" altLang="en-US" smtClean="0"/>
-              <a:t>2025-04-24</a:t>
+              <a:t>2025-04-25</a:t>
             </a:fld>
             <a:endParaRPr lang="ko-KR" altLang="en-US"/>
           </a:p>
@@ -15542,7 +14870,7 @@
           <p:nvPr/>
         </p:nvPicPr>
         <p:blipFill>
-          <a:blip r:embed="rId2"/>
+          <a:blip r:embed="rId3"/>
           <a:stretch>
             <a:fillRect/>
           </a:stretch>
@@ -15624,7 +14952,7 @@
           <p:nvPr/>
         </p:nvPicPr>
         <p:blipFill>
-          <a:blip r:embed="rId3">
+          <a:blip r:embed="rId4">
             <a:extLst>
               <a:ext uri="{28A0092B-C50C-407E-A947-70E740481C1C}">
                 <a14:useLocalDpi xmlns:a14="http://schemas.microsoft.com/office/drawing/2010/main" val="0"/>
@@ -15869,7 +15197,7 @@
           <a:p>
             <a:fld id="{0F78D9C4-20C1-4B15-A116-16DC77AD9A1E}" type="datetime1">
               <a:rPr lang="ko-KR" altLang="en-US" smtClean="0"/>
-              <a:t>2025-04-24</a:t>
+              <a:t>2025-04-25</a:t>
             </a:fld>
             <a:endParaRPr lang="ko-KR" altLang="en-US"/>
           </a:p>
@@ -16182,7 +15510,7 @@
           <a:p>
             <a:fld id="{0F78D9C4-20C1-4B15-A116-16DC77AD9A1E}" type="datetime1">
               <a:rPr lang="ko-KR" altLang="en-US" smtClean="0"/>
-              <a:t>2025-04-24</a:t>
+              <a:t>2025-04-25</a:t>
             </a:fld>
             <a:endParaRPr lang="ko-KR" altLang="en-US"/>
           </a:p>
@@ -16393,7 +15721,7 @@
           <a:p>
             <a:fld id="{0F78D9C4-20C1-4B15-A116-16DC77AD9A1E}" type="datetime1">
               <a:rPr lang="ko-KR" altLang="en-US" smtClean="0"/>
-              <a:t>2025-04-24</a:t>
+              <a:t>2025-04-25</a:t>
             </a:fld>
             <a:endParaRPr lang="ko-KR" altLang="en-US"/>
           </a:p>

--- a/material/07_CSharp_VS_Git.pptx
+++ b/material/07_CSharp_VS_Git.pptx
@@ -2,7 +2,7 @@
 <file path=ppt/presentation.xml><?xml version="1.0" encoding="utf-8"?>
 <p:presentation xmlns:a="http://schemas.openxmlformats.org/drawingml/2006/main" xmlns:r="http://schemas.openxmlformats.org/officeDocument/2006/relationships" xmlns:p="http://schemas.openxmlformats.org/presentationml/2006/main" embedTrueTypeFonts="1" saveSubsetFonts="1">
   <p:sldMasterIdLst>
-    <p:sldMasterId id="2147483660" r:id="rId1"/>
+    <p:sldMasterId id="2147483672" r:id="rId1"/>
   </p:sldMasterIdLst>
   <p:notesMasterIdLst>
     <p:notesMasterId r:id="rId26"/>
@@ -37,28 +37,22 @@
   <p:notesSz cx="6858000" cy="9144000"/>
   <p:embeddedFontLst>
     <p:embeddedFont>
-      <p:font typeface="AppleSDGothicNeoH00" panose="020B0600000101010101" charset="-127"/>
+      <p:font typeface="Pretendard GOV" panose="02000503000000020004" pitchFamily="2" charset="-127"/>
       <p:regular r:id="rId27"/>
+      <p:bold r:id="rId28"/>
     </p:embeddedFont>
     <p:embeddedFont>
-      <p:font typeface="Malgun Gothic Semilight" panose="020B0502040204020203" pitchFamily="50" charset="-127"/>
-      <p:regular r:id="rId28"/>
+      <p:font typeface="Pretendard GOV Black" panose="02000A03000000020004" pitchFamily="2" charset="-127"/>
+      <p:bold r:id="rId29"/>
+    </p:embeddedFont>
+    <p:embeddedFont>
+      <p:font typeface="Pretendard GOV SemiBold" panose="02000703000000020004" pitchFamily="2" charset="-127"/>
+      <p:bold r:id="rId30"/>
     </p:embeddedFont>
     <p:embeddedFont>
       <p:font typeface="맑은 고딕" panose="020B0503020000020004" pitchFamily="50" charset="-127"/>
-      <p:regular r:id="rId29"/>
-      <p:bold r:id="rId30"/>
-    </p:embeddedFont>
-    <p:embeddedFont>
-      <p:font typeface="AppleSDGothicNeoB00" panose="020B0600000101010101" charset="-127"/>
       <p:regular r:id="rId31"/>
-    </p:embeddedFont>
-    <p:embeddedFont>
-      <p:font typeface="Cascadia Mono" panose="020B0609020000020004" pitchFamily="49" charset="0"/>
-      <p:regular r:id="rId32"/>
-      <p:bold r:id="rId33"/>
-      <p:italic r:id="rId34"/>
-      <p:boldItalic r:id="rId35"/>
+      <p:bold r:id="rId32"/>
     </p:embeddedFont>
   </p:embeddedFontLst>
   <p:defaultTextStyle>
@@ -1240,7 +1234,7 @@
           <a:bodyPr/>
           <a:lstStyle/>
           <a:p>
-            <a:endParaRPr lang="ko-KR" altLang="en-US"/>
+            <a:endParaRPr lang="ko-KR" altLang="en-US" dirty="0"/>
           </a:p>
         </p:txBody>
       </p:sp>
@@ -1953,10 +1947,6 @@
               <a:rPr lang="ko-KR" altLang="en-US" b="1" dirty="0"/>
               <a:t> 함</a:t>
             </a:r>
-            <a:r>
-              <a:rPr lang="ko-KR" altLang="en-US" dirty="0"/>
-              <a:t/>
-            </a:r>
             <a:br>
               <a:rPr lang="ko-KR" altLang="en-US" dirty="0"/>
             </a:br>
@@ -2194,27 +2184,27 @@
           <a:lstStyle/>
           <a:p>
             <a:r>
-              <a:rPr lang="en-US" altLang="ko-KR" dirty="0" err="1" smtClean="0"/>
+              <a:rPr lang="en-US" altLang="ko-KR" dirty="0" err="1"/>
               <a:t>Github</a:t>
             </a:r>
             <a:r>
-              <a:rPr lang="en-US" altLang="ko-KR" dirty="0" smtClean="0"/>
+              <a:rPr lang="en-US" altLang="ko-KR" dirty="0"/>
               <a:t> </a:t>
             </a:r>
             <a:r>
-              <a:rPr lang="ko-KR" altLang="en-US" dirty="0" smtClean="0"/>
+              <a:rPr lang="ko-KR" altLang="en-US" dirty="0"/>
               <a:t>가서 </a:t>
             </a:r>
             <a:r>
-              <a:rPr lang="en-US" altLang="ko-KR" dirty="0" smtClean="0"/>
+              <a:rPr lang="en-US" altLang="ko-KR" dirty="0"/>
               <a:t>Repo </a:t>
             </a:r>
             <a:r>
-              <a:rPr lang="ko-KR" altLang="en-US" dirty="0" smtClean="0"/>
+              <a:rPr lang="ko-KR" altLang="en-US" dirty="0"/>
               <a:t>한번 보기</a:t>
             </a:r>
             <a:r>
-              <a:rPr lang="en-US" altLang="ko-KR" dirty="0" smtClean="0"/>
+              <a:rPr lang="en-US" altLang="ko-KR" dirty="0"/>
               <a:t>.</a:t>
             </a:r>
             <a:endParaRPr lang="ko-KR" altLang="en-US" dirty="0"/>
@@ -2785,7 +2775,7 @@
     </p:spTree>
     <p:extLst>
       <p:ext uri="{BB962C8B-B14F-4D97-AF65-F5344CB8AC3E}">
-        <p14:creationId xmlns:p14="http://schemas.microsoft.com/office/powerpoint/2010/main" val="1020605359"/>
+        <p14:creationId xmlns:p14="http://schemas.microsoft.com/office/powerpoint/2010/main" val="3661897017"/>
       </p:ext>
     </p:extLst>
   </p:cSld>
@@ -2983,7 +2973,7 @@
     </p:spTree>
     <p:extLst>
       <p:ext uri="{BB962C8B-B14F-4D97-AF65-F5344CB8AC3E}">
-        <p14:creationId xmlns:p14="http://schemas.microsoft.com/office/powerpoint/2010/main" val="642762875"/>
+        <p14:creationId xmlns:p14="http://schemas.microsoft.com/office/powerpoint/2010/main" val="4224213824"/>
       </p:ext>
     </p:extLst>
   </p:cSld>
@@ -3191,7 +3181,7 @@
     </p:spTree>
     <p:extLst>
       <p:ext uri="{BB962C8B-B14F-4D97-AF65-F5344CB8AC3E}">
-        <p14:creationId xmlns:p14="http://schemas.microsoft.com/office/powerpoint/2010/main" val="1124437324"/>
+        <p14:creationId xmlns:p14="http://schemas.microsoft.com/office/powerpoint/2010/main" val="4254204163"/>
       </p:ext>
     </p:extLst>
   </p:cSld>
@@ -3268,32 +3258,37 @@
           <a:lstStyle>
             <a:lvl1pPr>
               <a:defRPr>
-                <a:latin typeface="AppleSDGothicNeoB00" panose="02000503000000000000" pitchFamily="2" charset="-127"/>
-                <a:ea typeface="AppleSDGothicNeoB00" panose="02000503000000000000" pitchFamily="2" charset="-127"/>
+                <a:latin typeface="Pretendard GOV" panose="02000503000000020004" pitchFamily="2" charset="-127"/>
+                <a:ea typeface="Pretendard GOV" panose="02000503000000020004" pitchFamily="2" charset="-127"/>
+                <a:cs typeface="Pretendard GOV" panose="02000503000000020004" pitchFamily="2" charset="-127"/>
               </a:defRPr>
             </a:lvl1pPr>
             <a:lvl2pPr>
               <a:defRPr>
-                <a:latin typeface="AppleSDGothicNeoB00" panose="02000503000000000000" pitchFamily="2" charset="-127"/>
-                <a:ea typeface="AppleSDGothicNeoB00" panose="02000503000000000000" pitchFamily="2" charset="-127"/>
+                <a:latin typeface="Pretendard GOV" panose="02000503000000020004" pitchFamily="2" charset="-127"/>
+                <a:ea typeface="Pretendard GOV" panose="02000503000000020004" pitchFamily="2" charset="-127"/>
+                <a:cs typeface="Pretendard GOV" panose="02000503000000020004" pitchFamily="2" charset="-127"/>
               </a:defRPr>
             </a:lvl2pPr>
             <a:lvl3pPr>
               <a:defRPr>
-                <a:latin typeface="AppleSDGothicNeoB00" panose="02000503000000000000" pitchFamily="2" charset="-127"/>
-                <a:ea typeface="AppleSDGothicNeoB00" panose="02000503000000000000" pitchFamily="2" charset="-127"/>
+                <a:latin typeface="Pretendard GOV" panose="02000503000000020004" pitchFamily="2" charset="-127"/>
+                <a:ea typeface="Pretendard GOV" panose="02000503000000020004" pitchFamily="2" charset="-127"/>
+                <a:cs typeface="Pretendard GOV" panose="02000503000000020004" pitchFamily="2" charset="-127"/>
               </a:defRPr>
             </a:lvl3pPr>
             <a:lvl4pPr>
               <a:defRPr>
-                <a:latin typeface="AppleSDGothicNeoB00" panose="02000503000000000000" pitchFamily="2" charset="-127"/>
-                <a:ea typeface="AppleSDGothicNeoB00" panose="02000503000000000000" pitchFamily="2" charset="-127"/>
+                <a:latin typeface="Pretendard GOV" panose="02000503000000020004" pitchFamily="2" charset="-127"/>
+                <a:ea typeface="Pretendard GOV" panose="02000503000000020004" pitchFamily="2" charset="-127"/>
+                <a:cs typeface="Pretendard GOV" panose="02000503000000020004" pitchFamily="2" charset="-127"/>
               </a:defRPr>
             </a:lvl4pPr>
             <a:lvl5pPr>
               <a:defRPr>
-                <a:latin typeface="AppleSDGothicNeoB00" panose="02000503000000000000" pitchFamily="2" charset="-127"/>
-                <a:ea typeface="AppleSDGothicNeoB00" panose="02000503000000000000" pitchFamily="2" charset="-127"/>
+                <a:latin typeface="Pretendard GOV" panose="02000503000000020004" pitchFamily="2" charset="-127"/>
+                <a:ea typeface="Pretendard GOV" panose="02000503000000020004" pitchFamily="2" charset="-127"/>
+                <a:cs typeface="Pretendard GOV" panose="02000503000000020004" pitchFamily="2" charset="-127"/>
               </a:defRPr>
             </a:lvl5pPr>
           </a:lstStyle>
@@ -3420,7 +3415,7 @@
     </p:spTree>
     <p:extLst>
       <p:ext uri="{BB962C8B-B14F-4D97-AF65-F5344CB8AC3E}">
-        <p14:creationId xmlns:p14="http://schemas.microsoft.com/office/powerpoint/2010/main" val="3982172759"/>
+        <p14:creationId xmlns:p14="http://schemas.microsoft.com/office/powerpoint/2010/main" val="1362685677"/>
       </p:ext>
     </p:extLst>
   </p:cSld>
@@ -3603,7 +3598,7 @@
           <a:p>
             <a:pPr lvl="0"/>
             <a:r>
-              <a:rPr lang="ko-KR" altLang="en-US"/>
+              <a:rPr lang="ko-KR" altLang="en-US" dirty="0"/>
               <a:t>마스터 텍스트 스타일을 편집하려면 클릭</a:t>
             </a:r>
           </a:p>
@@ -3695,7 +3690,7 @@
     </p:spTree>
     <p:extLst>
       <p:ext uri="{BB962C8B-B14F-4D97-AF65-F5344CB8AC3E}">
-        <p14:creationId xmlns:p14="http://schemas.microsoft.com/office/powerpoint/2010/main" val="3139601954"/>
+        <p14:creationId xmlns:p14="http://schemas.microsoft.com/office/powerpoint/2010/main" val="4097783982"/>
       </p:ext>
     </p:extLst>
   </p:cSld>
@@ -3960,7 +3955,7 @@
     </p:spTree>
     <p:extLst>
       <p:ext uri="{BB962C8B-B14F-4D97-AF65-F5344CB8AC3E}">
-        <p14:creationId xmlns:p14="http://schemas.microsoft.com/office/powerpoint/2010/main" val="3335411512"/>
+        <p14:creationId xmlns:p14="http://schemas.microsoft.com/office/powerpoint/2010/main" val="2558931015"/>
       </p:ext>
     </p:extLst>
   </p:cSld>
@@ -4373,7 +4368,7 @@
     </p:spTree>
     <p:extLst>
       <p:ext uri="{BB962C8B-B14F-4D97-AF65-F5344CB8AC3E}">
-        <p14:creationId xmlns:p14="http://schemas.microsoft.com/office/powerpoint/2010/main" val="3178042856"/>
+        <p14:creationId xmlns:p14="http://schemas.microsoft.com/office/powerpoint/2010/main" val="2816319806"/>
       </p:ext>
     </p:extLst>
   </p:cSld>
@@ -4520,7 +4515,7 @@
     </p:spTree>
     <p:extLst>
       <p:ext uri="{BB962C8B-B14F-4D97-AF65-F5344CB8AC3E}">
-        <p14:creationId xmlns:p14="http://schemas.microsoft.com/office/powerpoint/2010/main" val="3516190299"/>
+        <p14:creationId xmlns:p14="http://schemas.microsoft.com/office/powerpoint/2010/main" val="150646549"/>
       </p:ext>
     </p:extLst>
   </p:cSld>
@@ -4633,7 +4628,7 @@
     </p:spTree>
     <p:extLst>
       <p:ext uri="{BB962C8B-B14F-4D97-AF65-F5344CB8AC3E}">
-        <p14:creationId xmlns:p14="http://schemas.microsoft.com/office/powerpoint/2010/main" val="2315359874"/>
+        <p14:creationId xmlns:p14="http://schemas.microsoft.com/office/powerpoint/2010/main" val="2108215737"/>
       </p:ext>
     </p:extLst>
   </p:cSld>
@@ -4753,35 +4748,35 @@
           <a:p>
             <a:pPr lvl="0"/>
             <a:r>
-              <a:rPr lang="ko-KR" altLang="en-US"/>
+              <a:rPr lang="ko-KR" altLang="en-US" dirty="0"/>
               <a:t>마스터 텍스트 스타일을 편집하려면 클릭</a:t>
             </a:r>
           </a:p>
           <a:p>
             <a:pPr lvl="1"/>
             <a:r>
-              <a:rPr lang="ko-KR" altLang="en-US"/>
+              <a:rPr lang="ko-KR" altLang="en-US" dirty="0"/>
               <a:t>두 번째 수준</a:t>
             </a:r>
           </a:p>
           <a:p>
             <a:pPr lvl="2"/>
             <a:r>
-              <a:rPr lang="ko-KR" altLang="en-US"/>
+              <a:rPr lang="ko-KR" altLang="en-US" dirty="0"/>
               <a:t>세 번째 수준</a:t>
             </a:r>
           </a:p>
           <a:p>
             <a:pPr lvl="3"/>
             <a:r>
-              <a:rPr lang="ko-KR" altLang="en-US"/>
+              <a:rPr lang="ko-KR" altLang="en-US" dirty="0"/>
               <a:t>네 번째 수준</a:t>
             </a:r>
           </a:p>
           <a:p>
             <a:pPr lvl="4"/>
             <a:r>
-              <a:rPr lang="ko-KR" altLang="en-US"/>
+              <a:rPr lang="ko-KR" altLang="en-US" dirty="0"/>
               <a:t>다섯 번째 수준</a:t>
             </a:r>
           </a:p>
@@ -4944,7 +4939,7 @@
     </p:spTree>
     <p:extLst>
       <p:ext uri="{BB962C8B-B14F-4D97-AF65-F5344CB8AC3E}">
-        <p14:creationId xmlns:p14="http://schemas.microsoft.com/office/powerpoint/2010/main" val="1110955260"/>
+        <p14:creationId xmlns:p14="http://schemas.microsoft.com/office/powerpoint/2010/main" val="4228622883"/>
       </p:ext>
     </p:extLst>
   </p:cSld>
@@ -5235,7 +5230,7 @@
     </p:spTree>
     <p:extLst>
       <p:ext uri="{BB962C8B-B14F-4D97-AF65-F5344CB8AC3E}">
-        <p14:creationId xmlns:p14="http://schemas.microsoft.com/office/powerpoint/2010/main" val="2441405886"/>
+        <p14:creationId xmlns:p14="http://schemas.microsoft.com/office/powerpoint/2010/main" val="2936731092"/>
       </p:ext>
     </p:extLst>
   </p:cSld>
@@ -5556,23 +5551,23 @@
     </p:spTree>
     <p:extLst>
       <p:ext uri="{BB962C8B-B14F-4D97-AF65-F5344CB8AC3E}">
-        <p14:creationId xmlns:p14="http://schemas.microsoft.com/office/powerpoint/2010/main" val="498132082"/>
+        <p14:creationId xmlns:p14="http://schemas.microsoft.com/office/powerpoint/2010/main" val="2818859850"/>
       </p:ext>
     </p:extLst>
   </p:cSld>
   <p:clrMap bg1="lt1" tx1="dk1" bg2="lt2" tx2="dk2" accent1="accent1" accent2="accent2" accent3="accent3" accent4="accent4" accent5="accent5" accent6="accent6" hlink="hlink" folHlink="folHlink"/>
   <p:sldLayoutIdLst>
-    <p:sldLayoutId id="2147483661" r:id="rId1"/>
-    <p:sldLayoutId id="2147483662" r:id="rId2"/>
-    <p:sldLayoutId id="2147483663" r:id="rId3"/>
-    <p:sldLayoutId id="2147483664" r:id="rId4"/>
-    <p:sldLayoutId id="2147483665" r:id="rId5"/>
-    <p:sldLayoutId id="2147483666" r:id="rId6"/>
-    <p:sldLayoutId id="2147483667" r:id="rId7"/>
-    <p:sldLayoutId id="2147483668" r:id="rId8"/>
-    <p:sldLayoutId id="2147483669" r:id="rId9"/>
-    <p:sldLayoutId id="2147483670" r:id="rId10"/>
-    <p:sldLayoutId id="2147483671" r:id="rId11"/>
+    <p:sldLayoutId id="2147483673" r:id="rId1"/>
+    <p:sldLayoutId id="2147483674" r:id="rId2"/>
+    <p:sldLayoutId id="2147483675" r:id="rId3"/>
+    <p:sldLayoutId id="2147483676" r:id="rId4"/>
+    <p:sldLayoutId id="2147483677" r:id="rId5"/>
+    <p:sldLayoutId id="2147483678" r:id="rId6"/>
+    <p:sldLayoutId id="2147483679" r:id="rId7"/>
+    <p:sldLayoutId id="2147483680" r:id="rId8"/>
+    <p:sldLayoutId id="2147483681" r:id="rId9"/>
+    <p:sldLayoutId id="2147483682" r:id="rId10"/>
+    <p:sldLayoutId id="2147483683" r:id="rId11"/>
   </p:sldLayoutIdLst>
   <p:hf hdr="0" ftr="0"/>
   <p:txStyles>
@@ -5589,9 +5584,9 @@
           <a:solidFill>
             <a:schemeClr val="tx1"/>
           </a:solidFill>
-          <a:latin typeface="AppleSDGothicNeoH00" panose="02000503000000000000" pitchFamily="2" charset="-127"/>
-          <a:ea typeface="AppleSDGothicNeoH00" panose="02000503000000000000" pitchFamily="2" charset="-127"/>
-          <a:cs typeface="Malgun Gothic Semilight" panose="020B0503020000020004" pitchFamily="34" charset="-127"/>
+          <a:latin typeface="Pretendard GOV Black" panose="02000A03000000020004" pitchFamily="2" charset="-127"/>
+          <a:ea typeface="Pretendard GOV Black" panose="02000A03000000020004" pitchFamily="2" charset="-127"/>
+          <a:cs typeface="Pretendard GOV Black" panose="02000A03000000020004" pitchFamily="2" charset="-127"/>
         </a:defRPr>
       </a:lvl1pPr>
     </p:titleStyle>
@@ -5609,9 +5604,9 @@
           <a:solidFill>
             <a:schemeClr val="tx1"/>
           </a:solidFill>
-          <a:latin typeface="AppleSDGothicNeoB00" panose="02000503000000000000" pitchFamily="2" charset="-127"/>
-          <a:ea typeface="AppleSDGothicNeoB00" panose="02000503000000000000" pitchFamily="2" charset="-127"/>
-          <a:cs typeface="+mn-cs"/>
+          <a:latin typeface="Pretendard GOV" panose="02000503000000020004" pitchFamily="2" charset="-127"/>
+          <a:ea typeface="Pretendard GOV" panose="02000503000000020004" pitchFamily="2" charset="-127"/>
+          <a:cs typeface="Pretendard GOV" panose="02000503000000020004" pitchFamily="2" charset="-127"/>
         </a:defRPr>
       </a:lvl1pPr>
       <a:lvl2pPr marL="685800" indent="-228600" algn="l" defTabSz="914400" rtl="0" eaLnBrk="1" latinLnBrk="1" hangingPunct="1">
@@ -5627,9 +5622,9 @@
           <a:solidFill>
             <a:schemeClr val="tx1"/>
           </a:solidFill>
-          <a:latin typeface="AppleSDGothicNeoB00" panose="02000503000000000000" pitchFamily="2" charset="-127"/>
-          <a:ea typeface="AppleSDGothicNeoB00" panose="02000503000000000000" pitchFamily="2" charset="-127"/>
-          <a:cs typeface="+mn-cs"/>
+          <a:latin typeface="Pretendard GOV" panose="02000503000000020004" pitchFamily="2" charset="-127"/>
+          <a:ea typeface="Pretendard GOV" panose="02000503000000020004" pitchFamily="2" charset="-127"/>
+          <a:cs typeface="Pretendard GOV" panose="02000503000000020004" pitchFamily="2" charset="-127"/>
         </a:defRPr>
       </a:lvl2pPr>
       <a:lvl3pPr marL="1143000" indent="-228600" algn="l" defTabSz="914400" rtl="0" eaLnBrk="1" latinLnBrk="1" hangingPunct="1">
@@ -5645,9 +5640,9 @@
           <a:solidFill>
             <a:schemeClr val="tx1"/>
           </a:solidFill>
-          <a:latin typeface="AppleSDGothicNeoB00" panose="02000503000000000000" pitchFamily="2" charset="-127"/>
-          <a:ea typeface="AppleSDGothicNeoB00" panose="02000503000000000000" pitchFamily="2" charset="-127"/>
-          <a:cs typeface="+mn-cs"/>
+          <a:latin typeface="Pretendard GOV" panose="02000503000000020004" pitchFamily="2" charset="-127"/>
+          <a:ea typeface="Pretendard GOV" panose="02000503000000020004" pitchFamily="2" charset="-127"/>
+          <a:cs typeface="Pretendard GOV" panose="02000503000000020004" pitchFamily="2" charset="-127"/>
         </a:defRPr>
       </a:lvl3pPr>
       <a:lvl4pPr marL="1600200" indent="-228600" algn="l" defTabSz="914400" rtl="0" eaLnBrk="1" latinLnBrk="1" hangingPunct="1">
@@ -5663,9 +5658,9 @@
           <a:solidFill>
             <a:schemeClr val="tx1"/>
           </a:solidFill>
-          <a:latin typeface="AppleSDGothicNeoB00" panose="02000503000000000000" pitchFamily="2" charset="-127"/>
-          <a:ea typeface="AppleSDGothicNeoB00" panose="02000503000000000000" pitchFamily="2" charset="-127"/>
-          <a:cs typeface="+mn-cs"/>
+          <a:latin typeface="Pretendard GOV" panose="02000503000000020004" pitchFamily="2" charset="-127"/>
+          <a:ea typeface="Pretendard GOV" panose="02000503000000020004" pitchFamily="2" charset="-127"/>
+          <a:cs typeface="Pretendard GOV" panose="02000503000000020004" pitchFamily="2" charset="-127"/>
         </a:defRPr>
       </a:lvl4pPr>
       <a:lvl5pPr marL="2057400" indent="-228600" algn="l" defTabSz="914400" rtl="0" eaLnBrk="1" latinLnBrk="1" hangingPunct="1">
@@ -5681,9 +5676,9 @@
           <a:solidFill>
             <a:schemeClr val="tx1"/>
           </a:solidFill>
-          <a:latin typeface="AppleSDGothicNeoB00" panose="02000503000000000000" pitchFamily="2" charset="-127"/>
-          <a:ea typeface="AppleSDGothicNeoB00" panose="02000503000000000000" pitchFamily="2" charset="-127"/>
-          <a:cs typeface="+mn-cs"/>
+          <a:latin typeface="Pretendard GOV" panose="02000503000000020004" pitchFamily="2" charset="-127"/>
+          <a:ea typeface="Pretendard GOV" panose="02000503000000020004" pitchFamily="2" charset="-127"/>
+          <a:cs typeface="Pretendard GOV" panose="02000503000000020004" pitchFamily="2" charset="-127"/>
         </a:defRPr>
       </a:lvl5pPr>
       <a:lvl6pPr marL="2514600" indent="-228600" algn="l" defTabSz="914400" rtl="0" eaLnBrk="1" latinLnBrk="1" hangingPunct="1">
@@ -6130,7 +6125,7 @@
         <p:spPr>
           <a:xfrm>
             <a:off x="759543" y="5436724"/>
-            <a:ext cx="5501827" cy="461665"/>
+            <a:ext cx="5591595" cy="461665"/>
           </a:xfrm>
           <a:prstGeom prst="rect">
             <a:avLst/>
@@ -6144,7 +6139,11 @@
           <a:lstStyle/>
           <a:p>
             <a:r>
-              <a:rPr lang="ko-KR" altLang="en-US" sz="2400"/>
+              <a:rPr lang="ko-KR" altLang="en-US" sz="2400" dirty="0">
+                <a:latin typeface="Pretendard GOV SemiBold" panose="02000703000000020004" pitchFamily="2" charset="-127"/>
+                <a:ea typeface="Pretendard GOV SemiBold" panose="02000703000000020004" pitchFamily="2" charset="-127"/>
+                <a:cs typeface="Pretendard GOV SemiBold" panose="02000703000000020004" pitchFamily="2" charset="-127"/>
+              </a:rPr>
               <a:t>클릭하여 자세한 변동 사항을 체크 할 수 있음</a:t>
             </a:r>
           </a:p>
@@ -6165,7 +6164,7 @@
         <p:spPr>
           <a:xfrm>
             <a:off x="3915757" y="1424332"/>
-            <a:ext cx="3454792" cy="461665"/>
+            <a:ext cx="3517310" cy="461665"/>
           </a:xfrm>
           <a:prstGeom prst="rect">
             <a:avLst/>
@@ -6179,15 +6178,27 @@
           <a:lstStyle/>
           <a:p>
             <a:r>
-              <a:rPr lang="ko-KR" altLang="en-US" sz="2400"/>
+              <a:rPr lang="ko-KR" altLang="en-US" sz="2400" dirty="0">
+                <a:latin typeface="Pretendard GOV SemiBold" panose="02000703000000020004" pitchFamily="2" charset="-127"/>
+                <a:ea typeface="Pretendard GOV SemiBold" panose="02000703000000020004" pitchFamily="2" charset="-127"/>
+                <a:cs typeface="Pretendard GOV SemiBold" panose="02000703000000020004" pitchFamily="2" charset="-127"/>
+              </a:rPr>
               <a:t>변경 사항에 대해 </a:t>
             </a:r>
             <a:r>
-              <a:rPr lang="en-US" altLang="ko-KR" sz="2400"/>
+              <a:rPr lang="en-US" altLang="ko-KR" sz="2400" dirty="0">
+                <a:latin typeface="Pretendard GOV SemiBold" panose="02000703000000020004" pitchFamily="2" charset="-127"/>
+                <a:ea typeface="Pretendard GOV SemiBold" panose="02000703000000020004" pitchFamily="2" charset="-127"/>
+                <a:cs typeface="Pretendard GOV SemiBold" panose="02000703000000020004" pitchFamily="2" charset="-127"/>
+              </a:rPr>
               <a:t>Add </a:t>
             </a:r>
             <a:r>
-              <a:rPr lang="ko-KR" altLang="en-US" sz="2400"/>
+              <a:rPr lang="ko-KR" altLang="en-US" sz="2400" dirty="0">
+                <a:latin typeface="Pretendard GOV SemiBold" panose="02000703000000020004" pitchFamily="2" charset="-127"/>
+                <a:ea typeface="Pretendard GOV SemiBold" panose="02000703000000020004" pitchFamily="2" charset="-127"/>
+                <a:cs typeface="Pretendard GOV SemiBold" panose="02000703000000020004" pitchFamily="2" charset="-127"/>
+              </a:rPr>
               <a:t>실행</a:t>
             </a:r>
           </a:p>
@@ -6299,7 +6310,7 @@
         <p:spPr>
           <a:xfrm flipH="1">
             <a:off x="3754967" y="1885997"/>
-            <a:ext cx="1888186" cy="653123"/>
+            <a:ext cx="1919445" cy="653123"/>
           </a:xfrm>
           <a:prstGeom prst="line">
             <a:avLst/>
@@ -6498,7 +6509,7 @@
         <p:spPr>
           <a:xfrm>
             <a:off x="3292418" y="5077815"/>
-            <a:ext cx="3441968" cy="461665"/>
+            <a:ext cx="3517310" cy="461665"/>
           </a:xfrm>
           <a:prstGeom prst="rect">
             <a:avLst/>
@@ -6512,15 +6523,27 @@
           <a:lstStyle/>
           <a:p>
             <a:r>
-              <a:rPr lang="ko-KR" altLang="en-US" sz="2400"/>
+              <a:rPr lang="ko-KR" altLang="en-US" sz="2400" dirty="0">
+                <a:latin typeface="Pretendard GOV SemiBold" panose="02000703000000020004" pitchFamily="2" charset="-127"/>
+                <a:ea typeface="Pretendard GOV SemiBold" panose="02000703000000020004" pitchFamily="2" charset="-127"/>
+                <a:cs typeface="Pretendard GOV SemiBold" panose="02000703000000020004" pitchFamily="2" charset="-127"/>
+              </a:rPr>
               <a:t>메모 작성 및 </a:t>
             </a:r>
             <a:r>
-              <a:rPr lang="en-US" altLang="ko-KR" sz="2400"/>
+              <a:rPr lang="en-US" altLang="ko-KR" sz="2400" dirty="0">
+                <a:latin typeface="Pretendard GOV SemiBold" panose="02000703000000020004" pitchFamily="2" charset="-127"/>
+                <a:ea typeface="Pretendard GOV SemiBold" panose="02000703000000020004" pitchFamily="2" charset="-127"/>
+                <a:cs typeface="Pretendard GOV SemiBold" panose="02000703000000020004" pitchFamily="2" charset="-127"/>
+              </a:rPr>
               <a:t>Commit</a:t>
             </a:r>
             <a:r>
-              <a:rPr lang="ko-KR" altLang="en-US" sz="2400"/>
+              <a:rPr lang="ko-KR" altLang="en-US" sz="2400" dirty="0">
+                <a:latin typeface="Pretendard GOV SemiBold" panose="02000703000000020004" pitchFamily="2" charset="-127"/>
+                <a:ea typeface="Pretendard GOV SemiBold" panose="02000703000000020004" pitchFamily="2" charset="-127"/>
+                <a:cs typeface="Pretendard GOV SemiBold" panose="02000703000000020004" pitchFamily="2" charset="-127"/>
+              </a:rPr>
               <a:t> 실행</a:t>
             </a:r>
           </a:p>
@@ -6684,8 +6707,8 @@
         </p:nvCxnSpPr>
         <p:spPr>
           <a:xfrm flipH="1">
-            <a:off x="5013402" y="2898968"/>
-            <a:ext cx="2254231" cy="2178847"/>
+            <a:off x="5051073" y="2898968"/>
+            <a:ext cx="2216560" cy="2178847"/>
           </a:xfrm>
           <a:prstGeom prst="line">
             <a:avLst/>
@@ -6884,7 +6907,11 @@
           <a:lstStyle/>
           <a:p>
             <a:pPr algn="ctr"/>
-            <a:endParaRPr lang="ko-KR" altLang="en-US"/>
+            <a:endParaRPr lang="ko-KR" altLang="en-US">
+              <a:latin typeface="Pretendard GOV SemiBold" panose="02000703000000020004" pitchFamily="2" charset="-127"/>
+              <a:ea typeface="Pretendard GOV SemiBold" panose="02000703000000020004" pitchFamily="2" charset="-127"/>
+              <a:cs typeface="Pretendard GOV SemiBold" panose="02000703000000020004" pitchFamily="2" charset="-127"/>
+            </a:endParaRPr>
           </a:p>
         </p:txBody>
       </p:sp>
@@ -6930,7 +6957,11 @@
           <a:lstStyle/>
           <a:p>
             <a:pPr algn="ctr"/>
-            <a:endParaRPr lang="ko-KR" altLang="en-US"/>
+            <a:endParaRPr lang="ko-KR" altLang="en-US">
+              <a:latin typeface="Pretendard GOV SemiBold" panose="02000703000000020004" pitchFamily="2" charset="-127"/>
+              <a:ea typeface="Pretendard GOV SemiBold" panose="02000703000000020004" pitchFamily="2" charset="-127"/>
+              <a:cs typeface="Pretendard GOV SemiBold" panose="02000703000000020004" pitchFamily="2" charset="-127"/>
+            </a:endParaRPr>
           </a:p>
         </p:txBody>
       </p:sp>
@@ -6976,7 +7007,11 @@
           <a:lstStyle/>
           <a:p>
             <a:pPr algn="ctr"/>
-            <a:endParaRPr lang="ko-KR" altLang="en-US"/>
+            <a:endParaRPr lang="ko-KR" altLang="en-US">
+              <a:latin typeface="Pretendard GOV SemiBold" panose="02000703000000020004" pitchFamily="2" charset="-127"/>
+              <a:ea typeface="Pretendard GOV SemiBold" panose="02000703000000020004" pitchFamily="2" charset="-127"/>
+              <a:cs typeface="Pretendard GOV SemiBold" panose="02000703000000020004" pitchFamily="2" charset="-127"/>
+            </a:endParaRPr>
           </a:p>
         </p:txBody>
       </p:sp>
@@ -7022,7 +7057,11 @@
           <a:lstStyle/>
           <a:p>
             <a:pPr algn="ctr"/>
-            <a:endParaRPr lang="ko-KR" altLang="en-US"/>
+            <a:endParaRPr lang="ko-KR" altLang="en-US">
+              <a:latin typeface="Pretendard GOV SemiBold" panose="02000703000000020004" pitchFamily="2" charset="-127"/>
+              <a:ea typeface="Pretendard GOV SemiBold" panose="02000703000000020004" pitchFamily="2" charset="-127"/>
+              <a:cs typeface="Pretendard GOV SemiBold" panose="02000703000000020004" pitchFamily="2" charset="-127"/>
+            </a:endParaRPr>
           </a:p>
         </p:txBody>
       </p:sp>
@@ -7041,7 +7080,7 @@
         <p:spPr>
           <a:xfrm>
             <a:off x="619676" y="2442956"/>
-            <a:ext cx="1369286" cy="646331"/>
+            <a:ext cx="1396536" cy="646331"/>
           </a:xfrm>
           <a:prstGeom prst="rect">
             <a:avLst/>
@@ -7055,22 +7094,42 @@
           <a:lstStyle/>
           <a:p>
             <a:r>
-              <a:rPr lang="en-US" altLang="ko-KR"/>
+              <a:rPr lang="en-US" altLang="ko-KR">
+                <a:latin typeface="Pretendard GOV SemiBold" panose="02000703000000020004" pitchFamily="2" charset="-127"/>
+                <a:ea typeface="Pretendard GOV SemiBold" panose="02000703000000020004" pitchFamily="2" charset="-127"/>
+                <a:cs typeface="Pretendard GOV SemiBold" panose="02000703000000020004" pitchFamily="2" charset="-127"/>
+              </a:rPr>
               <a:t>master</a:t>
             </a:r>
             <a:r>
-              <a:rPr lang="ko-KR" altLang="en-US"/>
+              <a:rPr lang="ko-KR" altLang="en-US">
+                <a:latin typeface="Pretendard GOV SemiBold" panose="02000703000000020004" pitchFamily="2" charset="-127"/>
+                <a:ea typeface="Pretendard GOV SemiBold" panose="02000703000000020004" pitchFamily="2" charset="-127"/>
+                <a:cs typeface="Pretendard GOV SemiBold" panose="02000703000000020004" pitchFamily="2" charset="-127"/>
+              </a:rPr>
               <a:t> 또는</a:t>
             </a:r>
-            <a:endParaRPr lang="en-US" altLang="ko-KR"/>
-          </a:p>
-          <a:p>
-            <a:r>
-              <a:rPr lang="en-US" altLang="ko-KR"/>
+            <a:endParaRPr lang="en-US" altLang="ko-KR">
+              <a:latin typeface="Pretendard GOV SemiBold" panose="02000703000000020004" pitchFamily="2" charset="-127"/>
+              <a:ea typeface="Pretendard GOV SemiBold" panose="02000703000000020004" pitchFamily="2" charset="-127"/>
+              <a:cs typeface="Pretendard GOV SemiBold" panose="02000703000000020004" pitchFamily="2" charset="-127"/>
+            </a:endParaRPr>
+          </a:p>
+          <a:p>
+            <a:r>
+              <a:rPr lang="en-US" altLang="ko-KR">
+                <a:latin typeface="Pretendard GOV SemiBold" panose="02000703000000020004" pitchFamily="2" charset="-127"/>
+                <a:ea typeface="Pretendard GOV SemiBold" panose="02000703000000020004" pitchFamily="2" charset="-127"/>
+                <a:cs typeface="Pretendard GOV SemiBold" panose="02000703000000020004" pitchFamily="2" charset="-127"/>
+              </a:rPr>
               <a:t>main </a:t>
             </a:r>
             <a:r>
-              <a:rPr lang="ko-KR" altLang="en-US"/>
+              <a:rPr lang="ko-KR" altLang="en-US">
+                <a:latin typeface="Pretendard GOV SemiBold" panose="02000703000000020004" pitchFamily="2" charset="-127"/>
+                <a:ea typeface="Pretendard GOV SemiBold" panose="02000703000000020004" pitchFamily="2" charset="-127"/>
+                <a:cs typeface="Pretendard GOV SemiBold" panose="02000703000000020004" pitchFamily="2" charset="-127"/>
+              </a:rPr>
               <a:t>브랜치</a:t>
             </a:r>
           </a:p>
@@ -7105,14 +7164,26 @@
           <a:lstStyle/>
           <a:p>
             <a:r>
-              <a:rPr lang="ko-KR" altLang="en-US"/>
+              <a:rPr lang="ko-KR" altLang="en-US">
+                <a:latin typeface="Pretendard GOV SemiBold" panose="02000703000000020004" pitchFamily="2" charset="-127"/>
+                <a:ea typeface="Pretendard GOV SemiBold" panose="02000703000000020004" pitchFamily="2" charset="-127"/>
+                <a:cs typeface="Pretendard GOV SemiBold" panose="02000703000000020004" pitchFamily="2" charset="-127"/>
+              </a:rPr>
               <a:t>사용자별 또는</a:t>
             </a:r>
-            <a:endParaRPr lang="en-US" altLang="ko-KR"/>
-          </a:p>
-          <a:p>
-            <a:r>
-              <a:rPr lang="ko-KR" altLang="en-US"/>
+            <a:endParaRPr lang="en-US" altLang="ko-KR">
+              <a:latin typeface="Pretendard GOV SemiBold" panose="02000703000000020004" pitchFamily="2" charset="-127"/>
+              <a:ea typeface="Pretendard GOV SemiBold" panose="02000703000000020004" pitchFamily="2" charset="-127"/>
+              <a:cs typeface="Pretendard GOV SemiBold" panose="02000703000000020004" pitchFamily="2" charset="-127"/>
+            </a:endParaRPr>
+          </a:p>
+          <a:p>
+            <a:r>
+              <a:rPr lang="ko-KR" altLang="en-US">
+                <a:latin typeface="Pretendard GOV SemiBold" panose="02000703000000020004" pitchFamily="2" charset="-127"/>
+                <a:ea typeface="Pretendard GOV SemiBold" panose="02000703000000020004" pitchFamily="2" charset="-127"/>
+                <a:cs typeface="Pretendard GOV SemiBold" panose="02000703000000020004" pitchFamily="2" charset="-127"/>
+              </a:rPr>
               <a:t>목적별 브랜치</a:t>
             </a:r>
           </a:p>
@@ -7171,7 +7242,7 @@
         <p:spPr>
           <a:xfrm>
             <a:off x="3330086" y="1600046"/>
-            <a:ext cx="3531736" cy="369332"/>
+            <a:ext cx="3595856" cy="369332"/>
           </a:xfrm>
           <a:prstGeom prst="rect">
             <a:avLst/>
@@ -7185,18 +7256,50 @@
           <a:lstStyle/>
           <a:p>
             <a:r>
-              <a:rPr lang="en-US" altLang="ko-KR"/>
+              <a:rPr lang="en-US" altLang="ko-KR" dirty="0">
+                <a:latin typeface="Pretendard GOV SemiBold" panose="02000703000000020004" pitchFamily="2" charset="-127"/>
+                <a:ea typeface="Pretendard GOV SemiBold" panose="02000703000000020004" pitchFamily="2" charset="-127"/>
+                <a:cs typeface="Pretendard GOV SemiBold" panose="02000703000000020004" pitchFamily="2" charset="-127"/>
+              </a:rPr>
               <a:t>GitHub</a:t>
             </a:r>
             <a:r>
-              <a:rPr lang="ko-KR" altLang="en-US"/>
-              <a:t>에 올라가 있는 리모트 </a:t>
-            </a:r>
-            <a:r>
-              <a:rPr lang="en-US" altLang="ko-KR"/>
+              <a:rPr lang="ko-KR" altLang="en-US" dirty="0">
+                <a:latin typeface="Pretendard GOV SemiBold" panose="02000703000000020004" pitchFamily="2" charset="-127"/>
+                <a:ea typeface="Pretendard GOV SemiBold" panose="02000703000000020004" pitchFamily="2" charset="-127"/>
+                <a:cs typeface="Pretendard GOV SemiBold" panose="02000703000000020004" pitchFamily="2" charset="-127"/>
+              </a:rPr>
+              <a:t>에 올라가 있는 </a:t>
+            </a:r>
+            <a:r>
+              <a:rPr lang="ko-KR" altLang="en-US" dirty="0" err="1">
+                <a:latin typeface="Pretendard GOV SemiBold" panose="02000703000000020004" pitchFamily="2" charset="-127"/>
+                <a:ea typeface="Pretendard GOV SemiBold" panose="02000703000000020004" pitchFamily="2" charset="-127"/>
+                <a:cs typeface="Pretendard GOV SemiBold" panose="02000703000000020004" pitchFamily="2" charset="-127"/>
+              </a:rPr>
+              <a:t>리모트</a:t>
+            </a:r>
+            <a:r>
+              <a:rPr lang="ko-KR" altLang="en-US" dirty="0">
+                <a:latin typeface="Pretendard GOV SemiBold" panose="02000703000000020004" pitchFamily="2" charset="-127"/>
+                <a:ea typeface="Pretendard GOV SemiBold" panose="02000703000000020004" pitchFamily="2" charset="-127"/>
+                <a:cs typeface="Pretendard GOV SemiBold" panose="02000703000000020004" pitchFamily="2" charset="-127"/>
+              </a:rPr>
+              <a:t> </a:t>
+            </a:r>
+            <a:r>
+              <a:rPr lang="en-US" altLang="ko-KR" dirty="0">
+                <a:latin typeface="Pretendard GOV SemiBold" panose="02000703000000020004" pitchFamily="2" charset="-127"/>
+                <a:ea typeface="Pretendard GOV SemiBold" panose="02000703000000020004" pitchFamily="2" charset="-127"/>
+                <a:cs typeface="Pretendard GOV SemiBold" panose="02000703000000020004" pitchFamily="2" charset="-127"/>
+              </a:rPr>
               <a:t>Repo.</a:t>
             </a:r>
-            <a:endParaRPr lang="ko-KR" altLang="en-US"/>
+            <a:endParaRPr lang="ko-KR" altLang="en-US" dirty="0">
+              <a:latin typeface="Pretendard GOV SemiBold" panose="02000703000000020004" pitchFamily="2" charset="-127"/>
+              <a:ea typeface="Pretendard GOV SemiBold" panose="02000703000000020004" pitchFamily="2" charset="-127"/>
+              <a:cs typeface="Pretendard GOV SemiBold" panose="02000703000000020004" pitchFamily="2" charset="-127"/>
+            </a:endParaRPr>
           </a:p>
         </p:txBody>
       </p:sp>
@@ -7215,7 +7318,7 @@
         <p:spPr>
           <a:xfrm>
             <a:off x="5082354" y="5535907"/>
-            <a:ext cx="2507418" cy="369332"/>
+            <a:ext cx="2561920" cy="369332"/>
           </a:xfrm>
           <a:prstGeom prst="rect">
             <a:avLst/>
@@ -7229,22 +7332,42 @@
           <a:lstStyle/>
           <a:p>
             <a:r>
-              <a:rPr lang="ko-KR" altLang="en-US"/>
+              <a:rPr lang="ko-KR" altLang="en-US">
+                <a:latin typeface="Pretendard GOV SemiBold" panose="02000703000000020004" pitchFamily="2" charset="-127"/>
+                <a:ea typeface="Pretendard GOV SemiBold" panose="02000703000000020004" pitchFamily="2" charset="-127"/>
+                <a:cs typeface="Pretendard GOV SemiBold" panose="02000703000000020004" pitchFamily="2" charset="-127"/>
+              </a:rPr>
               <a:t>내 </a:t>
             </a:r>
             <a:r>
-              <a:rPr lang="en-US" altLang="ko-KR"/>
+              <a:rPr lang="en-US" altLang="ko-KR">
+                <a:latin typeface="Pretendard GOV SemiBold" panose="02000703000000020004" pitchFamily="2" charset="-127"/>
+                <a:ea typeface="Pretendard GOV SemiBold" panose="02000703000000020004" pitchFamily="2" charset="-127"/>
+                <a:cs typeface="Pretendard GOV SemiBold" panose="02000703000000020004" pitchFamily="2" charset="-127"/>
+              </a:rPr>
               <a:t>PC</a:t>
             </a:r>
             <a:r>
-              <a:rPr lang="ko-KR" altLang="en-US"/>
+              <a:rPr lang="ko-KR" altLang="en-US">
+                <a:latin typeface="Pretendard GOV SemiBold" panose="02000703000000020004" pitchFamily="2" charset="-127"/>
+                <a:ea typeface="Pretendard GOV SemiBold" panose="02000703000000020004" pitchFamily="2" charset="-127"/>
+                <a:cs typeface="Pretendard GOV SemiBold" panose="02000703000000020004" pitchFamily="2" charset="-127"/>
+              </a:rPr>
               <a:t>에 있는 로컬 </a:t>
             </a:r>
             <a:r>
-              <a:rPr lang="en-US" altLang="ko-KR"/>
+              <a:rPr lang="en-US" altLang="ko-KR">
+                <a:latin typeface="Pretendard GOV SemiBold" panose="02000703000000020004" pitchFamily="2" charset="-127"/>
+                <a:ea typeface="Pretendard GOV SemiBold" panose="02000703000000020004" pitchFamily="2" charset="-127"/>
+                <a:cs typeface="Pretendard GOV SemiBold" panose="02000703000000020004" pitchFamily="2" charset="-127"/>
+              </a:rPr>
               <a:t>Repo.</a:t>
             </a:r>
-            <a:endParaRPr lang="ko-KR" altLang="en-US"/>
+            <a:endParaRPr lang="ko-KR" altLang="en-US">
+              <a:latin typeface="Pretendard GOV SemiBold" panose="02000703000000020004" pitchFamily="2" charset="-127"/>
+              <a:ea typeface="Pretendard GOV SemiBold" panose="02000703000000020004" pitchFamily="2" charset="-127"/>
+              <a:cs typeface="Pretendard GOV SemiBold" panose="02000703000000020004" pitchFamily="2" charset="-127"/>
+            </a:endParaRPr>
           </a:p>
         </p:txBody>
       </p:sp>
@@ -7267,7 +7390,7 @@
         <p:spPr>
           <a:xfrm>
             <a:off x="5528321" y="4523379"/>
-            <a:ext cx="807742" cy="1012528"/>
+            <a:ext cx="834993" cy="1012528"/>
           </a:xfrm>
           <a:prstGeom prst="line">
             <a:avLst/>
@@ -7305,8 +7428,8 @@
         </p:nvCxnSpPr>
         <p:spPr>
           <a:xfrm>
-            <a:off x="1988962" y="2766122"/>
-            <a:ext cx="1341124" cy="3706"/>
+            <a:off x="2016212" y="2766122"/>
+            <a:ext cx="1313874" cy="3706"/>
           </a:xfrm>
           <a:prstGeom prst="straightConnector1">
             <a:avLst/>
@@ -7389,7 +7512,7 @@
         <p:spPr>
           <a:xfrm>
             <a:off x="4157825" y="2737817"/>
-            <a:ext cx="3166251" cy="646331"/>
+            <a:ext cx="3252814" cy="646331"/>
           </a:xfrm>
           <a:prstGeom prst="rect">
             <a:avLst/>
@@ -7407,29 +7530,57 @@
               <a:buAutoNum type="arabicPeriod"/>
             </a:pPr>
             <a:r>
-              <a:rPr lang="en-US" altLang="ko-KR"/>
+              <a:rPr lang="en-US" altLang="ko-KR">
+                <a:latin typeface="Pretendard GOV SemiBold" panose="02000703000000020004" pitchFamily="2" charset="-127"/>
+                <a:ea typeface="Pretendard GOV SemiBold" panose="02000703000000020004" pitchFamily="2" charset="-127"/>
+                <a:cs typeface="Pretendard GOV SemiBold" panose="02000703000000020004" pitchFamily="2" charset="-127"/>
+              </a:rPr>
               <a:t>Branch</a:t>
             </a:r>
             <a:r>
-              <a:rPr lang="ko-KR" altLang="en-US"/>
+              <a:rPr lang="ko-KR" altLang="en-US">
+                <a:latin typeface="Pretendard GOV SemiBold" panose="02000703000000020004" pitchFamily="2" charset="-127"/>
+                <a:ea typeface="Pretendard GOV SemiBold" panose="02000703000000020004" pitchFamily="2" charset="-127"/>
+                <a:cs typeface="Pretendard GOV SemiBold" panose="02000703000000020004" pitchFamily="2" charset="-127"/>
+              </a:rPr>
               <a:t> 생성 및 </a:t>
             </a:r>
             <a:r>
-              <a:rPr lang="en-US" altLang="ko-KR"/>
+              <a:rPr lang="en-US" altLang="ko-KR">
+                <a:latin typeface="Pretendard GOV SemiBold" panose="02000703000000020004" pitchFamily="2" charset="-127"/>
+                <a:ea typeface="Pretendard GOV SemiBold" panose="02000703000000020004" pitchFamily="2" charset="-127"/>
+                <a:cs typeface="Pretendard GOV SemiBold" panose="02000703000000020004" pitchFamily="2" charset="-127"/>
+              </a:rPr>
               <a:t>Check out </a:t>
             </a:r>
             <a:br>
-              <a:rPr lang="en-US" altLang="ko-KR"/>
+              <a:rPr lang="en-US" altLang="ko-KR">
+                <a:latin typeface="Pretendard GOV SemiBold" panose="02000703000000020004" pitchFamily="2" charset="-127"/>
+                <a:ea typeface="Pretendard GOV SemiBold" panose="02000703000000020004" pitchFamily="2" charset="-127"/>
+                <a:cs typeface="Pretendard GOV SemiBold" panose="02000703000000020004" pitchFamily="2" charset="-127"/>
+              </a:rPr>
             </a:br>
             <a:r>
-              <a:rPr lang="ko-KR" altLang="en-US"/>
+              <a:rPr lang="ko-KR" altLang="en-US">
+                <a:latin typeface="Pretendard GOV SemiBold" panose="02000703000000020004" pitchFamily="2" charset="-127"/>
+                <a:ea typeface="Pretendard GOV SemiBold" panose="02000703000000020004" pitchFamily="2" charset="-127"/>
+                <a:cs typeface="Pretendard GOV SemiBold" panose="02000703000000020004" pitchFamily="2" charset="-127"/>
+              </a:rPr>
               <a:t>또는 </a:t>
             </a:r>
             <a:r>
-              <a:rPr lang="en-US" altLang="ko-KR"/>
+              <a:rPr lang="en-US" altLang="ko-KR">
+                <a:latin typeface="Pretendard GOV SemiBold" panose="02000703000000020004" pitchFamily="2" charset="-127"/>
+                <a:ea typeface="Pretendard GOV SemiBold" panose="02000703000000020004" pitchFamily="2" charset="-127"/>
+                <a:cs typeface="Pretendard GOV SemiBold" panose="02000703000000020004" pitchFamily="2" charset="-127"/>
+              </a:rPr>
               <a:t>Switch</a:t>
             </a:r>
-            <a:endParaRPr lang="ko-KR" altLang="en-US"/>
+            <a:endParaRPr lang="ko-KR" altLang="en-US">
+              <a:latin typeface="Pretendard GOV SemiBold" panose="02000703000000020004" pitchFamily="2" charset="-127"/>
+              <a:ea typeface="Pretendard GOV SemiBold" panose="02000703000000020004" pitchFamily="2" charset="-127"/>
+              <a:cs typeface="Pretendard GOV SemiBold" panose="02000703000000020004" pitchFamily="2" charset="-127"/>
+            </a:endParaRPr>
           </a:p>
         </p:txBody>
       </p:sp>
@@ -7509,7 +7660,11 @@
               <a:buAutoNum type="arabicPeriod" startAt="2"/>
             </a:pPr>
             <a:r>
-              <a:rPr lang="ko-KR" altLang="en-US"/>
+              <a:rPr lang="ko-KR" altLang="en-US">
+                <a:latin typeface="Pretendard GOV SemiBold" panose="02000703000000020004" pitchFamily="2" charset="-127"/>
+                <a:ea typeface="Pretendard GOV SemiBold" panose="02000703000000020004" pitchFamily="2" charset="-127"/>
+                <a:cs typeface="Pretendard GOV SemiBold" panose="02000703000000020004" pitchFamily="2" charset="-127"/>
+              </a:rPr>
               <a:t>변동사항 커밋</a:t>
             </a:r>
           </a:p>
@@ -7574,7 +7729,7 @@
         <p:spPr>
           <a:xfrm>
             <a:off x="7068980" y="4680164"/>
-            <a:ext cx="1744388" cy="369332"/>
+            <a:ext cx="1773242" cy="369332"/>
           </a:xfrm>
           <a:prstGeom prst="rect">
             <a:avLst/>
@@ -7588,7 +7743,11 @@
           <a:lstStyle/>
           <a:p>
             <a:r>
-              <a:rPr lang="ko-KR" altLang="en-US"/>
+              <a:rPr lang="ko-KR" altLang="en-US">
+                <a:latin typeface="Pretendard GOV SemiBold" panose="02000703000000020004" pitchFamily="2" charset="-127"/>
+                <a:ea typeface="Pretendard GOV SemiBold" panose="02000703000000020004" pitchFamily="2" charset="-127"/>
+                <a:cs typeface="Pretendard GOV SemiBold" panose="02000703000000020004" pitchFamily="2" charset="-127"/>
+              </a:rPr>
               <a:t>작업 완료 후 커밋</a:t>
             </a:r>
           </a:p>
@@ -7652,7 +7811,7 @@
         <p:spPr>
           <a:xfrm>
             <a:off x="8431786" y="4195118"/>
-            <a:ext cx="1835759" cy="369332"/>
+            <a:ext cx="1911101" cy="369332"/>
           </a:xfrm>
           <a:prstGeom prst="rect">
             <a:avLst/>
@@ -7666,19 +7825,35 @@
           <a:lstStyle/>
           <a:p>
             <a:r>
-              <a:rPr lang="en-US" altLang="ko-KR" dirty="0"/>
+              <a:rPr lang="en-US" altLang="ko-KR" dirty="0">
+                <a:latin typeface="Pretendard GOV SemiBold" panose="02000703000000020004" pitchFamily="2" charset="-127"/>
+                <a:ea typeface="Pretendard GOV SemiBold" panose="02000703000000020004" pitchFamily="2" charset="-127"/>
+                <a:cs typeface="Pretendard GOV SemiBold" panose="02000703000000020004" pitchFamily="2" charset="-127"/>
+              </a:rPr>
               <a:t>1. </a:t>
             </a:r>
             <a:r>
-              <a:rPr lang="ko-KR" altLang="en-US" dirty="0" err="1"/>
+              <a:rPr lang="ko-KR" altLang="en-US" dirty="0" err="1">
+                <a:latin typeface="Pretendard GOV SemiBold" panose="02000703000000020004" pitchFamily="2" charset="-127"/>
+                <a:ea typeface="Pretendard GOV SemiBold" panose="02000703000000020004" pitchFamily="2" charset="-127"/>
+                <a:cs typeface="Pretendard GOV SemiBold" panose="02000703000000020004" pitchFamily="2" charset="-127"/>
+              </a:rPr>
               <a:t>커밋</a:t>
             </a:r>
             <a:r>
-              <a:rPr lang="ko-KR" altLang="en-US" dirty="0"/>
+              <a:rPr lang="ko-KR" altLang="en-US" dirty="0">
+                <a:latin typeface="Pretendard GOV SemiBold" panose="02000703000000020004" pitchFamily="2" charset="-127"/>
+                <a:ea typeface="Pretendard GOV SemiBold" panose="02000703000000020004" pitchFamily="2" charset="-127"/>
+                <a:cs typeface="Pretendard GOV SemiBold" panose="02000703000000020004" pitchFamily="2" charset="-127"/>
+              </a:rPr>
               <a:t> 내용 </a:t>
             </a:r>
             <a:r>
-              <a:rPr lang="en-US" altLang="ko-KR" dirty="0"/>
+              <a:rPr lang="en-US" altLang="ko-KR" dirty="0">
+                <a:latin typeface="Pretendard GOV SemiBold" panose="02000703000000020004" pitchFamily="2" charset="-127"/>
+                <a:ea typeface="Pretendard GOV SemiBold" panose="02000703000000020004" pitchFamily="2" charset="-127"/>
+                <a:cs typeface="Pretendard GOV SemiBold" panose="02000703000000020004" pitchFamily="2" charset="-127"/>
+              </a:rPr>
               <a:t>Push</a:t>
             </a:r>
           </a:p>
@@ -7699,7 +7874,7 @@
         <p:spPr>
           <a:xfrm>
             <a:off x="8638074" y="1686290"/>
-            <a:ext cx="2638864" cy="646331"/>
+            <a:ext cx="2706190" cy="646331"/>
           </a:xfrm>
           <a:prstGeom prst="rect">
             <a:avLst/>
@@ -7713,33 +7888,65 @@
           <a:lstStyle/>
           <a:p>
             <a:r>
-              <a:rPr lang="en-US" altLang="ko-KR"/>
+              <a:rPr lang="en-US" altLang="ko-KR">
+                <a:latin typeface="Pretendard GOV SemiBold" panose="02000703000000020004" pitchFamily="2" charset="-127"/>
+                <a:ea typeface="Pretendard GOV SemiBold" panose="02000703000000020004" pitchFamily="2" charset="-127"/>
+                <a:cs typeface="Pretendard GOV SemiBold" panose="02000703000000020004" pitchFamily="2" charset="-127"/>
+              </a:rPr>
               <a:t>master </a:t>
             </a:r>
             <a:r>
-              <a:rPr lang="ko-KR" altLang="en-US"/>
+              <a:rPr lang="ko-KR" altLang="en-US">
+                <a:latin typeface="Pretendard GOV SemiBold" panose="02000703000000020004" pitchFamily="2" charset="-127"/>
+                <a:ea typeface="Pretendard GOV SemiBold" panose="02000703000000020004" pitchFamily="2" charset="-127"/>
+                <a:cs typeface="Pretendard GOV SemiBold" panose="02000703000000020004" pitchFamily="2" charset="-127"/>
+              </a:rPr>
               <a:t>또는 </a:t>
             </a:r>
             <a:r>
-              <a:rPr lang="en-US" altLang="ko-KR"/>
+              <a:rPr lang="en-US" altLang="ko-KR">
+                <a:latin typeface="Pretendard GOV SemiBold" panose="02000703000000020004" pitchFamily="2" charset="-127"/>
+                <a:ea typeface="Pretendard GOV SemiBold" panose="02000703000000020004" pitchFamily="2" charset="-127"/>
+                <a:cs typeface="Pretendard GOV SemiBold" panose="02000703000000020004" pitchFamily="2" charset="-127"/>
+              </a:rPr>
               <a:t>main </a:t>
             </a:r>
             <a:r>
-              <a:rPr lang="ko-KR" altLang="en-US"/>
+              <a:rPr lang="ko-KR" altLang="en-US">
+                <a:latin typeface="Pretendard GOV SemiBold" panose="02000703000000020004" pitchFamily="2" charset="-127"/>
+                <a:ea typeface="Pretendard GOV SemiBold" panose="02000703000000020004" pitchFamily="2" charset="-127"/>
+                <a:cs typeface="Pretendard GOV SemiBold" panose="02000703000000020004" pitchFamily="2" charset="-127"/>
+              </a:rPr>
               <a:t>브랜치 </a:t>
             </a:r>
-            <a:endParaRPr lang="en-US" altLang="ko-KR"/>
-          </a:p>
-          <a:p>
-            <a:r>
-              <a:rPr lang="ko-KR" altLang="en-US"/>
+            <a:endParaRPr lang="en-US" altLang="ko-KR">
+              <a:latin typeface="Pretendard GOV SemiBold" panose="02000703000000020004" pitchFamily="2" charset="-127"/>
+              <a:ea typeface="Pretendard GOV SemiBold" panose="02000703000000020004" pitchFamily="2" charset="-127"/>
+              <a:cs typeface="Pretendard GOV SemiBold" panose="02000703000000020004" pitchFamily="2" charset="-127"/>
+            </a:endParaRPr>
+          </a:p>
+          <a:p>
+            <a:r>
+              <a:rPr lang="ko-KR" altLang="en-US">
+                <a:latin typeface="Pretendard GOV SemiBold" panose="02000703000000020004" pitchFamily="2" charset="-127"/>
+                <a:ea typeface="Pretendard GOV SemiBold" panose="02000703000000020004" pitchFamily="2" charset="-127"/>
+                <a:cs typeface="Pretendard GOV SemiBold" panose="02000703000000020004" pitchFamily="2" charset="-127"/>
+              </a:rPr>
               <a:t>관리자가 </a:t>
             </a:r>
             <a:r>
-              <a:rPr lang="en-US" altLang="ko-KR"/>
+              <a:rPr lang="en-US" altLang="ko-KR">
+                <a:latin typeface="Pretendard GOV SemiBold" panose="02000703000000020004" pitchFamily="2" charset="-127"/>
+                <a:ea typeface="Pretendard GOV SemiBold" panose="02000703000000020004" pitchFamily="2" charset="-127"/>
+                <a:cs typeface="Pretendard GOV SemiBold" panose="02000703000000020004" pitchFamily="2" charset="-127"/>
+              </a:rPr>
               <a:t>Merge</a:t>
             </a:r>
-            <a:endParaRPr lang="ko-KR" altLang="en-US"/>
+            <a:endParaRPr lang="ko-KR" altLang="en-US">
+              <a:latin typeface="Pretendard GOV SemiBold" panose="02000703000000020004" pitchFamily="2" charset="-127"/>
+              <a:ea typeface="Pretendard GOV SemiBold" panose="02000703000000020004" pitchFamily="2" charset="-127"/>
+              <a:cs typeface="Pretendard GOV SemiBold" panose="02000703000000020004" pitchFamily="2" charset="-127"/>
+            </a:endParaRPr>
           </a:p>
         </p:txBody>
       </p:sp>
@@ -7776,41 +7983,73 @@
               <a:buAutoNum type="arabicPeriod" startAt="2"/>
             </a:pPr>
             <a:r>
-              <a:rPr lang="en-US" altLang="ko-KR" dirty="0"/>
+              <a:rPr lang="en-US" altLang="ko-KR" dirty="0">
+                <a:latin typeface="Pretendard GOV SemiBold" panose="02000703000000020004" pitchFamily="2" charset="-127"/>
+                <a:ea typeface="Pretendard GOV SemiBold" panose="02000703000000020004" pitchFamily="2" charset="-127"/>
+                <a:cs typeface="Pretendard GOV SemiBold" panose="02000703000000020004" pitchFamily="2" charset="-127"/>
+              </a:rPr>
               <a:t>master </a:t>
             </a:r>
             <a:r>
-              <a:rPr lang="ko-KR" altLang="en-US" dirty="0"/>
+              <a:rPr lang="ko-KR" altLang="en-US" dirty="0">
+                <a:latin typeface="Pretendard GOV SemiBold" panose="02000703000000020004" pitchFamily="2" charset="-127"/>
+                <a:ea typeface="Pretendard GOV SemiBold" panose="02000703000000020004" pitchFamily="2" charset="-127"/>
+                <a:cs typeface="Pretendard GOV SemiBold" panose="02000703000000020004" pitchFamily="2" charset="-127"/>
+              </a:rPr>
               <a:t>또는 </a:t>
             </a:r>
             <a:r>
-              <a:rPr lang="en-US" altLang="ko-KR" dirty="0"/>
+              <a:rPr lang="en-US" altLang="ko-KR" dirty="0">
+                <a:latin typeface="Pretendard GOV SemiBold" panose="02000703000000020004" pitchFamily="2" charset="-127"/>
+                <a:ea typeface="Pretendard GOV SemiBold" panose="02000703000000020004" pitchFamily="2" charset="-127"/>
+                <a:cs typeface="Pretendard GOV SemiBold" panose="02000703000000020004" pitchFamily="2" charset="-127"/>
+              </a:rPr>
               <a:t>main </a:t>
             </a:r>
             <a:r>
-              <a:rPr lang="ko-KR" altLang="en-US" dirty="0" err="1"/>
+              <a:rPr lang="ko-KR" altLang="en-US" dirty="0" err="1">
+                <a:latin typeface="Pretendard GOV SemiBold" panose="02000703000000020004" pitchFamily="2" charset="-127"/>
+                <a:ea typeface="Pretendard GOV SemiBold" panose="02000703000000020004" pitchFamily="2" charset="-127"/>
+                <a:cs typeface="Pretendard GOV SemiBold" panose="02000703000000020004" pitchFamily="2" charset="-127"/>
+              </a:rPr>
               <a:t>브랜치</a:t>
             </a:r>
             <a:r>
-              <a:rPr lang="ko-KR" altLang="en-US" dirty="0"/>
+              <a:rPr lang="ko-KR" altLang="en-US" dirty="0">
+                <a:latin typeface="Pretendard GOV SemiBold" panose="02000703000000020004" pitchFamily="2" charset="-127"/>
+                <a:ea typeface="Pretendard GOV SemiBold" panose="02000703000000020004" pitchFamily="2" charset="-127"/>
+                <a:cs typeface="Pretendard GOV SemiBold" panose="02000703000000020004" pitchFamily="2" charset="-127"/>
+              </a:rPr>
               <a:t> </a:t>
             </a:r>
-            <a:r>
-              <a:rPr lang="en-US" altLang="ko-KR" dirty="0"/>
-              <a:t/>
-            </a:r>
             <a:br>
-              <a:rPr lang="en-US" altLang="ko-KR" dirty="0"/>
+              <a:rPr lang="en-US" altLang="ko-KR" dirty="0">
+                <a:latin typeface="Pretendard GOV SemiBold" panose="02000703000000020004" pitchFamily="2" charset="-127"/>
+                <a:ea typeface="Pretendard GOV SemiBold" panose="02000703000000020004" pitchFamily="2" charset="-127"/>
+                <a:cs typeface="Pretendard GOV SemiBold" panose="02000703000000020004" pitchFamily="2" charset="-127"/>
+              </a:rPr>
             </a:br>
             <a:r>
-              <a:rPr lang="ko-KR" altLang="en-US" dirty="0"/>
+              <a:rPr lang="ko-KR" altLang="en-US" dirty="0">
+                <a:latin typeface="Pretendard GOV SemiBold" panose="02000703000000020004" pitchFamily="2" charset="-127"/>
+                <a:ea typeface="Pretendard GOV SemiBold" panose="02000703000000020004" pitchFamily="2" charset="-127"/>
+                <a:cs typeface="Pretendard GOV SemiBold" panose="02000703000000020004" pitchFamily="2" charset="-127"/>
+              </a:rPr>
               <a:t>관리자에게 </a:t>
             </a:r>
             <a:r>
-              <a:rPr lang="en-US" altLang="ko-KR" dirty="0"/>
+              <a:rPr lang="en-US" altLang="ko-KR" dirty="0">
+                <a:latin typeface="Pretendard GOV SemiBold" panose="02000703000000020004" pitchFamily="2" charset="-127"/>
+                <a:ea typeface="Pretendard GOV SemiBold" panose="02000703000000020004" pitchFamily="2" charset="-127"/>
+                <a:cs typeface="Pretendard GOV SemiBold" panose="02000703000000020004" pitchFamily="2" charset="-127"/>
+              </a:rPr>
               <a:t>Pull Request</a:t>
             </a:r>
-            <a:endParaRPr lang="ko-KR" altLang="en-US" dirty="0"/>
+            <a:endParaRPr lang="ko-KR" altLang="en-US" dirty="0">
+              <a:latin typeface="Pretendard GOV SemiBold" panose="02000703000000020004" pitchFamily="2" charset="-127"/>
+              <a:ea typeface="Pretendard GOV SemiBold" panose="02000703000000020004" pitchFamily="2" charset="-127"/>
+              <a:cs typeface="Pretendard GOV SemiBold" panose="02000703000000020004" pitchFamily="2" charset="-127"/>
+            </a:endParaRPr>
           </a:p>
         </p:txBody>
       </p:sp>
@@ -8057,7 +8296,7 @@
         <p:spPr>
           <a:xfrm>
             <a:off x="951929" y="2933352"/>
-            <a:ext cx="885179" cy="369332"/>
+            <a:ext cx="914033" cy="369332"/>
           </a:xfrm>
           <a:prstGeom prst="rect">
             <a:avLst/>
@@ -8071,14 +8310,26 @@
           <a:lstStyle/>
           <a:p>
             <a:r>
-              <a:rPr lang="ko-KR" altLang="en-US"/>
+              <a:rPr lang="ko-KR" altLang="en-US" dirty="0" err="1">
+                <a:latin typeface="Pretendard GOV SemiBold" panose="02000703000000020004" pitchFamily="2" charset="-127"/>
+                <a:ea typeface="Pretendard GOV SemiBold" panose="02000703000000020004" pitchFamily="2" charset="-127"/>
+                <a:cs typeface="Pretendard GOV SemiBold" panose="02000703000000020004" pitchFamily="2" charset="-127"/>
+              </a:rPr>
               <a:t>브랜치</a:t>
             </a:r>
             <a:r>
-              <a:rPr lang="en-US" altLang="ko-KR"/>
+              <a:rPr lang="en-US" altLang="ko-KR" dirty="0">
+                <a:latin typeface="Pretendard GOV SemiBold" panose="02000703000000020004" pitchFamily="2" charset="-127"/>
+                <a:ea typeface="Pretendard GOV SemiBold" panose="02000703000000020004" pitchFamily="2" charset="-127"/>
+                <a:cs typeface="Pretendard GOV SemiBold" panose="02000703000000020004" pitchFamily="2" charset="-127"/>
+              </a:rPr>
               <a:t>1</a:t>
             </a:r>
-            <a:endParaRPr lang="ko-KR" altLang="en-US"/>
+            <a:endParaRPr lang="ko-KR" altLang="en-US" dirty="0">
+              <a:latin typeface="Pretendard GOV SemiBold" panose="02000703000000020004" pitchFamily="2" charset="-127"/>
+              <a:ea typeface="Pretendard GOV SemiBold" panose="02000703000000020004" pitchFamily="2" charset="-127"/>
+              <a:cs typeface="Pretendard GOV SemiBold" panose="02000703000000020004" pitchFamily="2" charset="-127"/>
+            </a:endParaRPr>
           </a:p>
         </p:txBody>
       </p:sp>
@@ -8111,14 +8362,26 @@
           <a:lstStyle/>
           <a:p>
             <a:r>
-              <a:rPr lang="ko-KR" altLang="en-US"/>
+              <a:rPr lang="ko-KR" altLang="en-US">
+                <a:latin typeface="Pretendard GOV SemiBold" panose="02000703000000020004" pitchFamily="2" charset="-127"/>
+                <a:ea typeface="Pretendard GOV SemiBold" panose="02000703000000020004" pitchFamily="2" charset="-127"/>
+                <a:cs typeface="Pretendard GOV SemiBold" panose="02000703000000020004" pitchFamily="2" charset="-127"/>
+              </a:rPr>
               <a:t>브랜치</a:t>
             </a:r>
             <a:r>
-              <a:rPr lang="en-US" altLang="ko-KR"/>
+              <a:rPr lang="en-US" altLang="ko-KR">
+                <a:latin typeface="Pretendard GOV SemiBold" panose="02000703000000020004" pitchFamily="2" charset="-127"/>
+                <a:ea typeface="Pretendard GOV SemiBold" panose="02000703000000020004" pitchFamily="2" charset="-127"/>
+                <a:cs typeface="Pretendard GOV SemiBold" panose="02000703000000020004" pitchFamily="2" charset="-127"/>
+              </a:rPr>
               <a:t>2</a:t>
             </a:r>
-            <a:endParaRPr lang="ko-KR" altLang="en-US"/>
+            <a:endParaRPr lang="ko-KR" altLang="en-US">
+              <a:latin typeface="Pretendard GOV SemiBold" panose="02000703000000020004" pitchFamily="2" charset="-127"/>
+              <a:ea typeface="Pretendard GOV SemiBold" panose="02000703000000020004" pitchFamily="2" charset="-127"/>
+              <a:cs typeface="Pretendard GOV SemiBold" panose="02000703000000020004" pitchFamily="2" charset="-127"/>
+            </a:endParaRPr>
           </a:p>
         </p:txBody>
       </p:sp>
@@ -8139,8 +8402,8 @@
         </p:nvCxnSpPr>
         <p:spPr>
           <a:xfrm>
-            <a:off x="1837108" y="3118018"/>
-            <a:ext cx="1279618" cy="0"/>
+            <a:off x="1865962" y="3118018"/>
+            <a:ext cx="1250764" cy="0"/>
           </a:xfrm>
           <a:prstGeom prst="straightConnector1">
             <a:avLst/>
@@ -8238,10 +8501,18 @@
           <a:lstStyle/>
           <a:p>
             <a:r>
-              <a:rPr lang="ko-KR" altLang="en-US"/>
+              <a:rPr lang="ko-KR" altLang="en-US">
+                <a:latin typeface="Pretendard GOV SemiBold" panose="02000703000000020004" pitchFamily="2" charset="-127"/>
+                <a:ea typeface="Pretendard GOV SemiBold" panose="02000703000000020004" pitchFamily="2" charset="-127"/>
+                <a:cs typeface="Pretendard GOV SemiBold" panose="02000703000000020004" pitchFamily="2" charset="-127"/>
+              </a:rPr>
               <a:t>각 브랜치의 커밋 노드에서 </a:t>
             </a:r>
-            <a:endParaRPr lang="en-US" altLang="ko-KR"/>
+            <a:endParaRPr lang="en-US" altLang="ko-KR">
+              <a:latin typeface="Pretendard GOV SemiBold" panose="02000703000000020004" pitchFamily="2" charset="-127"/>
+              <a:ea typeface="Pretendard GOV SemiBold" panose="02000703000000020004" pitchFamily="2" charset="-127"/>
+              <a:cs typeface="Pretendard GOV SemiBold" panose="02000703000000020004" pitchFamily="2" charset="-127"/>
+            </a:endParaRPr>
           </a:p>
           <a:p>
             <a:r>
@@ -8251,35 +8522,70 @@
                     <a:lumMod val="75000"/>
                   </a:schemeClr>
                 </a:solidFill>
+                <a:latin typeface="Pretendard GOV SemiBold" panose="02000703000000020004" pitchFamily="2" charset="-127"/>
+                <a:ea typeface="Pretendard GOV SemiBold" panose="02000703000000020004" pitchFamily="2" charset="-127"/>
+                <a:cs typeface="Pretendard GOV SemiBold" panose="02000703000000020004" pitchFamily="2" charset="-127"/>
               </a:rPr>
               <a:t>같은 파일의 같은 부분</a:t>
             </a:r>
             <a:r>
-              <a:rPr lang="ko-KR" altLang="en-US"/>
+              <a:rPr lang="ko-KR" altLang="en-US">
+                <a:latin typeface="Pretendard GOV SemiBold" panose="02000703000000020004" pitchFamily="2" charset="-127"/>
+                <a:ea typeface="Pretendard GOV SemiBold" panose="02000703000000020004" pitchFamily="2" charset="-127"/>
+                <a:cs typeface="Pretendard GOV SemiBold" panose="02000703000000020004" pitchFamily="2" charset="-127"/>
+              </a:rPr>
               <a:t>을 편집했다면 </a:t>
             </a:r>
-            <a:endParaRPr lang="en-US" altLang="ko-KR"/>
-          </a:p>
-          <a:p>
-            <a:r>
-              <a:rPr lang="en-US" altLang="ko-KR"/>
+            <a:endParaRPr lang="en-US" altLang="ko-KR">
+              <a:latin typeface="Pretendard GOV SemiBold" panose="02000703000000020004" pitchFamily="2" charset="-127"/>
+              <a:ea typeface="Pretendard GOV SemiBold" panose="02000703000000020004" pitchFamily="2" charset="-127"/>
+              <a:cs typeface="Pretendard GOV SemiBold" panose="02000703000000020004" pitchFamily="2" charset="-127"/>
+            </a:endParaRPr>
+          </a:p>
+          <a:p>
+            <a:r>
+              <a:rPr lang="en-US" altLang="ko-KR">
+                <a:latin typeface="Pretendard GOV SemiBold" panose="02000703000000020004" pitchFamily="2" charset="-127"/>
+                <a:ea typeface="Pretendard GOV SemiBold" panose="02000703000000020004" pitchFamily="2" charset="-127"/>
+                <a:cs typeface="Pretendard GOV SemiBold" panose="02000703000000020004" pitchFamily="2" charset="-127"/>
+              </a:rPr>
               <a:t>Merge</a:t>
             </a:r>
             <a:r>
-              <a:rPr lang="ko-KR" altLang="en-US"/>
+              <a:rPr lang="ko-KR" altLang="en-US">
+                <a:latin typeface="Pretendard GOV SemiBold" panose="02000703000000020004" pitchFamily="2" charset="-127"/>
+                <a:ea typeface="Pretendard GOV SemiBold" panose="02000703000000020004" pitchFamily="2" charset="-127"/>
+                <a:cs typeface="Pretendard GOV SemiBold" panose="02000703000000020004" pitchFamily="2" charset="-127"/>
+              </a:rPr>
               <a:t>가 안됨</a:t>
             </a:r>
-            <a:endParaRPr lang="en-US" altLang="ko-KR"/>
-          </a:p>
-          <a:p>
-            <a:endParaRPr lang="en-US" altLang="ko-KR"/>
-          </a:p>
-          <a:p>
-            <a:r>
-              <a:rPr lang="ko-KR" altLang="en-US"/>
+            <a:endParaRPr lang="en-US" altLang="ko-KR">
+              <a:latin typeface="Pretendard GOV SemiBold" panose="02000703000000020004" pitchFamily="2" charset="-127"/>
+              <a:ea typeface="Pretendard GOV SemiBold" panose="02000703000000020004" pitchFamily="2" charset="-127"/>
+              <a:cs typeface="Pretendard GOV SemiBold" panose="02000703000000020004" pitchFamily="2" charset="-127"/>
+            </a:endParaRPr>
+          </a:p>
+          <a:p>
+            <a:endParaRPr lang="en-US" altLang="ko-KR">
+              <a:latin typeface="Pretendard GOV SemiBold" panose="02000703000000020004" pitchFamily="2" charset="-127"/>
+              <a:ea typeface="Pretendard GOV SemiBold" panose="02000703000000020004" pitchFamily="2" charset="-127"/>
+              <a:cs typeface="Pretendard GOV SemiBold" panose="02000703000000020004" pitchFamily="2" charset="-127"/>
+            </a:endParaRPr>
+          </a:p>
+          <a:p>
+            <a:r>
+              <a:rPr lang="ko-KR" altLang="en-US">
+                <a:latin typeface="Pretendard GOV SemiBold" panose="02000703000000020004" pitchFamily="2" charset="-127"/>
+                <a:ea typeface="Pretendard GOV SemiBold" panose="02000703000000020004" pitchFamily="2" charset="-127"/>
+                <a:cs typeface="Pretendard GOV SemiBold" panose="02000703000000020004" pitchFamily="2" charset="-127"/>
+              </a:rPr>
               <a:t>둘 중 하나의 변동 사항을 포기해야함</a:t>
             </a:r>
-            <a:endParaRPr lang="en-US" altLang="ko-KR"/>
+            <a:endParaRPr lang="en-US" altLang="ko-KR">
+              <a:latin typeface="Pretendard GOV SemiBold" panose="02000703000000020004" pitchFamily="2" charset="-127"/>
+              <a:ea typeface="Pretendard GOV SemiBold" panose="02000703000000020004" pitchFamily="2" charset="-127"/>
+              <a:cs typeface="Pretendard GOV SemiBold" panose="02000703000000020004" pitchFamily="2" charset="-127"/>
+            </a:endParaRPr>
           </a:p>
         </p:txBody>
       </p:sp>
@@ -8298,7 +8604,7 @@
         <p:spPr>
           <a:xfrm>
             <a:off x="2969320" y="2230549"/>
-            <a:ext cx="992579" cy="369332"/>
+            <a:ext cx="1016625" cy="369332"/>
           </a:xfrm>
           <a:prstGeom prst="rect">
             <a:avLst/>
@@ -8312,10 +8618,18 @@
           <a:lstStyle/>
           <a:p>
             <a:r>
-              <a:rPr lang="en-US" altLang="ko-KR"/>
+              <a:rPr lang="en-US" altLang="ko-KR" dirty="0" err="1">
+                <a:latin typeface="Pretendard GOV SemiBold" panose="02000703000000020004" pitchFamily="2" charset="-127"/>
+                <a:ea typeface="Pretendard GOV SemiBold" panose="02000703000000020004" pitchFamily="2" charset="-127"/>
+                <a:cs typeface="Pretendard GOV SemiBold" panose="02000703000000020004" pitchFamily="2" charset="-127"/>
+              </a:rPr>
               <a:t>main.cs</a:t>
             </a:r>
-            <a:endParaRPr lang="ko-KR" altLang="en-US"/>
+            <a:endParaRPr lang="ko-KR" altLang="en-US" dirty="0">
+              <a:latin typeface="Pretendard GOV SemiBold" panose="02000703000000020004" pitchFamily="2" charset="-127"/>
+              <a:ea typeface="Pretendard GOV SemiBold" panose="02000703000000020004" pitchFamily="2" charset="-127"/>
+              <a:cs typeface="Pretendard GOV SemiBold" panose="02000703000000020004" pitchFamily="2" charset="-127"/>
+            </a:endParaRPr>
           </a:p>
         </p:txBody>
       </p:sp>
@@ -8334,7 +8648,7 @@
         <p:spPr>
           <a:xfrm>
             <a:off x="2969320" y="3802891"/>
-            <a:ext cx="992579" cy="369332"/>
+            <a:ext cx="1016625" cy="369332"/>
           </a:xfrm>
           <a:prstGeom prst="rect">
             <a:avLst/>
@@ -8348,10 +8662,18 @@
           <a:lstStyle/>
           <a:p>
             <a:r>
-              <a:rPr lang="en-US" altLang="ko-KR"/>
+              <a:rPr lang="en-US" altLang="ko-KR">
+                <a:latin typeface="Pretendard GOV SemiBold" panose="02000703000000020004" pitchFamily="2" charset="-127"/>
+                <a:ea typeface="Pretendard GOV SemiBold" panose="02000703000000020004" pitchFamily="2" charset="-127"/>
+                <a:cs typeface="Pretendard GOV SemiBold" panose="02000703000000020004" pitchFamily="2" charset="-127"/>
+              </a:rPr>
               <a:t>main.cs</a:t>
             </a:r>
-            <a:endParaRPr lang="ko-KR" altLang="en-US"/>
+            <a:endParaRPr lang="ko-KR" altLang="en-US">
+              <a:latin typeface="Pretendard GOV SemiBold" panose="02000703000000020004" pitchFamily="2" charset="-127"/>
+              <a:ea typeface="Pretendard GOV SemiBold" panose="02000703000000020004" pitchFamily="2" charset="-127"/>
+              <a:cs typeface="Pretendard GOV SemiBold" panose="02000703000000020004" pitchFamily="2" charset="-127"/>
+            </a:endParaRPr>
           </a:p>
         </p:txBody>
       </p:sp>
@@ -8430,11 +8752,256 @@
           <a:lstStyle/>
           <a:p>
             <a:r>
+              <a:rPr lang="en-US" altLang="ko-KR" sz="1400" dirty="0">
+                <a:solidFill>
+                  <a:srgbClr val="000000"/>
+                </a:solidFill>
+                <a:latin typeface="Pretendard GOV SemiBold" panose="02000703000000020004" pitchFamily="2" charset="-127"/>
+                <a:ea typeface="Pretendard GOV SemiBold" panose="02000703000000020004" pitchFamily="2" charset="-127"/>
+                <a:cs typeface="Pretendard GOV SemiBold" panose="02000703000000020004" pitchFamily="2" charset="-127"/>
+              </a:rPr>
+              <a:t> </a:t>
+            </a:r>
+            <a:r>
+              <a:rPr lang="en-US" altLang="ko-KR" sz="1400" dirty="0">
+                <a:solidFill>
+                  <a:srgbClr val="0000FF"/>
+                </a:solidFill>
+                <a:latin typeface="Pretendard GOV SemiBold" panose="02000703000000020004" pitchFamily="2" charset="-127"/>
+                <a:ea typeface="Pretendard GOV SemiBold" panose="02000703000000020004" pitchFamily="2" charset="-127"/>
+                <a:cs typeface="Pretendard GOV SemiBold" panose="02000703000000020004" pitchFamily="2" charset="-127"/>
+              </a:rPr>
+              <a:t>public</a:t>
+            </a:r>
+            <a:r>
+              <a:rPr lang="en-US" altLang="ko-KR" sz="1400" dirty="0">
+                <a:solidFill>
+                  <a:srgbClr val="000000"/>
+                </a:solidFill>
+                <a:latin typeface="Pretendard GOV SemiBold" panose="02000703000000020004" pitchFamily="2" charset="-127"/>
+                <a:ea typeface="Pretendard GOV SemiBold" panose="02000703000000020004" pitchFamily="2" charset="-127"/>
+                <a:cs typeface="Pretendard GOV SemiBold" panose="02000703000000020004" pitchFamily="2" charset="-127"/>
+              </a:rPr>
+              <a:t> </a:t>
+            </a:r>
+            <a:r>
+              <a:rPr lang="en-US" altLang="ko-KR" sz="1400" dirty="0">
+                <a:solidFill>
+                  <a:srgbClr val="2B91AF"/>
+                </a:solidFill>
+                <a:latin typeface="Pretendard GOV SemiBold" panose="02000703000000020004" pitchFamily="2" charset="-127"/>
+                <a:ea typeface="Pretendard GOV SemiBold" panose="02000703000000020004" pitchFamily="2" charset="-127"/>
+                <a:cs typeface="Pretendard GOV SemiBold" panose="02000703000000020004" pitchFamily="2" charset="-127"/>
+              </a:rPr>
+              <a:t>Form1</a:t>
+            </a:r>
+            <a:r>
+              <a:rPr lang="en-US" altLang="ko-KR" sz="1400" dirty="0">
+                <a:solidFill>
+                  <a:srgbClr val="000000"/>
+                </a:solidFill>
+                <a:latin typeface="Pretendard GOV SemiBold" panose="02000703000000020004" pitchFamily="2" charset="-127"/>
+                <a:ea typeface="Pretendard GOV SemiBold" panose="02000703000000020004" pitchFamily="2" charset="-127"/>
+                <a:cs typeface="Pretendard GOV SemiBold" panose="02000703000000020004" pitchFamily="2" charset="-127"/>
+              </a:rPr>
+              <a:t>()</a:t>
+            </a:r>
+          </a:p>
+          <a:p>
+            <a:r>
+              <a:rPr lang="ko-KR" altLang="en-US" sz="1400" dirty="0">
+                <a:solidFill>
+                  <a:srgbClr val="000000"/>
+                </a:solidFill>
+                <a:latin typeface="Pretendard GOV SemiBold" panose="02000703000000020004" pitchFamily="2" charset="-127"/>
+                <a:ea typeface="Pretendard GOV SemiBold" panose="02000703000000020004" pitchFamily="2" charset="-127"/>
+                <a:cs typeface="Pretendard GOV SemiBold" panose="02000703000000020004" pitchFamily="2" charset="-127"/>
+              </a:rPr>
+              <a:t> </a:t>
+            </a:r>
+            <a:r>
+              <a:rPr lang="en-US" altLang="ko-KR" sz="1400" dirty="0">
+                <a:solidFill>
+                  <a:srgbClr val="000000"/>
+                </a:solidFill>
+                <a:latin typeface="Pretendard GOV SemiBold" panose="02000703000000020004" pitchFamily="2" charset="-127"/>
+                <a:ea typeface="Pretendard GOV SemiBold" panose="02000703000000020004" pitchFamily="2" charset="-127"/>
+                <a:cs typeface="Pretendard GOV SemiBold" panose="02000703000000020004" pitchFamily="2" charset="-127"/>
+              </a:rPr>
+              <a:t>{      </a:t>
+            </a:r>
+          </a:p>
+          <a:p>
+            <a:r>
+              <a:rPr lang="en-US" altLang="ko-KR" sz="1400" dirty="0">
+                <a:solidFill>
+                  <a:srgbClr val="000000"/>
+                </a:solidFill>
+                <a:latin typeface="Pretendard GOV SemiBold" panose="02000703000000020004" pitchFamily="2" charset="-127"/>
+                <a:ea typeface="Pretendard GOV SemiBold" panose="02000703000000020004" pitchFamily="2" charset="-127"/>
+                <a:cs typeface="Pretendard GOV SemiBold" panose="02000703000000020004" pitchFamily="2" charset="-127"/>
+              </a:rPr>
+              <a:t>    </a:t>
+            </a:r>
+            <a:r>
+              <a:rPr lang="en-US" altLang="ko-KR" sz="1400" dirty="0" err="1">
+                <a:solidFill>
+                  <a:srgbClr val="000000"/>
+                </a:solidFill>
+                <a:latin typeface="Pretendard GOV SemiBold" panose="02000703000000020004" pitchFamily="2" charset="-127"/>
+                <a:ea typeface="Pretendard GOV SemiBold" panose="02000703000000020004" pitchFamily="2" charset="-127"/>
+                <a:cs typeface="Pretendard GOV SemiBold" panose="02000703000000020004" pitchFamily="2" charset="-127"/>
+              </a:rPr>
+              <a:t>InitializeComponent</a:t>
+            </a:r>
+            <a:r>
+              <a:rPr lang="en-US" altLang="ko-KR" sz="1400" dirty="0">
+                <a:solidFill>
+                  <a:srgbClr val="000000"/>
+                </a:solidFill>
+                <a:latin typeface="Pretendard GOV SemiBold" panose="02000703000000020004" pitchFamily="2" charset="-127"/>
+                <a:ea typeface="Pretendard GOV SemiBold" panose="02000703000000020004" pitchFamily="2" charset="-127"/>
+                <a:cs typeface="Pretendard GOV SemiBold" panose="02000703000000020004" pitchFamily="2" charset="-127"/>
+              </a:rPr>
+              <a:t>();</a:t>
+            </a:r>
+          </a:p>
+          <a:p>
+            <a:endParaRPr lang="ko-KR" altLang="en-US" sz="1400" dirty="0">
+              <a:solidFill>
+                <a:srgbClr val="000000"/>
+              </a:solidFill>
+              <a:latin typeface="Pretendard GOV SemiBold" panose="02000703000000020004" pitchFamily="2" charset="-127"/>
+              <a:ea typeface="Pretendard GOV SemiBold" panose="02000703000000020004" pitchFamily="2" charset="-127"/>
+              <a:cs typeface="Pretendard GOV SemiBold" panose="02000703000000020004" pitchFamily="2" charset="-127"/>
+            </a:endParaRPr>
+          </a:p>
+          <a:p>
+            <a:r>
+              <a:rPr lang="en-US" altLang="ko-KR" sz="1400" dirty="0">
+                <a:solidFill>
+                  <a:srgbClr val="000000"/>
+                </a:solidFill>
+                <a:latin typeface="Pretendard GOV SemiBold" panose="02000703000000020004" pitchFamily="2" charset="-127"/>
+                <a:ea typeface="Pretendard GOV SemiBold" panose="02000703000000020004" pitchFamily="2" charset="-127"/>
+                <a:cs typeface="Pretendard GOV SemiBold" panose="02000703000000020004" pitchFamily="2" charset="-127"/>
+              </a:rPr>
+              <a:t>    </a:t>
+            </a:r>
+            <a:r>
+              <a:rPr lang="en-US" altLang="ko-KR" sz="1400" dirty="0">
+                <a:solidFill>
+                  <a:srgbClr val="0000FF"/>
+                </a:solidFill>
+                <a:latin typeface="Pretendard GOV SemiBold" panose="02000703000000020004" pitchFamily="2" charset="-127"/>
+                <a:ea typeface="Pretendard GOV SemiBold" panose="02000703000000020004" pitchFamily="2" charset="-127"/>
+                <a:cs typeface="Pretendard GOV SemiBold" panose="02000703000000020004" pitchFamily="2" charset="-127"/>
+              </a:rPr>
+              <a:t>int</a:t>
+            </a:r>
+            <a:r>
+              <a:rPr lang="en-US" altLang="ko-KR" sz="1400" dirty="0">
+                <a:solidFill>
+                  <a:srgbClr val="000000"/>
+                </a:solidFill>
+                <a:latin typeface="Pretendard GOV SemiBold" panose="02000703000000020004" pitchFamily="2" charset="-127"/>
+                <a:ea typeface="Pretendard GOV SemiBold" panose="02000703000000020004" pitchFamily="2" charset="-127"/>
+                <a:cs typeface="Pretendard GOV SemiBold" panose="02000703000000020004" pitchFamily="2" charset="-127"/>
+              </a:rPr>
+              <a:t> </a:t>
+            </a:r>
+            <a:r>
+              <a:rPr lang="en-US" altLang="ko-KR" sz="1400" b="1" dirty="0" err="1">
+                <a:solidFill>
+                  <a:schemeClr val="accent2">
+                    <a:lumMod val="75000"/>
+                  </a:schemeClr>
+                </a:solidFill>
+                <a:latin typeface="Pretendard GOV SemiBold" panose="02000703000000020004" pitchFamily="2" charset="-127"/>
+                <a:ea typeface="Pretendard GOV SemiBold" panose="02000703000000020004" pitchFamily="2" charset="-127"/>
+                <a:cs typeface="Pretendard GOV SemiBold" panose="02000703000000020004" pitchFamily="2" charset="-127"/>
+              </a:rPr>
+              <a:t>my_num</a:t>
+            </a:r>
+            <a:r>
+              <a:rPr lang="en-US" altLang="ko-KR" sz="1400" dirty="0">
+                <a:solidFill>
+                  <a:srgbClr val="000000"/>
+                </a:solidFill>
+                <a:latin typeface="Pretendard GOV SemiBold" panose="02000703000000020004" pitchFamily="2" charset="-127"/>
+                <a:ea typeface="Pretendard GOV SemiBold" panose="02000703000000020004" pitchFamily="2" charset="-127"/>
+                <a:cs typeface="Pretendard GOV SemiBold" panose="02000703000000020004" pitchFamily="2" charset="-127"/>
+              </a:rPr>
+              <a:t> = 0;</a:t>
+            </a:r>
+          </a:p>
+          <a:p>
+            <a:r>
+              <a:rPr lang="ko-KR" altLang="en-US" sz="1400" dirty="0">
+                <a:solidFill>
+                  <a:srgbClr val="000000"/>
+                </a:solidFill>
+                <a:latin typeface="Pretendard GOV SemiBold" panose="02000703000000020004" pitchFamily="2" charset="-127"/>
+                <a:ea typeface="Pretendard GOV SemiBold" panose="02000703000000020004" pitchFamily="2" charset="-127"/>
+                <a:cs typeface="Pretendard GOV SemiBold" panose="02000703000000020004" pitchFamily="2" charset="-127"/>
+              </a:rPr>
+              <a:t> </a:t>
+            </a:r>
+            <a:r>
+              <a:rPr lang="en-US" altLang="ko-KR" sz="1400" dirty="0">
+                <a:solidFill>
+                  <a:srgbClr val="000000"/>
+                </a:solidFill>
+                <a:latin typeface="Pretendard GOV SemiBold" panose="02000703000000020004" pitchFamily="2" charset="-127"/>
+                <a:ea typeface="Pretendard GOV SemiBold" panose="02000703000000020004" pitchFamily="2" charset="-127"/>
+                <a:cs typeface="Pretendard GOV SemiBold" panose="02000703000000020004" pitchFamily="2" charset="-127"/>
+              </a:rPr>
+              <a:t>}</a:t>
+            </a:r>
+            <a:endParaRPr lang="ko-KR" altLang="en-US" sz="1400" dirty="0">
+              <a:latin typeface="Pretendard GOV SemiBold" panose="02000703000000020004" pitchFamily="2" charset="-127"/>
+              <a:ea typeface="Pretendard GOV SemiBold" panose="02000703000000020004" pitchFamily="2" charset="-127"/>
+              <a:cs typeface="Pretendard GOV SemiBold" panose="02000703000000020004" pitchFamily="2" charset="-127"/>
+            </a:endParaRPr>
+          </a:p>
+        </p:txBody>
+      </p:sp>
+      <p:sp>
+        <p:nvSpPr>
+          <p:cNvPr id="25" name="TextBox 24">
+            <a:extLst>
+              <a:ext uri="{FF2B5EF4-FFF2-40B4-BE49-F238E27FC236}">
+                <a16:creationId xmlns:a16="http://schemas.microsoft.com/office/drawing/2014/main" id="{9D8DB912-F0E7-911D-C172-40D915C2F3F6}"/>
+              </a:ext>
+            </a:extLst>
+          </p:cNvPr>
+          <p:cNvSpPr txBox="1"/>
+          <p:nvPr/>
+        </p:nvSpPr>
+        <p:spPr>
+          <a:xfrm>
+            <a:off x="4070163" y="4716893"/>
+            <a:ext cx="6147638" cy="1384995"/>
+          </a:xfrm>
+          <a:prstGeom prst="rect">
+            <a:avLst/>
+          </a:prstGeom>
+          <a:noFill/>
+        </p:spPr>
+        <p:txBody>
+          <a:bodyPr wrap="square">
+            <a:spAutoFit/>
+          </a:bodyPr>
+          <a:lstStyle/>
+          <a:p>
+            <a:r>
               <a:rPr lang="en-US" altLang="ko-KR" sz="1400">
                 <a:solidFill>
                   <a:srgbClr val="000000"/>
                 </a:solidFill>
-                <a:latin typeface="Cascadia Mono" panose="020B0609020000020004" pitchFamily="49" charset="0"/>
+                <a:latin typeface="Pretendard GOV SemiBold" panose="02000703000000020004" pitchFamily="2" charset="-127"/>
+                <a:ea typeface="Pretendard GOV SemiBold" panose="02000703000000020004" pitchFamily="2" charset="-127"/>
+                <a:cs typeface="Pretendard GOV SemiBold" panose="02000703000000020004" pitchFamily="2" charset="-127"/>
               </a:rPr>
               <a:t> </a:t>
             </a:r>
@@ -8443,7 +9010,9 @@
                 <a:solidFill>
                   <a:srgbClr val="0000FF"/>
                 </a:solidFill>
-                <a:latin typeface="Cascadia Mono" panose="020B0609020000020004" pitchFamily="49" charset="0"/>
+                <a:latin typeface="Pretendard GOV SemiBold" panose="02000703000000020004" pitchFamily="2" charset="-127"/>
+                <a:ea typeface="Pretendard GOV SemiBold" panose="02000703000000020004" pitchFamily="2" charset="-127"/>
+                <a:cs typeface="Pretendard GOV SemiBold" panose="02000703000000020004" pitchFamily="2" charset="-127"/>
               </a:rPr>
               <a:t>public</a:t>
             </a:r>
@@ -8452,7 +9021,9 @@
                 <a:solidFill>
                   <a:srgbClr val="000000"/>
                 </a:solidFill>
-                <a:latin typeface="Cascadia Mono" panose="020B0609020000020004" pitchFamily="49" charset="0"/>
+                <a:latin typeface="Pretendard GOV SemiBold" panose="02000703000000020004" pitchFamily="2" charset="-127"/>
+                <a:ea typeface="Pretendard GOV SemiBold" panose="02000703000000020004" pitchFamily="2" charset="-127"/>
+                <a:cs typeface="Pretendard GOV SemiBold" panose="02000703000000020004" pitchFamily="2" charset="-127"/>
               </a:rPr>
               <a:t> </a:t>
             </a:r>
@@ -8461,7 +9032,9 @@
                 <a:solidFill>
                   <a:srgbClr val="2B91AF"/>
                 </a:solidFill>
-                <a:latin typeface="Cascadia Mono" panose="020B0609020000020004" pitchFamily="49" charset="0"/>
+                <a:latin typeface="Pretendard GOV SemiBold" panose="02000703000000020004" pitchFamily="2" charset="-127"/>
+                <a:ea typeface="Pretendard GOV SemiBold" panose="02000703000000020004" pitchFamily="2" charset="-127"/>
+                <a:cs typeface="Pretendard GOV SemiBold" panose="02000703000000020004" pitchFamily="2" charset="-127"/>
               </a:rPr>
               <a:t>Form1</a:t>
             </a:r>
@@ -8470,7 +9043,9 @@
                 <a:solidFill>
                   <a:srgbClr val="000000"/>
                 </a:solidFill>
-                <a:latin typeface="Cascadia Mono" panose="020B0609020000020004" pitchFamily="49" charset="0"/>
+                <a:latin typeface="Pretendard GOV SemiBold" panose="02000703000000020004" pitchFamily="2" charset="-127"/>
+                <a:ea typeface="Pretendard GOV SemiBold" panose="02000703000000020004" pitchFamily="2" charset="-127"/>
+                <a:cs typeface="Pretendard GOV SemiBold" panose="02000703000000020004" pitchFamily="2" charset="-127"/>
               </a:rPr>
               <a:t>()</a:t>
             </a:r>
@@ -8481,7 +9056,9 @@
                 <a:solidFill>
                   <a:srgbClr val="000000"/>
                 </a:solidFill>
-                <a:latin typeface="Cascadia Mono" panose="020B0609020000020004" pitchFamily="49" charset="0"/>
+                <a:latin typeface="Pretendard GOV SemiBold" panose="02000703000000020004" pitchFamily="2" charset="-127"/>
+                <a:ea typeface="Pretendard GOV SemiBold" panose="02000703000000020004" pitchFamily="2" charset="-127"/>
+                <a:cs typeface="Pretendard GOV SemiBold" panose="02000703000000020004" pitchFamily="2" charset="-127"/>
               </a:rPr>
               <a:t> </a:t>
             </a:r>
@@ -8490,7 +9067,9 @@
                 <a:solidFill>
                   <a:srgbClr val="000000"/>
                 </a:solidFill>
-                <a:latin typeface="Cascadia Mono" panose="020B0609020000020004" pitchFamily="49" charset="0"/>
+                <a:latin typeface="Pretendard GOV SemiBold" panose="02000703000000020004" pitchFamily="2" charset="-127"/>
+                <a:ea typeface="Pretendard GOV SemiBold" panose="02000703000000020004" pitchFamily="2" charset="-127"/>
+                <a:cs typeface="Pretendard GOV SemiBold" panose="02000703000000020004" pitchFamily="2" charset="-127"/>
               </a:rPr>
               <a:t>{      </a:t>
             </a:r>
@@ -8501,7 +9080,9 @@
                 <a:solidFill>
                   <a:srgbClr val="000000"/>
                 </a:solidFill>
-                <a:latin typeface="Cascadia Mono" panose="020B0609020000020004" pitchFamily="49" charset="0"/>
+                <a:latin typeface="Pretendard GOV SemiBold" panose="02000703000000020004" pitchFamily="2" charset="-127"/>
+                <a:ea typeface="Pretendard GOV SemiBold" panose="02000703000000020004" pitchFamily="2" charset="-127"/>
+                <a:cs typeface="Pretendard GOV SemiBold" panose="02000703000000020004" pitchFamily="2" charset="-127"/>
               </a:rPr>
               <a:t>    InitializeComponent();</a:t>
             </a:r>
@@ -8511,7 +9092,9 @@
               <a:solidFill>
                 <a:srgbClr val="000000"/>
               </a:solidFill>
-              <a:latin typeface="Cascadia Mono" panose="020B0609020000020004" pitchFamily="49" charset="0"/>
+              <a:latin typeface="Pretendard GOV SemiBold" panose="02000703000000020004" pitchFamily="2" charset="-127"/>
+              <a:ea typeface="Pretendard GOV SemiBold" panose="02000703000000020004" pitchFamily="2" charset="-127"/>
+              <a:cs typeface="Pretendard GOV SemiBold" panose="02000703000000020004" pitchFamily="2" charset="-127"/>
             </a:endParaRPr>
           </a:p>
           <a:p>
@@ -8520,7 +9103,9 @@
                 <a:solidFill>
                   <a:srgbClr val="000000"/>
                 </a:solidFill>
-                <a:latin typeface="Cascadia Mono" panose="020B0609020000020004" pitchFamily="49" charset="0"/>
+                <a:latin typeface="Pretendard GOV SemiBold" panose="02000703000000020004" pitchFamily="2" charset="-127"/>
+                <a:ea typeface="Pretendard GOV SemiBold" panose="02000703000000020004" pitchFamily="2" charset="-127"/>
+                <a:cs typeface="Pretendard GOV SemiBold" panose="02000703000000020004" pitchFamily="2" charset="-127"/>
               </a:rPr>
               <a:t>    </a:t>
             </a:r>
@@ -8529,7 +9114,9 @@
                 <a:solidFill>
                   <a:srgbClr val="0000FF"/>
                 </a:solidFill>
-                <a:latin typeface="Cascadia Mono" panose="020B0609020000020004" pitchFamily="49" charset="0"/>
+                <a:latin typeface="Pretendard GOV SemiBold" panose="02000703000000020004" pitchFamily="2" charset="-127"/>
+                <a:ea typeface="Pretendard GOV SemiBold" panose="02000703000000020004" pitchFamily="2" charset="-127"/>
+                <a:cs typeface="Pretendard GOV SemiBold" panose="02000703000000020004" pitchFamily="2" charset="-127"/>
               </a:rPr>
               <a:t>int</a:t>
             </a:r>
@@ -8538,7 +9125,9 @@
                 <a:solidFill>
                   <a:srgbClr val="000000"/>
                 </a:solidFill>
-                <a:latin typeface="Cascadia Mono" panose="020B0609020000020004" pitchFamily="49" charset="0"/>
+                <a:latin typeface="Pretendard GOV SemiBold" panose="02000703000000020004" pitchFamily="2" charset="-127"/>
+                <a:ea typeface="Pretendard GOV SemiBold" panose="02000703000000020004" pitchFamily="2" charset="-127"/>
+                <a:cs typeface="Pretendard GOV SemiBold" panose="02000703000000020004" pitchFamily="2" charset="-127"/>
               </a:rPr>
               <a:t> </a:t>
             </a:r>
@@ -8549,16 +9138,20 @@
                     <a:lumMod val="75000"/>
                   </a:schemeClr>
                 </a:solidFill>
-                <a:latin typeface="Cascadia Mono" panose="020B0609020000020004" pitchFamily="49" charset="0"/>
-              </a:rPr>
-              <a:t>my_num</a:t>
+                <a:latin typeface="Pretendard GOV SemiBold" panose="02000703000000020004" pitchFamily="2" charset="-127"/>
+                <a:ea typeface="Pretendard GOV SemiBold" panose="02000703000000020004" pitchFamily="2" charset="-127"/>
+                <a:cs typeface="Pretendard GOV SemiBold" panose="02000703000000020004" pitchFamily="2" charset="-127"/>
+              </a:rPr>
+              <a:t>num</a:t>
             </a:r>
             <a:r>
               <a:rPr lang="en-US" altLang="ko-KR" sz="1400">
                 <a:solidFill>
                   <a:srgbClr val="000000"/>
                 </a:solidFill>
-                <a:latin typeface="Cascadia Mono" panose="020B0609020000020004" pitchFamily="49" charset="0"/>
+                <a:latin typeface="Pretendard GOV SemiBold" panose="02000703000000020004" pitchFamily="2" charset="-127"/>
+                <a:ea typeface="Pretendard GOV SemiBold" panose="02000703000000020004" pitchFamily="2" charset="-127"/>
+                <a:cs typeface="Pretendard GOV SemiBold" panose="02000703000000020004" pitchFamily="2" charset="-127"/>
               </a:rPr>
               <a:t> = 0;</a:t>
             </a:r>
@@ -8569,7 +9162,9 @@
                 <a:solidFill>
                   <a:srgbClr val="000000"/>
                 </a:solidFill>
-                <a:latin typeface="Cascadia Mono" panose="020B0609020000020004" pitchFamily="49" charset="0"/>
+                <a:latin typeface="Pretendard GOV SemiBold" panose="02000703000000020004" pitchFamily="2" charset="-127"/>
+                <a:ea typeface="Pretendard GOV SemiBold" panose="02000703000000020004" pitchFamily="2" charset="-127"/>
+                <a:cs typeface="Pretendard GOV SemiBold" panose="02000703000000020004" pitchFamily="2" charset="-127"/>
               </a:rPr>
               <a:t> </a:t>
             </a:r>
@@ -8578,196 +9173,17 @@
                 <a:solidFill>
                   <a:srgbClr val="000000"/>
                 </a:solidFill>
-                <a:latin typeface="Cascadia Mono" panose="020B0609020000020004" pitchFamily="49" charset="0"/>
+                <a:latin typeface="Pretendard GOV SemiBold" panose="02000703000000020004" pitchFamily="2" charset="-127"/>
+                <a:ea typeface="Pretendard GOV SemiBold" panose="02000703000000020004" pitchFamily="2" charset="-127"/>
+                <a:cs typeface="Pretendard GOV SemiBold" panose="02000703000000020004" pitchFamily="2" charset="-127"/>
               </a:rPr>
               <a:t>}</a:t>
             </a:r>
-            <a:endParaRPr lang="ko-KR" altLang="en-US" sz="1400"/>
-          </a:p>
-        </p:txBody>
-      </p:sp>
-      <p:sp>
-        <p:nvSpPr>
-          <p:cNvPr id="25" name="TextBox 24">
-            <a:extLst>
-              <a:ext uri="{FF2B5EF4-FFF2-40B4-BE49-F238E27FC236}">
-                <a16:creationId xmlns:a16="http://schemas.microsoft.com/office/drawing/2014/main" id="{9D8DB912-F0E7-911D-C172-40D915C2F3F6}"/>
-              </a:ext>
-            </a:extLst>
-          </p:cNvPr>
-          <p:cNvSpPr txBox="1"/>
-          <p:nvPr/>
-        </p:nvSpPr>
-        <p:spPr>
-          <a:xfrm>
-            <a:off x="4070163" y="4716893"/>
-            <a:ext cx="6147638" cy="1384995"/>
-          </a:xfrm>
-          <a:prstGeom prst="rect">
-            <a:avLst/>
-          </a:prstGeom>
-          <a:noFill/>
-        </p:spPr>
-        <p:txBody>
-          <a:bodyPr wrap="square">
-            <a:spAutoFit/>
-          </a:bodyPr>
-          <a:lstStyle/>
-          <a:p>
-            <a:r>
-              <a:rPr lang="en-US" altLang="ko-KR" sz="1400">
-                <a:solidFill>
-                  <a:srgbClr val="000000"/>
-                </a:solidFill>
-                <a:latin typeface="Cascadia Mono" panose="020B0609020000020004" pitchFamily="49" charset="0"/>
-              </a:rPr>
-              <a:t> </a:t>
-            </a:r>
-            <a:r>
-              <a:rPr lang="en-US" altLang="ko-KR" sz="1400">
-                <a:solidFill>
-                  <a:srgbClr val="0000FF"/>
-                </a:solidFill>
-                <a:latin typeface="Cascadia Mono" panose="020B0609020000020004" pitchFamily="49" charset="0"/>
-              </a:rPr>
-              <a:t>public</a:t>
-            </a:r>
-            <a:r>
-              <a:rPr lang="en-US" altLang="ko-KR" sz="1400">
-                <a:solidFill>
-                  <a:srgbClr val="000000"/>
-                </a:solidFill>
-                <a:latin typeface="Cascadia Mono" panose="020B0609020000020004" pitchFamily="49" charset="0"/>
-              </a:rPr>
-              <a:t> </a:t>
-            </a:r>
-            <a:r>
-              <a:rPr lang="en-US" altLang="ko-KR" sz="1400">
-                <a:solidFill>
-                  <a:srgbClr val="2B91AF"/>
-                </a:solidFill>
-                <a:latin typeface="Cascadia Mono" panose="020B0609020000020004" pitchFamily="49" charset="0"/>
-              </a:rPr>
-              <a:t>Form1</a:t>
-            </a:r>
-            <a:r>
-              <a:rPr lang="en-US" altLang="ko-KR" sz="1400">
-                <a:solidFill>
-                  <a:srgbClr val="000000"/>
-                </a:solidFill>
-                <a:latin typeface="Cascadia Mono" panose="020B0609020000020004" pitchFamily="49" charset="0"/>
-              </a:rPr>
-              <a:t>()</a:t>
-            </a:r>
-          </a:p>
-          <a:p>
-            <a:r>
-              <a:rPr lang="ko-KR" altLang="en-US" sz="1400">
-                <a:solidFill>
-                  <a:srgbClr val="000000"/>
-                </a:solidFill>
-                <a:latin typeface="Cascadia Mono" panose="020B0609020000020004" pitchFamily="49" charset="0"/>
-              </a:rPr>
-              <a:t> </a:t>
-            </a:r>
-            <a:r>
-              <a:rPr lang="en-US" altLang="ko-KR" sz="1400">
-                <a:solidFill>
-                  <a:srgbClr val="000000"/>
-                </a:solidFill>
-                <a:latin typeface="Cascadia Mono" panose="020B0609020000020004" pitchFamily="49" charset="0"/>
-              </a:rPr>
-              <a:t>{      </a:t>
-            </a:r>
-          </a:p>
-          <a:p>
-            <a:r>
-              <a:rPr lang="en-US" altLang="ko-KR" sz="1400">
-                <a:solidFill>
-                  <a:srgbClr val="000000"/>
-                </a:solidFill>
-                <a:latin typeface="Cascadia Mono" panose="020B0609020000020004" pitchFamily="49" charset="0"/>
-              </a:rPr>
-              <a:t>    InitializeComponent();</a:t>
-            </a:r>
-          </a:p>
-          <a:p>
             <a:endParaRPr lang="ko-KR" altLang="en-US" sz="1400">
-              <a:solidFill>
-                <a:srgbClr val="000000"/>
-              </a:solidFill>
-              <a:latin typeface="Cascadia Mono" panose="020B0609020000020004" pitchFamily="49" charset="0"/>
+              <a:latin typeface="Pretendard GOV SemiBold" panose="02000703000000020004" pitchFamily="2" charset="-127"/>
+              <a:ea typeface="Pretendard GOV SemiBold" panose="02000703000000020004" pitchFamily="2" charset="-127"/>
+              <a:cs typeface="Pretendard GOV SemiBold" panose="02000703000000020004" pitchFamily="2" charset="-127"/>
             </a:endParaRPr>
-          </a:p>
-          <a:p>
-            <a:r>
-              <a:rPr lang="en-US" altLang="ko-KR" sz="1400">
-                <a:solidFill>
-                  <a:srgbClr val="000000"/>
-                </a:solidFill>
-                <a:latin typeface="Cascadia Mono" panose="020B0609020000020004" pitchFamily="49" charset="0"/>
-              </a:rPr>
-              <a:t>    </a:t>
-            </a:r>
-            <a:r>
-              <a:rPr lang="en-US" altLang="ko-KR" sz="1400">
-                <a:solidFill>
-                  <a:srgbClr val="0000FF"/>
-                </a:solidFill>
-                <a:latin typeface="Cascadia Mono" panose="020B0609020000020004" pitchFamily="49" charset="0"/>
-              </a:rPr>
-              <a:t>int</a:t>
-            </a:r>
-            <a:r>
-              <a:rPr lang="en-US" altLang="ko-KR" sz="1400">
-                <a:solidFill>
-                  <a:srgbClr val="000000"/>
-                </a:solidFill>
-                <a:latin typeface="Cascadia Mono" panose="020B0609020000020004" pitchFamily="49" charset="0"/>
-              </a:rPr>
-              <a:t> </a:t>
-            </a:r>
-            <a:r>
-              <a:rPr lang="en-US" altLang="ko-KR" sz="1400" b="1">
-                <a:solidFill>
-                  <a:schemeClr val="accent2">
-                    <a:lumMod val="75000"/>
-                  </a:schemeClr>
-                </a:solidFill>
-                <a:latin typeface="Cascadia Mono" panose="020B0609020000020004" pitchFamily="49" charset="0"/>
-              </a:rPr>
-              <a:t>num</a:t>
-            </a:r>
-            <a:r>
-              <a:rPr lang="en-US" altLang="ko-KR" sz="1400">
-                <a:solidFill>
-                  <a:srgbClr val="000000"/>
-                </a:solidFill>
-                <a:latin typeface="Cascadia Mono" panose="020B0609020000020004" pitchFamily="49" charset="0"/>
-              </a:rPr>
-              <a:t> = 0;</a:t>
-            </a:r>
-          </a:p>
-          <a:p>
-            <a:r>
-              <a:rPr lang="ko-KR" altLang="en-US" sz="1400">
-                <a:solidFill>
-                  <a:srgbClr val="000000"/>
-                </a:solidFill>
-                <a:latin typeface="Cascadia Mono" panose="020B0609020000020004" pitchFamily="49" charset="0"/>
-              </a:rPr>
-              <a:t> </a:t>
-            </a:r>
-            <a:r>
-              <a:rPr lang="en-US" altLang="ko-KR" sz="1400">
-                <a:solidFill>
-                  <a:srgbClr val="000000"/>
-                </a:solidFill>
-                <a:latin typeface="Cascadia Mono" panose="020B0609020000020004" pitchFamily="49" charset="0"/>
-              </a:rPr>
-              <a:t>}</a:t>
-            </a:r>
-            <a:endParaRPr lang="ko-KR" altLang="en-US" sz="1400"/>
           </a:p>
         </p:txBody>
       </p:sp>
@@ -8971,13 +9387,15 @@
               </a:ext>
             </a:extLst>
           </p:cNvPr>
-          <p:cNvCxnSpPr/>
+          <p:cNvCxnSpPr>
+            <a:cxnSpLocks/>
+          </p:cNvCxnSpPr>
           <p:nvPr/>
         </p:nvCxnSpPr>
         <p:spPr>
           <a:xfrm>
-            <a:off x="4584002" y="2531867"/>
-            <a:ext cx="1579418" cy="0"/>
+            <a:off x="4311959" y="2546981"/>
+            <a:ext cx="1438937" cy="0"/>
           </a:xfrm>
           <a:prstGeom prst="line">
             <a:avLst/>
@@ -9019,8 +9437,8 @@
         </p:nvCxnSpPr>
         <p:spPr>
           <a:xfrm>
-            <a:off x="4584002" y="5835546"/>
-            <a:ext cx="1250021" cy="0"/>
+            <a:off x="4293723" y="5850660"/>
+            <a:ext cx="1117107" cy="0"/>
           </a:xfrm>
           <a:prstGeom prst="line">
             <a:avLst/>
@@ -9230,7 +9648,7 @@
         <p:spPr>
           <a:xfrm>
             <a:off x="1427959" y="5553072"/>
-            <a:ext cx="3337773" cy="461665"/>
+            <a:ext cx="3376245" cy="461665"/>
           </a:xfrm>
           <a:prstGeom prst="rect">
             <a:avLst/>
@@ -9244,7 +9662,11 @@
           <a:lstStyle/>
           <a:p>
             <a:r>
-              <a:rPr lang="ko-KR" altLang="en-US" sz="2400"/>
+              <a:rPr lang="ko-KR" altLang="en-US" sz="2400">
+                <a:latin typeface="Pretendard GOV SemiBold" panose="02000703000000020004" pitchFamily="2" charset="-127"/>
+                <a:ea typeface="Pretendard GOV SemiBold" panose="02000703000000020004" pitchFamily="2" charset="-127"/>
+                <a:cs typeface="Pretendard GOV SemiBold" panose="02000703000000020004" pitchFamily="2" charset="-127"/>
+              </a:rPr>
               <a:t>개발에 사용할 브랜치 생성</a:t>
             </a:r>
           </a:p>
@@ -9405,7 +9827,7 @@
         <p:spPr>
           <a:xfrm>
             <a:off x="5145521" y="4592135"/>
-            <a:ext cx="5160387" cy="461665"/>
+            <a:ext cx="5237331" cy="461665"/>
           </a:xfrm>
           <a:prstGeom prst="rect">
             <a:avLst/>
@@ -9419,8 +9841,36 @@
           <a:lstStyle/>
           <a:p>
             <a:r>
-              <a:rPr lang="ko-KR" altLang="en-US" sz="2400"/>
-              <a:t>브랜치 이름과 뻗어 나올 원래 브랜치 선택</a:t>
+              <a:rPr lang="ko-KR" altLang="en-US" sz="2400" dirty="0" err="1">
+                <a:latin typeface="Pretendard GOV SemiBold" panose="02000703000000020004" pitchFamily="2" charset="-127"/>
+                <a:ea typeface="Pretendard GOV SemiBold" panose="02000703000000020004" pitchFamily="2" charset="-127"/>
+                <a:cs typeface="Pretendard GOV SemiBold" panose="02000703000000020004" pitchFamily="2" charset="-127"/>
+              </a:rPr>
+              <a:t>브랜치</a:t>
+            </a:r>
+            <a:r>
+              <a:rPr lang="ko-KR" altLang="en-US" sz="2400" dirty="0">
+                <a:latin typeface="Pretendard GOV SemiBold" panose="02000703000000020004" pitchFamily="2" charset="-127"/>
+                <a:ea typeface="Pretendard GOV SemiBold" panose="02000703000000020004" pitchFamily="2" charset="-127"/>
+                <a:cs typeface="Pretendard GOV SemiBold" panose="02000703000000020004" pitchFamily="2" charset="-127"/>
+              </a:rPr>
+              <a:t> 이름과 뻗어 나올 원래 </a:t>
+            </a:r>
+            <a:r>
+              <a:rPr lang="ko-KR" altLang="en-US" sz="2400" dirty="0" err="1">
+                <a:latin typeface="Pretendard GOV SemiBold" panose="02000703000000020004" pitchFamily="2" charset="-127"/>
+                <a:ea typeface="Pretendard GOV SemiBold" panose="02000703000000020004" pitchFamily="2" charset="-127"/>
+                <a:cs typeface="Pretendard GOV SemiBold" panose="02000703000000020004" pitchFamily="2" charset="-127"/>
+              </a:rPr>
+              <a:t>브랜치</a:t>
+            </a:r>
+            <a:r>
+              <a:rPr lang="ko-KR" altLang="en-US" sz="2400" dirty="0">
+                <a:latin typeface="Pretendard GOV SemiBold" panose="02000703000000020004" pitchFamily="2" charset="-127"/>
+                <a:ea typeface="Pretendard GOV SemiBold" panose="02000703000000020004" pitchFamily="2" charset="-127"/>
+                <a:cs typeface="Pretendard GOV SemiBold" panose="02000703000000020004" pitchFamily="2" charset="-127"/>
+              </a:rPr>
+              <a:t> 선택</a:t>
             </a:r>
           </a:p>
         </p:txBody>
@@ -9476,7 +9926,7 @@
         <p:spPr>
           <a:xfrm>
             <a:off x="6647598" y="3082014"/>
-            <a:ext cx="3869970" cy="830997"/>
+            <a:ext cx="3908442" cy="830997"/>
           </a:xfrm>
           <a:prstGeom prst="rect">
             <a:avLst/>
@@ -9490,29 +9940,65 @@
           <a:lstStyle/>
           <a:p>
             <a:r>
-              <a:rPr lang="ko-KR" altLang="en-US" sz="2400"/>
-              <a:t>브랜치 생성과 동시에 체크아웃</a:t>
-            </a:r>
-            <a:r>
-              <a:rPr lang="en-US" altLang="ko-KR" sz="2400"/>
-              <a:t/>
+              <a:rPr lang="ko-KR" altLang="en-US" sz="2400" dirty="0" err="1">
+                <a:latin typeface="Pretendard GOV SemiBold" panose="02000703000000020004" pitchFamily="2" charset="-127"/>
+                <a:ea typeface="Pretendard GOV SemiBold" panose="02000703000000020004" pitchFamily="2" charset="-127"/>
+                <a:cs typeface="Pretendard GOV SemiBold" panose="02000703000000020004" pitchFamily="2" charset="-127"/>
+              </a:rPr>
+              <a:t>브랜치</a:t>
+            </a:r>
+            <a:r>
+              <a:rPr lang="ko-KR" altLang="en-US" sz="2400" dirty="0">
+                <a:latin typeface="Pretendard GOV SemiBold" panose="02000703000000020004" pitchFamily="2" charset="-127"/>
+                <a:ea typeface="Pretendard GOV SemiBold" panose="02000703000000020004" pitchFamily="2" charset="-127"/>
+                <a:cs typeface="Pretendard GOV SemiBold" panose="02000703000000020004" pitchFamily="2" charset="-127"/>
+              </a:rPr>
+              <a:t> 생성과 동시에 체크아웃</a:t>
             </a:r>
             <a:br>
-              <a:rPr lang="en-US" altLang="ko-KR" sz="2400"/>
+              <a:rPr lang="en-US" altLang="ko-KR" sz="2400" dirty="0">
+                <a:latin typeface="Pretendard GOV SemiBold" panose="02000703000000020004" pitchFamily="2" charset="-127"/>
+                <a:ea typeface="Pretendard GOV SemiBold" panose="02000703000000020004" pitchFamily="2" charset="-127"/>
+                <a:cs typeface="Pretendard GOV SemiBold" panose="02000703000000020004" pitchFamily="2" charset="-127"/>
+              </a:rPr>
             </a:br>
             <a:r>
-              <a:rPr lang="en-US" altLang="ko-KR" sz="2400"/>
+              <a:rPr lang="en-US" altLang="ko-KR" sz="2400" dirty="0">
+                <a:latin typeface="Pretendard GOV SemiBold" panose="02000703000000020004" pitchFamily="2" charset="-127"/>
+                <a:ea typeface="Pretendard GOV SemiBold" panose="02000703000000020004" pitchFamily="2" charset="-127"/>
+                <a:cs typeface="Pretendard GOV SemiBold" panose="02000703000000020004" pitchFamily="2" charset="-127"/>
+              </a:rPr>
               <a:t>(</a:t>
             </a:r>
             <a:r>
-              <a:rPr lang="ko-KR" altLang="en-US" sz="2400"/>
-              <a:t>브랜치 변경</a:t>
-            </a:r>
-            <a:r>
-              <a:rPr lang="en-US" altLang="ko-KR" sz="2400"/>
+              <a:rPr lang="ko-KR" altLang="en-US" sz="2400" dirty="0" err="1">
+                <a:latin typeface="Pretendard GOV SemiBold" panose="02000703000000020004" pitchFamily="2" charset="-127"/>
+                <a:ea typeface="Pretendard GOV SemiBold" panose="02000703000000020004" pitchFamily="2" charset="-127"/>
+                <a:cs typeface="Pretendard GOV SemiBold" panose="02000703000000020004" pitchFamily="2" charset="-127"/>
+              </a:rPr>
+              <a:t>브랜치</a:t>
+            </a:r>
+            <a:r>
+              <a:rPr lang="ko-KR" altLang="en-US" sz="2400" dirty="0">
+                <a:latin typeface="Pretendard GOV SemiBold" panose="02000703000000020004" pitchFamily="2" charset="-127"/>
+                <a:ea typeface="Pretendard GOV SemiBold" panose="02000703000000020004" pitchFamily="2" charset="-127"/>
+                <a:cs typeface="Pretendard GOV SemiBold" panose="02000703000000020004" pitchFamily="2" charset="-127"/>
+              </a:rPr>
+              <a:t> 변경</a:t>
+            </a:r>
+            <a:r>
+              <a:rPr lang="en-US" altLang="ko-KR" sz="2400" dirty="0">
+                <a:latin typeface="Pretendard GOV SemiBold" panose="02000703000000020004" pitchFamily="2" charset="-127"/>
+                <a:ea typeface="Pretendard GOV SemiBold" panose="02000703000000020004" pitchFamily="2" charset="-127"/>
+                <a:cs typeface="Pretendard GOV SemiBold" panose="02000703000000020004" pitchFamily="2" charset="-127"/>
+              </a:rPr>
               <a:t>)</a:t>
             </a:r>
-            <a:endParaRPr lang="ko-KR" altLang="en-US" sz="2400"/>
+            <a:endParaRPr lang="ko-KR" altLang="en-US" sz="2400" dirty="0">
+              <a:latin typeface="Pretendard GOV SemiBold" panose="02000703000000020004" pitchFamily="2" charset="-127"/>
+              <a:ea typeface="Pretendard GOV SemiBold" panose="02000703000000020004" pitchFamily="2" charset="-127"/>
+              <a:cs typeface="Pretendard GOV SemiBold" panose="02000703000000020004" pitchFamily="2" charset="-127"/>
+            </a:endParaRPr>
           </a:p>
         </p:txBody>
       </p:sp>
@@ -9664,7 +10150,7 @@
         <p:spPr>
           <a:xfrm>
             <a:off x="648622" y="4822967"/>
-            <a:ext cx="5113900" cy="461665"/>
+            <a:ext cx="5202065" cy="461665"/>
           </a:xfrm>
           <a:prstGeom prst="rect">
             <a:avLst/>
@@ -9678,11 +10164,19 @@
           <a:lstStyle/>
           <a:p>
             <a:r>
-              <a:rPr lang="en-US" altLang="ko-KR" sz="2400"/>
+              <a:rPr lang="en-US" altLang="ko-KR" sz="2400">
+                <a:latin typeface="Pretendard GOV SemiBold" panose="02000703000000020004" pitchFamily="2" charset="-127"/>
+                <a:ea typeface="Pretendard GOV SemiBold" panose="02000703000000020004" pitchFamily="2" charset="-127"/>
+                <a:cs typeface="Pretendard GOV SemiBold" panose="02000703000000020004" pitchFamily="2" charset="-127"/>
+              </a:rPr>
               <a:t>Commit </a:t>
             </a:r>
             <a:r>
-              <a:rPr lang="ko-KR" altLang="en-US" sz="2400"/>
+              <a:rPr lang="ko-KR" altLang="en-US" sz="2400">
+                <a:latin typeface="Pretendard GOV SemiBold" panose="02000703000000020004" pitchFamily="2" charset="-127"/>
+                <a:ea typeface="Pretendard GOV SemiBold" panose="02000703000000020004" pitchFamily="2" charset="-127"/>
+                <a:cs typeface="Pretendard GOV SemiBold" panose="02000703000000020004" pitchFamily="2" charset="-127"/>
+              </a:rPr>
               <a:t>할 내용이 없어야 체크아웃 가능</a:t>
             </a:r>
           </a:p>
@@ -9703,7 +10197,7 @@
         <p:spPr>
           <a:xfrm>
             <a:off x="6734099" y="5420507"/>
-            <a:ext cx="2627642" cy="461665"/>
+            <a:ext cx="2670924" cy="461665"/>
           </a:xfrm>
           <a:prstGeom prst="rect">
             <a:avLst/>
@@ -9717,14 +10211,42 @@
           <a:lstStyle/>
           <a:p>
             <a:r>
-              <a:rPr lang="ko-KR" altLang="en-US" sz="2400"/>
-              <a:t>개인 브랜치로 </a:t>
-            </a:r>
-            <a:r>
-              <a:rPr lang="en-US" altLang="ko-KR" sz="2400"/>
+              <a:rPr lang="ko-KR" altLang="en-US" sz="2400" dirty="0">
+                <a:latin typeface="Pretendard GOV SemiBold" panose="02000703000000020004" pitchFamily="2" charset="-127"/>
+                <a:ea typeface="Pretendard GOV SemiBold" panose="02000703000000020004" pitchFamily="2" charset="-127"/>
+                <a:cs typeface="Pretendard GOV SemiBold" panose="02000703000000020004" pitchFamily="2" charset="-127"/>
+              </a:rPr>
+              <a:t>개인 </a:t>
+            </a:r>
+            <a:r>
+              <a:rPr lang="ko-KR" altLang="en-US" sz="2400" dirty="0" err="1">
+                <a:latin typeface="Pretendard GOV SemiBold" panose="02000703000000020004" pitchFamily="2" charset="-127"/>
+                <a:ea typeface="Pretendard GOV SemiBold" panose="02000703000000020004" pitchFamily="2" charset="-127"/>
+                <a:cs typeface="Pretendard GOV SemiBold" panose="02000703000000020004" pitchFamily="2" charset="-127"/>
+              </a:rPr>
+              <a:t>브랜치로</a:t>
+            </a:r>
+            <a:r>
+              <a:rPr lang="ko-KR" altLang="en-US" sz="2400" dirty="0">
+                <a:latin typeface="Pretendard GOV SemiBold" panose="02000703000000020004" pitchFamily="2" charset="-127"/>
+                <a:ea typeface="Pretendard GOV SemiBold" panose="02000703000000020004" pitchFamily="2" charset="-127"/>
+                <a:cs typeface="Pretendard GOV SemiBold" panose="02000703000000020004" pitchFamily="2" charset="-127"/>
+              </a:rPr>
+              <a:t> </a:t>
+            </a:r>
+            <a:r>
+              <a:rPr lang="en-US" altLang="ko-KR" sz="2400" dirty="0">
+                <a:latin typeface="Pretendard GOV SemiBold" panose="02000703000000020004" pitchFamily="2" charset="-127"/>
+                <a:ea typeface="Pretendard GOV SemiBold" panose="02000703000000020004" pitchFamily="2" charset="-127"/>
+                <a:cs typeface="Pretendard GOV SemiBold" panose="02000703000000020004" pitchFamily="2" charset="-127"/>
+              </a:rPr>
               <a:t>Push</a:t>
             </a:r>
-            <a:endParaRPr lang="ko-KR" altLang="en-US" sz="2400"/>
+            <a:endParaRPr lang="ko-KR" altLang="en-US" sz="2400" dirty="0">
+              <a:latin typeface="Pretendard GOV SemiBold" panose="02000703000000020004" pitchFamily="2" charset="-127"/>
+              <a:ea typeface="Pretendard GOV SemiBold" panose="02000703000000020004" pitchFamily="2" charset="-127"/>
+              <a:cs typeface="Pretendard GOV SemiBold" panose="02000703000000020004" pitchFamily="2" charset="-127"/>
+            </a:endParaRPr>
           </a:p>
         </p:txBody>
       </p:sp>
@@ -9921,8 +10443,8 @@
         </p:nvCxnSpPr>
         <p:spPr>
           <a:xfrm flipV="1">
-            <a:off x="9361741" y="3234266"/>
-            <a:ext cx="837976" cy="2417074"/>
+            <a:off x="9405023" y="3234266"/>
+            <a:ext cx="794694" cy="2417074"/>
           </a:xfrm>
           <a:prstGeom prst="line">
             <a:avLst/>
@@ -9995,34 +10517,34 @@
           <a:lstStyle/>
           <a:p>
             <a:r>
-              <a:rPr lang="en-US" altLang="ko-KR"/>
+              <a:rPr lang="en-US" altLang="ko-KR" dirty="0"/>
               <a:t>VS</a:t>
             </a:r>
             <a:r>
-              <a:rPr lang="ko-KR" altLang="en-US"/>
+              <a:rPr lang="ko-KR" altLang="en-US" dirty="0"/>
               <a:t> </a:t>
             </a:r>
             <a:r>
-              <a:rPr lang="en-US" altLang="ko-KR"/>
+              <a:rPr lang="en-US" altLang="ko-KR" dirty="0"/>
               <a:t>-</a:t>
             </a:r>
             <a:r>
-              <a:rPr lang="ko-KR" altLang="en-US"/>
+              <a:rPr lang="ko-KR" altLang="en-US" dirty="0"/>
               <a:t> </a:t>
             </a:r>
             <a:r>
-              <a:rPr lang="en-US" altLang="ko-KR"/>
+              <a:rPr lang="en-US" altLang="ko-KR" dirty="0"/>
               <a:t>Git Pull</a:t>
             </a:r>
             <a:r>
-              <a:rPr lang="ko-KR" altLang="en-US"/>
+              <a:rPr lang="ko-KR" altLang="en-US" dirty="0"/>
               <a:t> </a:t>
             </a:r>
             <a:r>
-              <a:rPr lang="en-US" altLang="ko-KR"/>
+              <a:rPr lang="en-US" altLang="ko-KR" dirty="0"/>
               <a:t>Request</a:t>
             </a:r>
-            <a:endParaRPr lang="ko-KR" altLang="en-US"/>
+            <a:endParaRPr lang="ko-KR" altLang="en-US" dirty="0"/>
           </a:p>
         </p:txBody>
       </p:sp>
@@ -10099,7 +10621,7 @@
         <p:spPr>
           <a:xfrm>
             <a:off x="5311699" y="1601483"/>
-            <a:ext cx="2792752" cy="461665"/>
+            <a:ext cx="2893741" cy="461665"/>
           </a:xfrm>
           <a:prstGeom prst="rect">
             <a:avLst/>
@@ -10113,11 +10635,19 @@
           <a:lstStyle/>
           <a:p>
             <a:r>
-              <a:rPr lang="en-US" altLang="ko-KR" sz="2400"/>
+              <a:rPr lang="en-US" altLang="ko-KR" sz="2400" dirty="0">
+                <a:latin typeface="Pretendard GOV SemiBold" panose="02000703000000020004" pitchFamily="2" charset="-127"/>
+                <a:ea typeface="Pretendard GOV SemiBold" panose="02000703000000020004" pitchFamily="2" charset="-127"/>
+                <a:cs typeface="Pretendard GOV SemiBold" panose="02000703000000020004" pitchFamily="2" charset="-127"/>
+              </a:rPr>
               <a:t>Pull Request </a:t>
             </a:r>
             <a:r>
-              <a:rPr lang="ko-KR" altLang="en-US" sz="2400"/>
+              <a:rPr lang="ko-KR" altLang="en-US" sz="2400" dirty="0">
+                <a:latin typeface="Pretendard GOV SemiBold" panose="02000703000000020004" pitchFamily="2" charset="-127"/>
+                <a:ea typeface="Pretendard GOV SemiBold" panose="02000703000000020004" pitchFamily="2" charset="-127"/>
+                <a:cs typeface="Pretendard GOV SemiBold" panose="02000703000000020004" pitchFamily="2" charset="-127"/>
+              </a:rPr>
               <a:t>만들기</a:t>
             </a:r>
           </a:p>
@@ -10266,7 +10796,7 @@
         <p:spPr>
           <a:xfrm>
             <a:off x="5311699" y="2453674"/>
-            <a:ext cx="6388287" cy="2677656"/>
+            <a:ext cx="6513322" cy="2677656"/>
           </a:xfrm>
           <a:prstGeom prst="rect">
             <a:avLst/>
@@ -10284,6 +10814,9 @@
                 <a:solidFill>
                   <a:schemeClr val="accent6"/>
                 </a:solidFill>
+                <a:latin typeface="Pretendard GOV SemiBold" panose="02000703000000020004" pitchFamily="2" charset="-127"/>
+                <a:ea typeface="Pretendard GOV SemiBold" panose="02000703000000020004" pitchFamily="2" charset="-127"/>
+                <a:cs typeface="Pretendard GOV SemiBold" panose="02000703000000020004" pitchFamily="2" charset="-127"/>
               </a:rPr>
               <a:t>* Pull</a:t>
             </a:r>
@@ -10292,6 +10825,9 @@
                 <a:solidFill>
                   <a:schemeClr val="accent6"/>
                 </a:solidFill>
+                <a:latin typeface="Pretendard GOV SemiBold" panose="02000703000000020004" pitchFamily="2" charset="-127"/>
+                <a:ea typeface="Pretendard GOV SemiBold" panose="02000703000000020004" pitchFamily="2" charset="-127"/>
+                <a:cs typeface="Pretendard GOV SemiBold" panose="02000703000000020004" pitchFamily="2" charset="-127"/>
               </a:rPr>
               <a:t> </a:t>
             </a:r>
@@ -10300,6 +10836,9 @@
                 <a:solidFill>
                   <a:schemeClr val="accent6"/>
                 </a:solidFill>
+                <a:latin typeface="Pretendard GOV SemiBold" panose="02000703000000020004" pitchFamily="2" charset="-127"/>
+                <a:ea typeface="Pretendard GOV SemiBold" panose="02000703000000020004" pitchFamily="2" charset="-127"/>
+                <a:cs typeface="Pretendard GOV SemiBold" panose="02000703000000020004" pitchFamily="2" charset="-127"/>
               </a:rPr>
               <a:t>Request</a:t>
             </a:r>
@@ -10308,6 +10847,9 @@
                 <a:solidFill>
                   <a:schemeClr val="accent6"/>
                 </a:solidFill>
+                <a:latin typeface="Pretendard GOV SemiBold" panose="02000703000000020004" pitchFamily="2" charset="-127"/>
+                <a:ea typeface="Pretendard GOV SemiBold" panose="02000703000000020004" pitchFamily="2" charset="-127"/>
+                <a:cs typeface="Pretendard GOV SemiBold" panose="02000703000000020004" pitchFamily="2" charset="-127"/>
               </a:rPr>
               <a:t> 란</a:t>
             </a:r>
@@ -10316,76 +10858,151 @@
                 <a:solidFill>
                   <a:schemeClr val="accent6"/>
                 </a:solidFill>
+                <a:latin typeface="Pretendard GOV SemiBold" panose="02000703000000020004" pitchFamily="2" charset="-127"/>
+                <a:ea typeface="Pretendard GOV SemiBold" panose="02000703000000020004" pitchFamily="2" charset="-127"/>
+                <a:cs typeface="Pretendard GOV SemiBold" panose="02000703000000020004" pitchFamily="2" charset="-127"/>
               </a:rPr>
               <a:t>?</a:t>
             </a:r>
           </a:p>
           <a:p>
-            <a:endParaRPr lang="en-US" altLang="ko-KR" sz="2400"/>
-          </a:p>
-          <a:p>
-            <a:r>
-              <a:rPr lang="en-US" altLang="ko-KR" sz="2400"/>
+            <a:endParaRPr lang="en-US" altLang="ko-KR" sz="2400">
+              <a:latin typeface="Pretendard GOV SemiBold" panose="02000703000000020004" pitchFamily="2" charset="-127"/>
+              <a:ea typeface="Pretendard GOV SemiBold" panose="02000703000000020004" pitchFamily="2" charset="-127"/>
+              <a:cs typeface="Pretendard GOV SemiBold" panose="02000703000000020004" pitchFamily="2" charset="-127"/>
+            </a:endParaRPr>
+          </a:p>
+          <a:p>
+            <a:r>
+              <a:rPr lang="en-US" altLang="ko-KR" sz="2400">
+                <a:latin typeface="Pretendard GOV SemiBold" panose="02000703000000020004" pitchFamily="2" charset="-127"/>
+                <a:ea typeface="Pretendard GOV SemiBold" panose="02000703000000020004" pitchFamily="2" charset="-127"/>
+                <a:cs typeface="Pretendard GOV SemiBold" panose="02000703000000020004" pitchFamily="2" charset="-127"/>
+              </a:rPr>
               <a:t>master </a:t>
             </a:r>
             <a:r>
-              <a:rPr lang="ko-KR" altLang="en-US" sz="2400"/>
+              <a:rPr lang="ko-KR" altLang="en-US" sz="2400">
+                <a:latin typeface="Pretendard GOV SemiBold" panose="02000703000000020004" pitchFamily="2" charset="-127"/>
+                <a:ea typeface="Pretendard GOV SemiBold" panose="02000703000000020004" pitchFamily="2" charset="-127"/>
+                <a:cs typeface="Pretendard GOV SemiBold" panose="02000703000000020004" pitchFamily="2" charset="-127"/>
+              </a:rPr>
               <a:t>또는 </a:t>
             </a:r>
             <a:r>
-              <a:rPr lang="en-US" altLang="ko-KR" sz="2400"/>
+              <a:rPr lang="en-US" altLang="ko-KR" sz="2400">
+                <a:latin typeface="Pretendard GOV SemiBold" panose="02000703000000020004" pitchFamily="2" charset="-127"/>
+                <a:ea typeface="Pretendard GOV SemiBold" panose="02000703000000020004" pitchFamily="2" charset="-127"/>
+                <a:cs typeface="Pretendard GOV SemiBold" panose="02000703000000020004" pitchFamily="2" charset="-127"/>
+              </a:rPr>
               <a:t>main </a:t>
             </a:r>
             <a:r>
-              <a:rPr lang="ko-KR" altLang="en-US" sz="2400"/>
+              <a:rPr lang="ko-KR" altLang="en-US" sz="2400">
+                <a:latin typeface="Pretendard GOV SemiBold" panose="02000703000000020004" pitchFamily="2" charset="-127"/>
+                <a:ea typeface="Pretendard GOV SemiBold" panose="02000703000000020004" pitchFamily="2" charset="-127"/>
+                <a:cs typeface="Pretendard GOV SemiBold" panose="02000703000000020004" pitchFamily="2" charset="-127"/>
+              </a:rPr>
               <a:t>브랜치 관리자에게 </a:t>
             </a:r>
-            <a:endParaRPr lang="en-US" altLang="ko-KR" sz="2400"/>
-          </a:p>
-          <a:p>
-            <a:endParaRPr lang="en-US" altLang="ko-KR" sz="2400"/>
-          </a:p>
-          <a:p>
-            <a:r>
-              <a:rPr lang="ko-KR" altLang="en-US" sz="2400"/>
+            <a:endParaRPr lang="en-US" altLang="ko-KR" sz="2400">
+              <a:latin typeface="Pretendard GOV SemiBold" panose="02000703000000020004" pitchFamily="2" charset="-127"/>
+              <a:ea typeface="Pretendard GOV SemiBold" panose="02000703000000020004" pitchFamily="2" charset="-127"/>
+              <a:cs typeface="Pretendard GOV SemiBold" panose="02000703000000020004" pitchFamily="2" charset="-127"/>
+            </a:endParaRPr>
+          </a:p>
+          <a:p>
+            <a:endParaRPr lang="en-US" altLang="ko-KR" sz="2400">
+              <a:latin typeface="Pretendard GOV SemiBold" panose="02000703000000020004" pitchFamily="2" charset="-127"/>
+              <a:ea typeface="Pretendard GOV SemiBold" panose="02000703000000020004" pitchFamily="2" charset="-127"/>
+              <a:cs typeface="Pretendard GOV SemiBold" panose="02000703000000020004" pitchFamily="2" charset="-127"/>
+            </a:endParaRPr>
+          </a:p>
+          <a:p>
+            <a:r>
+              <a:rPr lang="ko-KR" altLang="en-US" sz="2400">
+                <a:latin typeface="Pretendard GOV SemiBold" panose="02000703000000020004" pitchFamily="2" charset="-127"/>
+                <a:ea typeface="Pretendard GOV SemiBold" panose="02000703000000020004" pitchFamily="2" charset="-127"/>
+                <a:cs typeface="Pretendard GOV SemiBold" panose="02000703000000020004" pitchFamily="2" charset="-127"/>
+              </a:rPr>
               <a:t>개인 브랜치에서 </a:t>
             </a:r>
             <a:r>
-              <a:rPr lang="en-US" altLang="ko-KR" sz="2400"/>
+              <a:rPr lang="en-US" altLang="ko-KR" sz="2400">
+                <a:latin typeface="Pretendard GOV SemiBold" panose="02000703000000020004" pitchFamily="2" charset="-127"/>
+                <a:ea typeface="Pretendard GOV SemiBold" panose="02000703000000020004" pitchFamily="2" charset="-127"/>
+                <a:cs typeface="Pretendard GOV SemiBold" panose="02000703000000020004" pitchFamily="2" charset="-127"/>
+              </a:rPr>
               <a:t>Push </a:t>
             </a:r>
             <a:r>
-              <a:rPr lang="ko-KR" altLang="en-US" sz="2400"/>
+              <a:rPr lang="ko-KR" altLang="en-US" sz="2400">
+                <a:latin typeface="Pretendard GOV SemiBold" panose="02000703000000020004" pitchFamily="2" charset="-127"/>
+                <a:ea typeface="Pretendard GOV SemiBold" panose="02000703000000020004" pitchFamily="2" charset="-127"/>
+                <a:cs typeface="Pretendard GOV SemiBold" panose="02000703000000020004" pitchFamily="2" charset="-127"/>
+              </a:rPr>
               <a:t>한 내용을 </a:t>
             </a:r>
-            <a:endParaRPr lang="en-US" altLang="ko-KR" sz="2400"/>
-          </a:p>
-          <a:p>
-            <a:endParaRPr lang="en-US" altLang="ko-KR" sz="2400"/>
-          </a:p>
-          <a:p>
-            <a:r>
-              <a:rPr lang="en-US" altLang="ko-KR" sz="2400"/>
+            <a:endParaRPr lang="en-US" altLang="ko-KR" sz="2400">
+              <a:latin typeface="Pretendard GOV SemiBold" panose="02000703000000020004" pitchFamily="2" charset="-127"/>
+              <a:ea typeface="Pretendard GOV SemiBold" panose="02000703000000020004" pitchFamily="2" charset="-127"/>
+              <a:cs typeface="Pretendard GOV SemiBold" panose="02000703000000020004" pitchFamily="2" charset="-127"/>
+            </a:endParaRPr>
+          </a:p>
+          <a:p>
+            <a:endParaRPr lang="en-US" altLang="ko-KR" sz="2400">
+              <a:latin typeface="Pretendard GOV SemiBold" panose="02000703000000020004" pitchFamily="2" charset="-127"/>
+              <a:ea typeface="Pretendard GOV SemiBold" panose="02000703000000020004" pitchFamily="2" charset="-127"/>
+              <a:cs typeface="Pretendard GOV SemiBold" panose="02000703000000020004" pitchFamily="2" charset="-127"/>
+            </a:endParaRPr>
+          </a:p>
+          <a:p>
+            <a:r>
+              <a:rPr lang="en-US" altLang="ko-KR" sz="2400">
+                <a:latin typeface="Pretendard GOV SemiBold" panose="02000703000000020004" pitchFamily="2" charset="-127"/>
+                <a:ea typeface="Pretendard GOV SemiBold" panose="02000703000000020004" pitchFamily="2" charset="-127"/>
+                <a:cs typeface="Pretendard GOV SemiBold" panose="02000703000000020004" pitchFamily="2" charset="-127"/>
+              </a:rPr>
               <a:t>master </a:t>
             </a:r>
             <a:r>
-              <a:rPr lang="ko-KR" altLang="en-US" sz="2400"/>
+              <a:rPr lang="ko-KR" altLang="en-US" sz="2400">
+                <a:latin typeface="Pretendard GOV SemiBold" panose="02000703000000020004" pitchFamily="2" charset="-127"/>
+                <a:ea typeface="Pretendard GOV SemiBold" panose="02000703000000020004" pitchFamily="2" charset="-127"/>
+                <a:cs typeface="Pretendard GOV SemiBold" panose="02000703000000020004" pitchFamily="2" charset="-127"/>
+              </a:rPr>
               <a:t>또는 </a:t>
             </a:r>
             <a:r>
-              <a:rPr lang="en-US" altLang="ko-KR" sz="2400"/>
+              <a:rPr lang="en-US" altLang="ko-KR" sz="2400">
+                <a:latin typeface="Pretendard GOV SemiBold" panose="02000703000000020004" pitchFamily="2" charset="-127"/>
+                <a:ea typeface="Pretendard GOV SemiBold" panose="02000703000000020004" pitchFamily="2" charset="-127"/>
+                <a:cs typeface="Pretendard GOV SemiBold" panose="02000703000000020004" pitchFamily="2" charset="-127"/>
+              </a:rPr>
               <a:t>main </a:t>
             </a:r>
             <a:r>
-              <a:rPr lang="ko-KR" altLang="en-US" sz="2400"/>
+              <a:rPr lang="ko-KR" altLang="en-US" sz="2400">
+                <a:latin typeface="Pretendard GOV SemiBold" panose="02000703000000020004" pitchFamily="2" charset="-127"/>
+                <a:ea typeface="Pretendard GOV SemiBold" panose="02000703000000020004" pitchFamily="2" charset="-127"/>
+                <a:cs typeface="Pretendard GOV SemiBold" panose="02000703000000020004" pitchFamily="2" charset="-127"/>
+              </a:rPr>
               <a:t>브랜치와 </a:t>
             </a:r>
             <a:r>
-              <a:rPr lang="en-US" altLang="ko-KR" sz="2400"/>
+              <a:rPr lang="en-US" altLang="ko-KR" sz="2400">
+                <a:latin typeface="Pretendard GOV SemiBold" panose="02000703000000020004" pitchFamily="2" charset="-127"/>
+                <a:ea typeface="Pretendard GOV SemiBold" panose="02000703000000020004" pitchFamily="2" charset="-127"/>
+                <a:cs typeface="Pretendard GOV SemiBold" panose="02000703000000020004" pitchFamily="2" charset="-127"/>
+              </a:rPr>
               <a:t>Merge </a:t>
             </a:r>
             <a:r>
-              <a:rPr lang="ko-KR" altLang="en-US" sz="2400"/>
+              <a:rPr lang="ko-KR" altLang="en-US" sz="2400">
+                <a:latin typeface="Pretendard GOV SemiBold" panose="02000703000000020004" pitchFamily="2" charset="-127"/>
+                <a:ea typeface="Pretendard GOV SemiBold" panose="02000703000000020004" pitchFamily="2" charset="-127"/>
+                <a:cs typeface="Pretendard GOV SemiBold" panose="02000703000000020004" pitchFamily="2" charset="-127"/>
+              </a:rPr>
               <a:t>해달라는 요청</a:t>
             </a:r>
           </a:p>
@@ -10608,8 +11225,16 @@
               <a:t>Pull Request </a:t>
             </a:r>
             <a:r>
+              <a:rPr lang="ko-KR" altLang="en-US" sz="2400" dirty="0">
+                <a:latin typeface="Pretendard GOV SemiBold" panose="02000703000000020004" pitchFamily="2" charset="-127"/>
+                <a:ea typeface="Pretendard GOV SemiBold" panose="02000703000000020004" pitchFamily="2" charset="-127"/>
+                <a:cs typeface="Pretendard GOV SemiBold" panose="02000703000000020004" pitchFamily="2" charset="-127"/>
+              </a:rPr>
+              <a:t>페이지가</a:t>
+            </a:r>
+            <a:r>
               <a:rPr lang="ko-KR" altLang="en-US" sz="2400" dirty="0"/>
-              <a:t>페이지가 자동으로 열림</a:t>
+              <a:t> 자동으로 열림</a:t>
             </a:r>
           </a:p>
         </p:txBody>
@@ -10628,7 +11253,7 @@
         </p:nvSpPr>
         <p:spPr>
           <a:xfrm>
-            <a:off x="5955301" y="4942802"/>
+            <a:off x="5947744" y="5267753"/>
             <a:ext cx="1503832" cy="323465"/>
           </a:xfrm>
           <a:prstGeom prst="rect">
@@ -10822,7 +11447,7 @@
         <p:spPr>
           <a:xfrm>
             <a:off x="3051342" y="5690281"/>
-            <a:ext cx="5609228" cy="461665"/>
+            <a:ext cx="5719836" cy="461665"/>
           </a:xfrm>
           <a:prstGeom prst="rect">
             <a:avLst/>
@@ -10836,11 +11461,19 @@
           <a:lstStyle/>
           <a:p>
             <a:r>
-              <a:rPr lang="en-US" altLang="ko-KR" sz="2400"/>
+              <a:rPr lang="en-US" altLang="ko-KR" sz="2400" dirty="0">
+                <a:latin typeface="Pretendard GOV SemiBold" panose="02000703000000020004" pitchFamily="2" charset="-127"/>
+                <a:ea typeface="Pretendard GOV SemiBold" panose="02000703000000020004" pitchFamily="2" charset="-127"/>
+                <a:cs typeface="Pretendard GOV SemiBold" panose="02000703000000020004" pitchFamily="2" charset="-127"/>
+              </a:rPr>
               <a:t>GitHub Repo. </a:t>
             </a:r>
             <a:r>
-              <a:rPr lang="ko-KR" altLang="en-US" sz="2400"/>
+              <a:rPr lang="ko-KR" altLang="en-US" sz="2400" dirty="0">
+                <a:latin typeface="Pretendard GOV SemiBold" panose="02000703000000020004" pitchFamily="2" charset="-127"/>
+                <a:ea typeface="Pretendard GOV SemiBold" panose="02000703000000020004" pitchFamily="2" charset="-127"/>
+                <a:cs typeface="Pretendard GOV SemiBold" panose="02000703000000020004" pitchFamily="2" charset="-127"/>
+              </a:rPr>
               <a:t>관리자에게 이렇게 요청이 옴 </a:t>
             </a:r>
           </a:p>
@@ -11147,10 +11780,10 @@
           <a:lstStyle/>
           <a:p>
             <a:r>
-              <a:rPr lang="en-US" altLang="ko-KR"/>
+              <a:rPr lang="en-US" altLang="ko-KR" dirty="0"/>
               <a:t>Git &amp; GitHub</a:t>
             </a:r>
-            <a:endParaRPr lang="ko-KR" altLang="en-US"/>
+            <a:endParaRPr lang="ko-KR" altLang="en-US" dirty="0"/>
           </a:p>
         </p:txBody>
       </p:sp>
@@ -11227,7 +11860,7 @@
         <p:spPr>
           <a:xfrm>
             <a:off x="9188116" y="1424933"/>
-            <a:ext cx="2281394" cy="369332"/>
+            <a:ext cx="2318263" cy="369332"/>
           </a:xfrm>
           <a:prstGeom prst="rect">
             <a:avLst/>
@@ -11241,11 +11874,19 @@
           <a:lstStyle/>
           <a:p>
             <a:r>
-              <a:rPr lang="en-US" altLang="ko-KR"/>
+              <a:rPr lang="en-US" altLang="ko-KR">
+                <a:latin typeface="Pretendard GOV SemiBold" panose="02000703000000020004" pitchFamily="2" charset="-127"/>
+                <a:ea typeface="Pretendard GOV SemiBold" panose="02000703000000020004" pitchFamily="2" charset="-127"/>
+                <a:cs typeface="Pretendard GOV SemiBold" panose="02000703000000020004" pitchFamily="2" charset="-127"/>
+              </a:rPr>
               <a:t>GitHub.com </a:t>
             </a:r>
             <a:r>
-              <a:rPr lang="ko-KR" altLang="en-US"/>
+              <a:rPr lang="ko-KR" altLang="en-US">
+                <a:latin typeface="Pretendard GOV SemiBold" panose="02000703000000020004" pitchFamily="2" charset="-127"/>
+                <a:ea typeface="Pretendard GOV SemiBold" panose="02000703000000020004" pitchFamily="2" charset="-127"/>
+                <a:cs typeface="Pretendard GOV SemiBold" panose="02000703000000020004" pitchFamily="2" charset="-127"/>
+              </a:rPr>
               <a:t>웹페이지</a:t>
             </a:r>
           </a:p>
@@ -11266,7 +11907,7 @@
         <p:spPr>
           <a:xfrm>
             <a:off x="1555527" y="1834448"/>
-            <a:ext cx="2318263" cy="400110"/>
+            <a:ext cx="2353529" cy="400110"/>
           </a:xfrm>
           <a:prstGeom prst="rect">
             <a:avLst/>
@@ -11280,11 +11921,19 @@
           <a:lstStyle/>
           <a:p>
             <a:r>
-              <a:rPr lang="en-US" altLang="ko-KR" sz="2000" dirty="0"/>
+              <a:rPr lang="en-US" altLang="ko-KR" sz="2000" dirty="0">
+                <a:latin typeface="Pretendard GOV SemiBold" panose="02000703000000020004" pitchFamily="2" charset="-127"/>
+                <a:ea typeface="Pretendard GOV SemiBold" panose="02000703000000020004" pitchFamily="2" charset="-127"/>
+                <a:cs typeface="Pretendard GOV SemiBold" panose="02000703000000020004" pitchFamily="2" charset="-127"/>
+              </a:rPr>
               <a:t>Stage</a:t>
             </a:r>
             <a:r>
-              <a:rPr lang="ko-KR" altLang="en-US" sz="2000" dirty="0"/>
+              <a:rPr lang="ko-KR" altLang="en-US" sz="2000" dirty="0">
+                <a:latin typeface="Pretendard GOV SemiBold" panose="02000703000000020004" pitchFamily="2" charset="-127"/>
+                <a:ea typeface="Pretendard GOV SemiBold" panose="02000703000000020004" pitchFamily="2" charset="-127"/>
+                <a:cs typeface="Pretendard GOV SemiBold" panose="02000703000000020004" pitchFamily="2" charset="-127"/>
+              </a:rPr>
               <a:t>로 파일 올리기</a:t>
             </a:r>
           </a:p>
@@ -11319,10 +11968,18 @@
           <a:lstStyle/>
           <a:p>
             <a:r>
-              <a:rPr lang="en-US" altLang="ko-KR" sz="2800"/>
+              <a:rPr lang="en-US" altLang="ko-KR" sz="2800">
+                <a:latin typeface="Pretendard GOV SemiBold" panose="02000703000000020004" pitchFamily="2" charset="-127"/>
+                <a:ea typeface="Pretendard GOV SemiBold" panose="02000703000000020004" pitchFamily="2" charset="-127"/>
+                <a:cs typeface="Pretendard GOV SemiBold" panose="02000703000000020004" pitchFamily="2" charset="-127"/>
+              </a:rPr>
               <a:t>add</a:t>
             </a:r>
-            <a:endParaRPr lang="ko-KR" altLang="en-US" sz="2800"/>
+            <a:endParaRPr lang="ko-KR" altLang="en-US" sz="2800">
+              <a:latin typeface="Pretendard GOV SemiBold" panose="02000703000000020004" pitchFamily="2" charset="-127"/>
+              <a:ea typeface="Pretendard GOV SemiBold" panose="02000703000000020004" pitchFamily="2" charset="-127"/>
+              <a:cs typeface="Pretendard GOV SemiBold" panose="02000703000000020004" pitchFamily="2" charset="-127"/>
+            </a:endParaRPr>
           </a:p>
         </p:txBody>
       </p:sp>
@@ -11355,10 +12012,18 @@
           <a:lstStyle/>
           <a:p>
             <a:r>
-              <a:rPr lang="en-US" altLang="ko-KR" sz="2800"/>
+              <a:rPr lang="en-US" altLang="ko-KR" sz="2800">
+                <a:latin typeface="Pretendard GOV SemiBold" panose="02000703000000020004" pitchFamily="2" charset="-127"/>
+                <a:ea typeface="Pretendard GOV SemiBold" panose="02000703000000020004" pitchFamily="2" charset="-127"/>
+                <a:cs typeface="Pretendard GOV SemiBold" panose="02000703000000020004" pitchFamily="2" charset="-127"/>
+              </a:rPr>
               <a:t>commit</a:t>
             </a:r>
-            <a:endParaRPr lang="ko-KR" altLang="en-US" sz="2800"/>
+            <a:endParaRPr lang="ko-KR" altLang="en-US" sz="2800">
+              <a:latin typeface="Pretendard GOV SemiBold" panose="02000703000000020004" pitchFamily="2" charset="-127"/>
+              <a:ea typeface="Pretendard GOV SemiBold" panose="02000703000000020004" pitchFamily="2" charset="-127"/>
+              <a:cs typeface="Pretendard GOV SemiBold" panose="02000703000000020004" pitchFamily="2" charset="-127"/>
+            </a:endParaRPr>
           </a:p>
         </p:txBody>
       </p:sp>
@@ -11377,7 +12042,7 @@
         <p:spPr>
           <a:xfrm>
             <a:off x="6240059" y="2998904"/>
-            <a:ext cx="995311" cy="523220"/>
+            <a:ext cx="1022241" cy="523220"/>
           </a:xfrm>
           <a:prstGeom prst="rect">
             <a:avLst/>
@@ -11391,10 +12056,18 @@
           <a:lstStyle/>
           <a:p>
             <a:r>
-              <a:rPr lang="en-US" altLang="ko-KR" sz="2800"/>
+              <a:rPr lang="en-US" altLang="ko-KR" sz="2800" dirty="0">
+                <a:latin typeface="Pretendard GOV SemiBold" panose="02000703000000020004" pitchFamily="2" charset="-127"/>
+                <a:ea typeface="Pretendard GOV SemiBold" panose="02000703000000020004" pitchFamily="2" charset="-127"/>
+                <a:cs typeface="Pretendard GOV SemiBold" panose="02000703000000020004" pitchFamily="2" charset="-127"/>
+              </a:rPr>
               <a:t>push</a:t>
             </a:r>
-            <a:endParaRPr lang="ko-KR" altLang="en-US" sz="2800"/>
+            <a:endParaRPr lang="ko-KR" altLang="en-US" sz="2800" dirty="0">
+              <a:latin typeface="Pretendard GOV SemiBold" panose="02000703000000020004" pitchFamily="2" charset="-127"/>
+              <a:ea typeface="Pretendard GOV SemiBold" panose="02000703000000020004" pitchFamily="2" charset="-127"/>
+              <a:cs typeface="Pretendard GOV SemiBold" panose="02000703000000020004" pitchFamily="2" charset="-127"/>
+            </a:endParaRPr>
           </a:p>
         </p:txBody>
       </p:sp>
@@ -11413,7 +12086,7 @@
         <p:spPr>
           <a:xfrm>
             <a:off x="9280505" y="2995848"/>
-            <a:ext cx="2109065" cy="523220"/>
+            <a:ext cx="2109065" cy="954107"/>
           </a:xfrm>
           <a:prstGeom prst="rect">
             <a:avLst/>
@@ -11427,10 +12100,18 @@
           <a:lstStyle/>
           <a:p>
             <a:r>
-              <a:rPr lang="en-US" altLang="ko-KR" sz="2800"/>
+              <a:rPr lang="en-US" altLang="ko-KR" sz="2800">
+                <a:latin typeface="Pretendard GOV SemiBold" panose="02000703000000020004" pitchFamily="2" charset="-127"/>
+                <a:ea typeface="Pretendard GOV SemiBold" panose="02000703000000020004" pitchFamily="2" charset="-127"/>
+                <a:cs typeface="Pretendard GOV SemiBold" panose="02000703000000020004" pitchFamily="2" charset="-127"/>
+              </a:rPr>
               <a:t>pull request</a:t>
             </a:r>
-            <a:endParaRPr lang="ko-KR" altLang="en-US" sz="2800"/>
+            <a:endParaRPr lang="ko-KR" altLang="en-US" sz="2800">
+              <a:latin typeface="Pretendard GOV SemiBold" panose="02000703000000020004" pitchFamily="2" charset="-127"/>
+              <a:ea typeface="Pretendard GOV SemiBold" panose="02000703000000020004" pitchFamily="2" charset="-127"/>
+              <a:cs typeface="Pretendard GOV SemiBold" panose="02000703000000020004" pitchFamily="2" charset="-127"/>
+            </a:endParaRPr>
           </a:p>
         </p:txBody>
       </p:sp>
@@ -11463,10 +12144,18 @@
           <a:lstStyle/>
           <a:p>
             <a:r>
-              <a:rPr lang="en-US" altLang="ko-KR" sz="2800"/>
+              <a:rPr lang="en-US" altLang="ko-KR" sz="2800">
+                <a:latin typeface="Pretendard GOV SemiBold" panose="02000703000000020004" pitchFamily="2" charset="-127"/>
+                <a:ea typeface="Pretendard GOV SemiBold" panose="02000703000000020004" pitchFamily="2" charset="-127"/>
+                <a:cs typeface="Pretendard GOV SemiBold" panose="02000703000000020004" pitchFamily="2" charset="-127"/>
+              </a:rPr>
               <a:t>merge</a:t>
             </a:r>
-            <a:endParaRPr lang="ko-KR" altLang="en-US" sz="2800"/>
+            <a:endParaRPr lang="ko-KR" altLang="en-US" sz="2800">
+              <a:latin typeface="Pretendard GOV SemiBold" panose="02000703000000020004" pitchFamily="2" charset="-127"/>
+              <a:ea typeface="Pretendard GOV SemiBold" panose="02000703000000020004" pitchFamily="2" charset="-127"/>
+              <a:cs typeface="Pretendard GOV SemiBold" panose="02000703000000020004" pitchFamily="2" charset="-127"/>
+            </a:endParaRPr>
           </a:p>
         </p:txBody>
       </p:sp>
@@ -11573,9 +12262,9 @@
           <p:nvPr/>
         </p:nvCxnSpPr>
         <p:spPr>
-          <a:xfrm flipV="1">
-            <a:off x="7235370" y="3257458"/>
-            <a:ext cx="2045135" cy="3056"/>
+          <a:xfrm>
+            <a:off x="7262300" y="3260514"/>
+            <a:ext cx="2018205" cy="212388"/>
           </a:xfrm>
           <a:prstGeom prst="straightConnector1">
             <a:avLst/>
@@ -11617,8 +12306,8 @@
         </p:nvCxnSpPr>
         <p:spPr>
           <a:xfrm flipH="1">
-            <a:off x="10335037" y="3519068"/>
-            <a:ext cx="1" cy="1303549"/>
+            <a:off x="10335037" y="3949955"/>
+            <a:ext cx="1" cy="872662"/>
           </a:xfrm>
           <a:prstGeom prst="straightConnector1">
             <a:avLst/>
@@ -11707,7 +12396,7 @@
         <p:spPr>
           <a:xfrm flipV="1">
             <a:off x="2714659" y="2234558"/>
-            <a:ext cx="0" cy="1022900"/>
+            <a:ext cx="17633" cy="1022900"/>
           </a:xfrm>
           <a:prstGeom prst="line">
             <a:avLst/>
@@ -11746,7 +12435,7 @@
         <p:spPr>
           <a:xfrm>
             <a:off x="4477267" y="1834448"/>
-            <a:ext cx="2108269" cy="400110"/>
+            <a:ext cx="2146742" cy="400110"/>
           </a:xfrm>
           <a:prstGeom prst="rect">
             <a:avLst/>
@@ -11760,11 +12449,19 @@
           <a:lstStyle/>
           <a:p>
             <a:r>
-              <a:rPr lang="en-US" altLang="ko-KR" sz="2000"/>
+              <a:rPr lang="en-US" altLang="ko-KR" sz="2000">
+                <a:latin typeface="Pretendard GOV SemiBold" panose="02000703000000020004" pitchFamily="2" charset="-127"/>
+                <a:ea typeface="Pretendard GOV SemiBold" panose="02000703000000020004" pitchFamily="2" charset="-127"/>
+                <a:cs typeface="Pretendard GOV SemiBold" panose="02000703000000020004" pitchFamily="2" charset="-127"/>
+              </a:rPr>
               <a:t>Commit </a:t>
             </a:r>
             <a:r>
-              <a:rPr lang="ko-KR" altLang="en-US" sz="2000"/>
+              <a:rPr lang="ko-KR" altLang="en-US" sz="2000">
+                <a:latin typeface="Pretendard GOV SemiBold" panose="02000703000000020004" pitchFamily="2" charset="-127"/>
+                <a:ea typeface="Pretendard GOV SemiBold" panose="02000703000000020004" pitchFamily="2" charset="-127"/>
+                <a:cs typeface="Pretendard GOV SemiBold" panose="02000703000000020004" pitchFamily="2" charset="-127"/>
+              </a:rPr>
               <a:t>지점 생성</a:t>
             </a:r>
           </a:p>
@@ -11824,7 +12521,7 @@
         <p:spPr>
           <a:xfrm>
             <a:off x="6971361" y="1841477"/>
-            <a:ext cx="2526654" cy="400110"/>
+            <a:ext cx="2563522" cy="400110"/>
           </a:xfrm>
           <a:prstGeom prst="rect">
             <a:avLst/>
@@ -11838,15 +12535,27 @@
           <a:lstStyle/>
           <a:p>
             <a:r>
-              <a:rPr lang="ko-KR" altLang="en-US" sz="2000"/>
+              <a:rPr lang="ko-KR" altLang="en-US" sz="2000">
+                <a:latin typeface="Pretendard GOV SemiBold" panose="02000703000000020004" pitchFamily="2" charset="-127"/>
+                <a:ea typeface="Pretendard GOV SemiBold" panose="02000703000000020004" pitchFamily="2" charset="-127"/>
+                <a:cs typeface="Pretendard GOV SemiBold" panose="02000703000000020004" pitchFamily="2" charset="-127"/>
+              </a:rPr>
               <a:t>리모트 </a:t>
             </a:r>
             <a:r>
-              <a:rPr lang="en-US" altLang="ko-KR" sz="2000"/>
+              <a:rPr lang="en-US" altLang="ko-KR" sz="2000">
+                <a:latin typeface="Pretendard GOV SemiBold" panose="02000703000000020004" pitchFamily="2" charset="-127"/>
+                <a:ea typeface="Pretendard GOV SemiBold" panose="02000703000000020004" pitchFamily="2" charset="-127"/>
+                <a:cs typeface="Pretendard GOV SemiBold" panose="02000703000000020004" pitchFamily="2" charset="-127"/>
+              </a:rPr>
               <a:t>Repo.</a:t>
             </a:r>
             <a:r>
-              <a:rPr lang="ko-KR" altLang="en-US" sz="2000"/>
+              <a:rPr lang="ko-KR" altLang="en-US" sz="2000">
+                <a:latin typeface="Pretendard GOV SemiBold" panose="02000703000000020004" pitchFamily="2" charset="-127"/>
+                <a:ea typeface="Pretendard GOV SemiBold" panose="02000703000000020004" pitchFamily="2" charset="-127"/>
+                <a:cs typeface="Pretendard GOV SemiBold" panose="02000703000000020004" pitchFamily="2" charset="-127"/>
+              </a:rPr>
               <a:t>로 업로드</a:t>
             </a:r>
           </a:p>
@@ -11870,7 +12579,7 @@
         <p:spPr>
           <a:xfrm flipV="1">
             <a:off x="8234688" y="2241587"/>
-            <a:ext cx="0" cy="1015871"/>
+            <a:ext cx="18434" cy="1015871"/>
           </a:xfrm>
           <a:prstGeom prst="line">
             <a:avLst/>
@@ -11950,7 +12659,7 @@
         <p:spPr>
           <a:xfrm>
             <a:off x="3480540" y="4915996"/>
-            <a:ext cx="5230919" cy="707886"/>
+            <a:ext cx="5349541" cy="707886"/>
           </a:xfrm>
           <a:prstGeom prst="rect">
             <a:avLst/>
@@ -11964,42 +12673,82 @@
           <a:lstStyle/>
           <a:p>
             <a:r>
-              <a:rPr lang="en-US" altLang="ko-KR" sz="2000" dirty="0"/>
+              <a:rPr lang="en-US" altLang="ko-KR" sz="2000" dirty="0">
+                <a:latin typeface="Pretendard GOV SemiBold" panose="02000703000000020004" pitchFamily="2" charset="-127"/>
+                <a:ea typeface="Pretendard GOV SemiBold" panose="02000703000000020004" pitchFamily="2" charset="-127"/>
+                <a:cs typeface="Pretendard GOV SemiBold" panose="02000703000000020004" pitchFamily="2" charset="-127"/>
+              </a:rPr>
               <a:t>master </a:t>
             </a:r>
             <a:r>
-              <a:rPr lang="ko-KR" altLang="en-US" sz="2000" dirty="0"/>
+              <a:rPr lang="ko-KR" altLang="en-US" sz="2000" dirty="0">
+                <a:latin typeface="Pretendard GOV SemiBold" panose="02000703000000020004" pitchFamily="2" charset="-127"/>
+                <a:ea typeface="Pretendard GOV SemiBold" panose="02000703000000020004" pitchFamily="2" charset="-127"/>
+                <a:cs typeface="Pretendard GOV SemiBold" panose="02000703000000020004" pitchFamily="2" charset="-127"/>
+              </a:rPr>
               <a:t>또는 </a:t>
             </a:r>
             <a:r>
-              <a:rPr lang="en-US" altLang="ko-KR" sz="2000" dirty="0"/>
+              <a:rPr lang="en-US" altLang="ko-KR" sz="2000" dirty="0">
+                <a:latin typeface="Pretendard GOV SemiBold" panose="02000703000000020004" pitchFamily="2" charset="-127"/>
+                <a:ea typeface="Pretendard GOV SemiBold" panose="02000703000000020004" pitchFamily="2" charset="-127"/>
+                <a:cs typeface="Pretendard GOV SemiBold" panose="02000703000000020004" pitchFamily="2" charset="-127"/>
+              </a:rPr>
               <a:t>main </a:t>
             </a:r>
             <a:r>
-              <a:rPr lang="ko-KR" altLang="en-US" sz="2000" dirty="0" err="1"/>
+              <a:rPr lang="ko-KR" altLang="en-US" sz="2000" dirty="0" err="1">
+                <a:latin typeface="Pretendard GOV SemiBold" panose="02000703000000020004" pitchFamily="2" charset="-127"/>
+                <a:ea typeface="Pretendard GOV SemiBold" panose="02000703000000020004" pitchFamily="2" charset="-127"/>
+                <a:cs typeface="Pretendard GOV SemiBold" panose="02000703000000020004" pitchFamily="2" charset="-127"/>
+              </a:rPr>
               <a:t>브랜치로</a:t>
             </a:r>
             <a:r>
-              <a:rPr lang="ko-KR" altLang="en-US" sz="2000" dirty="0"/>
+              <a:rPr lang="ko-KR" altLang="en-US" sz="2000" dirty="0">
+                <a:latin typeface="Pretendard GOV SemiBold" panose="02000703000000020004" pitchFamily="2" charset="-127"/>
+                <a:ea typeface="Pretendard GOV SemiBold" panose="02000703000000020004" pitchFamily="2" charset="-127"/>
+                <a:cs typeface="Pretendard GOV SemiBold" panose="02000703000000020004" pitchFamily="2" charset="-127"/>
+              </a:rPr>
               <a:t> </a:t>
             </a:r>
             <a:r>
-              <a:rPr lang="en-US" altLang="ko-KR" sz="2000" dirty="0"/>
+              <a:rPr lang="en-US" altLang="ko-KR" sz="2000" dirty="0">
+                <a:latin typeface="Pretendard GOV SemiBold" panose="02000703000000020004" pitchFamily="2" charset="-127"/>
+                <a:ea typeface="Pretendard GOV SemiBold" panose="02000703000000020004" pitchFamily="2" charset="-127"/>
+                <a:cs typeface="Pretendard GOV SemiBold" panose="02000703000000020004" pitchFamily="2" charset="-127"/>
+              </a:rPr>
               <a:t>push </a:t>
             </a:r>
             <a:r>
-              <a:rPr lang="ko-KR" altLang="en-US" sz="2000" dirty="0"/>
+              <a:rPr lang="ko-KR" altLang="en-US" sz="2000" dirty="0">
+                <a:latin typeface="Pretendard GOV SemiBold" panose="02000703000000020004" pitchFamily="2" charset="-127"/>
+                <a:ea typeface="Pretendard GOV SemiBold" panose="02000703000000020004" pitchFamily="2" charset="-127"/>
+                <a:cs typeface="Pretendard GOV SemiBold" panose="02000703000000020004" pitchFamily="2" charset="-127"/>
+              </a:rPr>
               <a:t>된 내용 합치기</a:t>
             </a:r>
-            <a:endParaRPr lang="en-US" altLang="ko-KR" sz="2000" dirty="0"/>
-          </a:p>
-          <a:p>
-            <a:r>
-              <a:rPr lang="en-US" altLang="ko-KR" sz="2000" dirty="0"/>
+            <a:endParaRPr lang="en-US" altLang="ko-KR" sz="2000" dirty="0">
+              <a:latin typeface="Pretendard GOV SemiBold" panose="02000703000000020004" pitchFamily="2" charset="-127"/>
+              <a:ea typeface="Pretendard GOV SemiBold" panose="02000703000000020004" pitchFamily="2" charset="-127"/>
+              <a:cs typeface="Pretendard GOV SemiBold" panose="02000703000000020004" pitchFamily="2" charset="-127"/>
+            </a:endParaRPr>
+          </a:p>
+          <a:p>
+            <a:r>
+              <a:rPr lang="en-US" altLang="ko-KR" sz="2000" dirty="0">
+                <a:latin typeface="Pretendard GOV SemiBold" panose="02000703000000020004" pitchFamily="2" charset="-127"/>
+                <a:ea typeface="Pretendard GOV SemiBold" panose="02000703000000020004" pitchFamily="2" charset="-127"/>
+                <a:cs typeface="Pretendard GOV SemiBold" panose="02000703000000020004" pitchFamily="2" charset="-127"/>
+              </a:rPr>
               <a:t>Repo. </a:t>
             </a:r>
             <a:r>
-              <a:rPr lang="ko-KR" altLang="en-US" sz="2000" dirty="0"/>
+              <a:rPr lang="ko-KR" altLang="en-US" sz="2000" dirty="0">
+                <a:latin typeface="Pretendard GOV SemiBold" panose="02000703000000020004" pitchFamily="2" charset="-127"/>
+                <a:ea typeface="Pretendard GOV SemiBold" panose="02000703000000020004" pitchFamily="2" charset="-127"/>
+                <a:cs typeface="Pretendard GOV SemiBold" panose="02000703000000020004" pitchFamily="2" charset="-127"/>
+              </a:rPr>
               <a:t>관리자만 수행 가능</a:t>
             </a:r>
           </a:p>
@@ -12326,7 +13075,7 @@
         <p:spPr>
           <a:xfrm>
             <a:off x="6714067" y="1616036"/>
-            <a:ext cx="1587294" cy="461665"/>
+            <a:ext cx="1614545" cy="461665"/>
           </a:xfrm>
           <a:prstGeom prst="rect">
             <a:avLst/>
@@ -12340,11 +13089,19 @@
           <a:lstStyle/>
           <a:p>
             <a:r>
-              <a:rPr lang="en-US" altLang="ko-KR" sz="2400"/>
+              <a:rPr lang="en-US" altLang="ko-KR" sz="2400" dirty="0">
+                <a:latin typeface="Pretendard GOV SemiBold" panose="02000703000000020004" pitchFamily="2" charset="-127"/>
+                <a:ea typeface="Pretendard GOV SemiBold" panose="02000703000000020004" pitchFamily="2" charset="-127"/>
+                <a:cs typeface="Pretendard GOV SemiBold" panose="02000703000000020004" pitchFamily="2" charset="-127"/>
+              </a:rPr>
               <a:t>Fetch </a:t>
             </a:r>
             <a:r>
-              <a:rPr lang="ko-KR" altLang="en-US" sz="2400"/>
+              <a:rPr lang="ko-KR" altLang="en-US" sz="2400" dirty="0">
+                <a:latin typeface="Pretendard GOV SemiBold" panose="02000703000000020004" pitchFamily="2" charset="-127"/>
+                <a:ea typeface="Pretendard GOV SemiBold" panose="02000703000000020004" pitchFamily="2" charset="-127"/>
+                <a:cs typeface="Pretendard GOV SemiBold" panose="02000703000000020004" pitchFamily="2" charset="-127"/>
+              </a:rPr>
               <a:t>버튼</a:t>
             </a:r>
           </a:p>
@@ -12496,7 +13253,7 @@
         <p:spPr>
           <a:xfrm>
             <a:off x="6637867" y="2991597"/>
-            <a:ext cx="4549643" cy="461665"/>
+            <a:ext cx="4600940" cy="461665"/>
           </a:xfrm>
           <a:prstGeom prst="rect">
             <a:avLst/>
@@ -12510,15 +13267,43 @@
           <a:lstStyle/>
           <a:p>
             <a:r>
-              <a:rPr lang="ko-KR" altLang="en-US" sz="2400"/>
-              <a:t>전체 커밋 목록에서 </a:t>
-            </a:r>
-            <a:r>
-              <a:rPr lang="en-US" altLang="ko-KR" sz="2400"/>
+              <a:rPr lang="ko-KR" altLang="en-US" sz="2400" dirty="0">
+                <a:latin typeface="Pretendard GOV SemiBold" panose="02000703000000020004" pitchFamily="2" charset="-127"/>
+                <a:ea typeface="Pretendard GOV SemiBold" panose="02000703000000020004" pitchFamily="2" charset="-127"/>
+                <a:cs typeface="Pretendard GOV SemiBold" panose="02000703000000020004" pitchFamily="2" charset="-127"/>
+              </a:rPr>
+              <a:t>전체 </a:t>
+            </a:r>
+            <a:r>
+              <a:rPr lang="ko-KR" altLang="en-US" sz="2400" dirty="0" err="1">
+                <a:latin typeface="Pretendard GOV SemiBold" panose="02000703000000020004" pitchFamily="2" charset="-127"/>
+                <a:ea typeface="Pretendard GOV SemiBold" panose="02000703000000020004" pitchFamily="2" charset="-127"/>
+                <a:cs typeface="Pretendard GOV SemiBold" panose="02000703000000020004" pitchFamily="2" charset="-127"/>
+              </a:rPr>
+              <a:t>커밋</a:t>
+            </a:r>
+            <a:r>
+              <a:rPr lang="ko-KR" altLang="en-US" sz="2400" dirty="0">
+                <a:latin typeface="Pretendard GOV SemiBold" panose="02000703000000020004" pitchFamily="2" charset="-127"/>
+                <a:ea typeface="Pretendard GOV SemiBold" panose="02000703000000020004" pitchFamily="2" charset="-127"/>
+                <a:cs typeface="Pretendard GOV SemiBold" panose="02000703000000020004" pitchFamily="2" charset="-127"/>
+              </a:rPr>
+              <a:t> 목록에서 </a:t>
+            </a:r>
+            <a:r>
+              <a:rPr lang="en-US" altLang="ko-KR" sz="2400" dirty="0">
+                <a:latin typeface="Pretendard GOV SemiBold" panose="02000703000000020004" pitchFamily="2" charset="-127"/>
+                <a:ea typeface="Pretendard GOV SemiBold" panose="02000703000000020004" pitchFamily="2" charset="-127"/>
+                <a:cs typeface="Pretendard GOV SemiBold" panose="02000703000000020004" pitchFamily="2" charset="-127"/>
+              </a:rPr>
               <a:t>Fetch </a:t>
             </a:r>
             <a:r>
-              <a:rPr lang="ko-KR" altLang="en-US" sz="2400"/>
+              <a:rPr lang="ko-KR" altLang="en-US" sz="2400" dirty="0">
+                <a:latin typeface="Pretendard GOV SemiBold" panose="02000703000000020004" pitchFamily="2" charset="-127"/>
+                <a:ea typeface="Pretendard GOV SemiBold" panose="02000703000000020004" pitchFamily="2" charset="-127"/>
+                <a:cs typeface="Pretendard GOV SemiBold" panose="02000703000000020004" pitchFamily="2" charset="-127"/>
+              </a:rPr>
               <a:t>내용 확인</a:t>
             </a:r>
           </a:p>
@@ -12754,7 +13539,7 @@
         <p:spPr>
           <a:xfrm>
             <a:off x="5399522" y="1920201"/>
-            <a:ext cx="4818948" cy="461665"/>
+            <a:ext cx="4883068" cy="461665"/>
           </a:xfrm>
           <a:prstGeom prst="rect">
             <a:avLst/>
@@ -12768,8 +13553,28 @@
           <a:lstStyle/>
           <a:p>
             <a:r>
-              <a:rPr lang="ko-KR" altLang="en-US" sz="2400"/>
-              <a:t>다른 사람이 같은 브랜치에 커밋한 내용</a:t>
+              <a:rPr lang="ko-KR" altLang="en-US" sz="2400" dirty="0">
+                <a:latin typeface="Pretendard GOV SemiBold" panose="02000703000000020004" pitchFamily="2" charset="-127"/>
+                <a:ea typeface="Pretendard GOV SemiBold" panose="02000703000000020004" pitchFamily="2" charset="-127"/>
+                <a:cs typeface="Pretendard GOV SemiBold" panose="02000703000000020004" pitchFamily="2" charset="-127"/>
+              </a:rPr>
+              <a:t>다른 사람이 같은 </a:t>
+            </a:r>
+            <a:r>
+              <a:rPr lang="ko-KR" altLang="en-US" sz="2400" dirty="0" err="1">
+                <a:latin typeface="Pretendard GOV SemiBold" panose="02000703000000020004" pitchFamily="2" charset="-127"/>
+                <a:ea typeface="Pretendard GOV SemiBold" panose="02000703000000020004" pitchFamily="2" charset="-127"/>
+                <a:cs typeface="Pretendard GOV SemiBold" panose="02000703000000020004" pitchFamily="2" charset="-127"/>
+              </a:rPr>
+              <a:t>브랜치에</a:t>
+            </a:r>
+            <a:r>
+              <a:rPr lang="ko-KR" altLang="en-US" sz="2400" dirty="0">
+                <a:latin typeface="Pretendard GOV SemiBold" panose="02000703000000020004" pitchFamily="2" charset="-127"/>
+                <a:ea typeface="Pretendard GOV SemiBold" panose="02000703000000020004" pitchFamily="2" charset="-127"/>
+                <a:cs typeface="Pretendard GOV SemiBold" panose="02000703000000020004" pitchFamily="2" charset="-127"/>
+              </a:rPr>
+              <a:t> 커밋한 내용</a:t>
             </a:r>
           </a:p>
         </p:txBody>
@@ -12793,7 +13598,7 @@
         <p:spPr>
           <a:xfrm flipV="1">
             <a:off x="7278718" y="2381866"/>
-            <a:ext cx="530278" cy="1036935"/>
+            <a:ext cx="562338" cy="1036935"/>
           </a:xfrm>
           <a:prstGeom prst="line">
             <a:avLst/>
@@ -13043,7 +13848,7 @@
         <p:spPr>
           <a:xfrm>
             <a:off x="5958322" y="1420667"/>
-            <a:ext cx="3118161" cy="461665"/>
+            <a:ext cx="3222357" cy="461665"/>
           </a:xfrm>
           <a:prstGeom prst="rect">
             <a:avLst/>
@@ -13057,11 +13862,19 @@
           <a:lstStyle/>
           <a:p>
             <a:r>
-              <a:rPr lang="en-US" altLang="ko-KR" sz="2400"/>
+              <a:rPr lang="en-US" altLang="ko-KR" sz="2400" dirty="0">
+                <a:latin typeface="Pretendard GOV SemiBold" panose="02000703000000020004" pitchFamily="2" charset="-127"/>
+                <a:ea typeface="Pretendard GOV SemiBold" panose="02000703000000020004" pitchFamily="2" charset="-127"/>
+                <a:cs typeface="Pretendard GOV SemiBold" panose="02000703000000020004" pitchFamily="2" charset="-127"/>
+              </a:rPr>
               <a:t>Pull</a:t>
             </a:r>
             <a:r>
-              <a:rPr lang="ko-KR" altLang="en-US" sz="2400"/>
+              <a:rPr lang="ko-KR" altLang="en-US" sz="2400" dirty="0">
+                <a:latin typeface="Pretendard GOV SemiBold" panose="02000703000000020004" pitchFamily="2" charset="-127"/>
+                <a:ea typeface="Pretendard GOV SemiBold" panose="02000703000000020004" pitchFamily="2" charset="-127"/>
+                <a:cs typeface="Pretendard GOV SemiBold" panose="02000703000000020004" pitchFamily="2" charset="-127"/>
+              </a:rPr>
               <a:t> 하여 변동 사항 적용</a:t>
             </a:r>
           </a:p>
@@ -13086,7 +13899,7 @@
         <p:spPr>
           <a:xfrm flipV="1">
             <a:off x="6519334" y="1882332"/>
-            <a:ext cx="998069" cy="1426402"/>
+            <a:ext cx="1050167" cy="1426402"/>
           </a:xfrm>
           <a:prstGeom prst="line">
             <a:avLst/>
@@ -13669,7 +14482,7 @@
         <p:spPr>
           <a:xfrm>
             <a:off x="1388994" y="3739128"/>
-            <a:ext cx="3310522" cy="400110"/>
+            <a:ext cx="3355406" cy="400110"/>
           </a:xfrm>
           <a:prstGeom prst="rect">
             <a:avLst/>
@@ -13677,13 +14490,17 @@
           <a:noFill/>
         </p:spPr>
         <p:txBody>
-          <a:bodyPr wrap="none" rtlCol="0">
+          <a:bodyPr wrap="square" rtlCol="0">
             <a:spAutoFit/>
           </a:bodyPr>
           <a:lstStyle/>
           <a:p>
             <a:r>
-              <a:rPr lang="ko-KR" altLang="en-US" sz="2000" dirty="0"/>
+              <a:rPr lang="ko-KR" altLang="en-US" sz="2000" dirty="0">
+                <a:latin typeface="Pretendard GOV SemiBold" panose="02000703000000020004" pitchFamily="2" charset="-127"/>
+                <a:ea typeface="Pretendard GOV SemiBold" panose="02000703000000020004" pitchFamily="2" charset="-127"/>
+                <a:cs typeface="Pretendard GOV SemiBold" panose="02000703000000020004" pitchFamily="2" charset="-127"/>
+              </a:rPr>
               <a:t>변경 사항 다운로드 및 덮어쓰기</a:t>
             </a:r>
           </a:p>
@@ -13718,10 +14535,18 @@
           <a:lstStyle/>
           <a:p>
             <a:r>
-              <a:rPr lang="en-US" altLang="ko-KR" sz="2800"/>
+              <a:rPr lang="en-US" altLang="ko-KR" sz="2800" dirty="0">
+                <a:latin typeface="Pretendard GOV SemiBold" panose="02000703000000020004" pitchFamily="2" charset="-127"/>
+                <a:ea typeface="Pretendard GOV SemiBold" panose="02000703000000020004" pitchFamily="2" charset="-127"/>
+                <a:cs typeface="Pretendard GOV SemiBold" panose="02000703000000020004" pitchFamily="2" charset="-127"/>
+              </a:rPr>
               <a:t>fetch</a:t>
             </a:r>
-            <a:endParaRPr lang="ko-KR" altLang="en-US" sz="2800"/>
+            <a:endParaRPr lang="ko-KR" altLang="en-US" sz="2800" dirty="0">
+              <a:latin typeface="Pretendard GOV SemiBold" panose="02000703000000020004" pitchFamily="2" charset="-127"/>
+              <a:ea typeface="Pretendard GOV SemiBold" panose="02000703000000020004" pitchFamily="2" charset="-127"/>
+              <a:cs typeface="Pretendard GOV SemiBold" panose="02000703000000020004" pitchFamily="2" charset="-127"/>
+            </a:endParaRPr>
           </a:p>
         </p:txBody>
       </p:sp>
@@ -13739,8 +14564,8 @@
         </p:nvSpPr>
         <p:spPr>
           <a:xfrm>
-            <a:off x="5715174" y="3669989"/>
-            <a:ext cx="794464" cy="523220"/>
+            <a:off x="5652655" y="3669989"/>
+            <a:ext cx="856983" cy="523220"/>
           </a:xfrm>
           <a:prstGeom prst="rect">
             <a:avLst/>
@@ -13754,10 +14579,18 @@
           <a:lstStyle/>
           <a:p>
             <a:r>
-              <a:rPr lang="en-US" altLang="ko-KR" sz="2800"/>
+              <a:rPr lang="en-US" altLang="ko-KR" sz="2800">
+                <a:latin typeface="Pretendard GOV SemiBold" panose="02000703000000020004" pitchFamily="2" charset="-127"/>
+                <a:ea typeface="Pretendard GOV SemiBold" panose="02000703000000020004" pitchFamily="2" charset="-127"/>
+                <a:cs typeface="Pretendard GOV SemiBold" panose="02000703000000020004" pitchFamily="2" charset="-127"/>
+              </a:rPr>
               <a:t>pull</a:t>
             </a:r>
-            <a:endParaRPr lang="ko-KR" altLang="en-US" sz="2800"/>
+            <a:endParaRPr lang="ko-KR" altLang="en-US" sz="2800">
+              <a:latin typeface="Pretendard GOV SemiBold" panose="02000703000000020004" pitchFamily="2" charset="-127"/>
+              <a:ea typeface="Pretendard GOV SemiBold" panose="02000703000000020004" pitchFamily="2" charset="-127"/>
+              <a:cs typeface="Pretendard GOV SemiBold" panose="02000703000000020004" pitchFamily="2" charset="-127"/>
+            </a:endParaRPr>
           </a:p>
         </p:txBody>
       </p:sp>
@@ -13775,8 +14608,8 @@
         </p:nvSpPr>
         <p:spPr>
           <a:xfrm>
-            <a:off x="5736519" y="4981600"/>
-            <a:ext cx="1082842" cy="523220"/>
+            <a:off x="5652655" y="4981600"/>
+            <a:ext cx="1166706" cy="523220"/>
           </a:xfrm>
           <a:prstGeom prst="rect">
             <a:avLst/>
@@ -13790,10 +14623,18 @@
           <a:lstStyle/>
           <a:p>
             <a:r>
-              <a:rPr lang="en-US" altLang="ko-KR" sz="2800"/>
+              <a:rPr lang="en-US" altLang="ko-KR" sz="2800" dirty="0">
+                <a:latin typeface="Pretendard GOV SemiBold" panose="02000703000000020004" pitchFamily="2" charset="-127"/>
+                <a:ea typeface="Pretendard GOV SemiBold" panose="02000703000000020004" pitchFamily="2" charset="-127"/>
+                <a:cs typeface="Pretendard GOV SemiBold" panose="02000703000000020004" pitchFamily="2" charset="-127"/>
+              </a:rPr>
               <a:t>clone</a:t>
             </a:r>
-            <a:endParaRPr lang="ko-KR" altLang="en-US" sz="2800"/>
+            <a:endParaRPr lang="ko-KR" altLang="en-US" sz="2800" dirty="0">
+              <a:latin typeface="Pretendard GOV SemiBold" panose="02000703000000020004" pitchFamily="2" charset="-127"/>
+              <a:ea typeface="Pretendard GOV SemiBold" panose="02000703000000020004" pitchFamily="2" charset="-127"/>
+              <a:cs typeface="Pretendard GOV SemiBold" panose="02000703000000020004" pitchFamily="2" charset="-127"/>
+            </a:endParaRPr>
           </a:p>
         </p:txBody>
       </p:sp>
@@ -13862,8 +14703,8 @@
         </p:nvCxnSpPr>
         <p:spPr>
           <a:xfrm flipH="1">
-            <a:off x="4699516" y="3931599"/>
-            <a:ext cx="1015658" cy="7584"/>
+            <a:off x="4744400" y="3931599"/>
+            <a:ext cx="908255" cy="7584"/>
           </a:xfrm>
           <a:prstGeom prst="line">
             <a:avLst/>
@@ -13904,8 +14745,8 @@
         </p:nvSpPr>
         <p:spPr>
           <a:xfrm>
-            <a:off x="3733974" y="2520045"/>
-            <a:ext cx="794464" cy="523220"/>
+            <a:off x="3671455" y="2520045"/>
+            <a:ext cx="856983" cy="523220"/>
           </a:xfrm>
           <a:prstGeom prst="rect">
             <a:avLst/>
@@ -13919,10 +14760,18 @@
           <a:lstStyle/>
           <a:p>
             <a:r>
-              <a:rPr lang="en-US" altLang="ko-KR" sz="2800" dirty="0"/>
+              <a:rPr lang="en-US" altLang="ko-KR" sz="2800" dirty="0">
+                <a:latin typeface="Pretendard GOV SemiBold" panose="02000703000000020004" pitchFamily="2" charset="-127"/>
+                <a:ea typeface="Pretendard GOV SemiBold" panose="02000703000000020004" pitchFamily="2" charset="-127"/>
+                <a:cs typeface="Pretendard GOV SemiBold" panose="02000703000000020004" pitchFamily="2" charset="-127"/>
+              </a:rPr>
               <a:t>pull</a:t>
             </a:r>
-            <a:endParaRPr lang="ko-KR" altLang="en-US" sz="2800" dirty="0"/>
+            <a:endParaRPr lang="ko-KR" altLang="en-US" sz="2800" dirty="0">
+              <a:latin typeface="Pretendard GOV SemiBold" panose="02000703000000020004" pitchFamily="2" charset="-127"/>
+              <a:ea typeface="Pretendard GOV SemiBold" panose="02000703000000020004" pitchFamily="2" charset="-127"/>
+              <a:cs typeface="Pretendard GOV SemiBold" panose="02000703000000020004" pitchFamily="2" charset="-127"/>
+            </a:endParaRPr>
           </a:p>
         </p:txBody>
       </p:sp>
@@ -13936,6 +14785,7 @@
             </a:extLst>
           </p:cNvPr>
           <p:cNvCxnSpPr>
+            <a:cxnSpLocks/>
             <a:stCxn id="1030" idx="1"/>
             <a:endCxn id="16" idx="3"/>
           </p:cNvCxnSpPr>
@@ -14120,13 +14970,17 @@
           <a:noFill/>
         </p:spPr>
         <p:txBody>
-          <a:bodyPr wrap="none" rtlCol="0">
+          <a:bodyPr wrap="square" rtlCol="0">
             <a:spAutoFit/>
           </a:bodyPr>
           <a:lstStyle/>
           <a:p>
             <a:r>
-              <a:rPr lang="ko-KR" altLang="en-US" sz="2000"/>
+              <a:rPr lang="ko-KR" altLang="en-US" sz="2000">
+                <a:latin typeface="Pretendard GOV SemiBold" panose="02000703000000020004" pitchFamily="2" charset="-127"/>
+                <a:ea typeface="Pretendard GOV SemiBold" panose="02000703000000020004" pitchFamily="2" charset="-127"/>
+                <a:cs typeface="Pretendard GOV SemiBold" panose="02000703000000020004" pitchFamily="2" charset="-127"/>
+              </a:rPr>
               <a:t>변경 사항만 확인</a:t>
             </a:r>
           </a:p>
@@ -14193,7 +15047,7 @@
         <p:spPr>
           <a:xfrm>
             <a:off x="2391344" y="5043155"/>
-            <a:ext cx="2305439" cy="400110"/>
+            <a:ext cx="2342308" cy="400110"/>
           </a:xfrm>
           <a:prstGeom prst="rect">
             <a:avLst/>
@@ -14201,17 +15055,25 @@
           <a:noFill/>
         </p:spPr>
         <p:txBody>
-          <a:bodyPr wrap="none" rtlCol="0">
+          <a:bodyPr wrap="square" rtlCol="0">
             <a:spAutoFit/>
           </a:bodyPr>
           <a:lstStyle/>
           <a:p>
             <a:r>
-              <a:rPr lang="en-US" altLang="ko-KR" sz="2000"/>
+              <a:rPr lang="en-US" altLang="ko-KR" sz="2000">
+                <a:latin typeface="Pretendard GOV SemiBold" panose="02000703000000020004" pitchFamily="2" charset="-127"/>
+                <a:ea typeface="Pretendard GOV SemiBold" panose="02000703000000020004" pitchFamily="2" charset="-127"/>
+                <a:cs typeface="Pretendard GOV SemiBold" panose="02000703000000020004" pitchFamily="2" charset="-127"/>
+              </a:rPr>
               <a:t>Repo. </a:t>
             </a:r>
             <a:r>
-              <a:rPr lang="ko-KR" altLang="en-US" sz="2000"/>
+              <a:rPr lang="ko-KR" altLang="en-US" sz="2000">
+                <a:latin typeface="Pretendard GOV SemiBold" panose="02000703000000020004" pitchFamily="2" charset="-127"/>
+                <a:ea typeface="Pretendard GOV SemiBold" panose="02000703000000020004" pitchFamily="2" charset="-127"/>
+                <a:cs typeface="Pretendard GOV SemiBold" panose="02000703000000020004" pitchFamily="2" charset="-127"/>
+              </a:rPr>
               <a:t>전체 다운로드</a:t>
             </a:r>
           </a:p>
@@ -14235,8 +15097,8 @@
         </p:nvCxnSpPr>
         <p:spPr>
           <a:xfrm flipH="1">
-            <a:off x="4696783" y="5243210"/>
-            <a:ext cx="1039736" cy="0"/>
+            <a:off x="4733652" y="5243210"/>
+            <a:ext cx="919003" cy="0"/>
           </a:xfrm>
           <a:prstGeom prst="line">
             <a:avLst/>
@@ -14353,10 +15215,10 @@
               <a:buAutoNum type="arabicPeriod"/>
             </a:pPr>
             <a:r>
-              <a:rPr lang="ko-KR" altLang="en-US" sz="3600"/>
+              <a:rPr lang="ko-KR" altLang="en-US" sz="3600" dirty="0"/>
               <a:t>솔루션을 생성</a:t>
             </a:r>
-            <a:endParaRPr lang="en-US" altLang="ko-KR" sz="3600"/>
+            <a:endParaRPr lang="en-US" altLang="ko-KR" sz="3600" dirty="0"/>
           </a:p>
           <a:p>
             <a:pPr marL="742950" indent="-742950">
@@ -14364,18 +15226,18 @@
               <a:buAutoNum type="arabicPeriod"/>
             </a:pPr>
             <a:r>
-              <a:rPr lang="ko-KR" altLang="en-US" sz="3600"/>
+              <a:rPr lang="ko-KR" altLang="en-US" sz="3600" dirty="0"/>
               <a:t>솔루션 폴더를 </a:t>
             </a:r>
             <a:r>
-              <a:rPr lang="en-US" altLang="ko-KR" sz="3600"/>
+              <a:rPr lang="en-US" altLang="ko-KR" sz="3600" dirty="0"/>
               <a:t>Repo.</a:t>
             </a:r>
             <a:r>
-              <a:rPr lang="ko-KR" altLang="en-US" sz="3600"/>
+              <a:rPr lang="ko-KR" altLang="en-US" sz="3600" dirty="0"/>
               <a:t>로 만들기 </a:t>
             </a:r>
-            <a:endParaRPr lang="en-US" altLang="ko-KR" sz="3600"/>
+            <a:endParaRPr lang="en-US" altLang="ko-KR" sz="3600" dirty="0"/>
           </a:p>
           <a:p>
             <a:pPr marL="742950" indent="-742950">
@@ -14383,42 +15245,42 @@
               <a:buAutoNum type="arabicPeriod"/>
             </a:pPr>
             <a:r>
-              <a:rPr lang="en-US" altLang="ko-KR" sz="3600"/>
+              <a:rPr lang="en-US" altLang="ko-KR" sz="3600" dirty="0"/>
               <a:t>GitHub</a:t>
             </a:r>
             <a:r>
-              <a:rPr lang="ko-KR" altLang="en-US" sz="3600"/>
+              <a:rPr lang="ko-KR" altLang="en-US" sz="3600" dirty="0"/>
               <a:t>에 로그인</a:t>
             </a:r>
             <a:r>
-              <a:rPr lang="en-US" altLang="ko-KR" sz="3600"/>
+              <a:rPr lang="en-US" altLang="ko-KR" sz="3600" dirty="0"/>
               <a:t>,</a:t>
             </a:r>
             <a:r>
-              <a:rPr lang="ko-KR" altLang="en-US" sz="3600"/>
+              <a:rPr lang="ko-KR" altLang="en-US" sz="3600" dirty="0"/>
               <a:t> 솔루션 이름으로 </a:t>
             </a:r>
             <a:r>
-              <a:rPr lang="en-US" altLang="ko-KR" sz="3600"/>
+              <a:rPr lang="en-US" altLang="ko-KR" sz="3600" dirty="0"/>
               <a:t>Remote Repo. </a:t>
             </a:r>
             <a:r>
-              <a:rPr lang="ko-KR" altLang="en-US" sz="3600"/>
+              <a:rPr lang="ko-KR" altLang="en-US" sz="3600" dirty="0"/>
               <a:t>생성</a:t>
             </a:r>
-            <a:endParaRPr lang="en-US" altLang="ko-KR" sz="3600"/>
+            <a:endParaRPr lang="en-US" altLang="ko-KR" sz="3600" dirty="0"/>
           </a:p>
           <a:p>
             <a:pPr marL="742950" indent="-742950">
               <a:buFont typeface="+mj-lt"/>
               <a:buAutoNum type="arabicPeriod"/>
             </a:pPr>
-            <a:endParaRPr lang="en-US" altLang="ko-KR" sz="3600"/>
+            <a:endParaRPr lang="en-US" altLang="ko-KR" sz="3600" dirty="0"/>
           </a:p>
           <a:p>
             <a:pPr lvl="1"/>
             <a:r>
-              <a:rPr lang="ko-KR" altLang="en-US" sz="3200">
+              <a:rPr lang="ko-KR" altLang="en-US" sz="3200" dirty="0">
                 <a:solidFill>
                   <a:schemeClr val="accent5"/>
                 </a:solidFill>
@@ -14426,7 +15288,7 @@
               <a:t>위 모든 과정이 </a:t>
             </a:r>
             <a:r>
-              <a:rPr lang="en-US" altLang="ko-KR" sz="3200">
+              <a:rPr lang="en-US" altLang="ko-KR" sz="3200" dirty="0">
                 <a:solidFill>
                   <a:schemeClr val="accent5"/>
                 </a:solidFill>
@@ -14434,7 +15296,7 @@
               <a:t>Visual Studio </a:t>
             </a:r>
             <a:r>
-              <a:rPr lang="ko-KR" altLang="en-US" sz="3200">
+              <a:rPr lang="ko-KR" altLang="en-US" sz="3200" dirty="0">
                 <a:solidFill>
                   <a:schemeClr val="accent5"/>
                 </a:solidFill>
@@ -14751,54 +15613,6 @@
       </p:grpSpPr>
       <p:sp>
         <p:nvSpPr>
-          <p:cNvPr id="2" name="제목 1">
-            <a:extLst>
-              <a:ext uri="{FF2B5EF4-FFF2-40B4-BE49-F238E27FC236}">
-                <a16:creationId xmlns:a16="http://schemas.microsoft.com/office/drawing/2014/main" id="{FED6D24D-13BB-C716-F1DF-410729DECA7A}"/>
-              </a:ext>
-            </a:extLst>
-          </p:cNvPr>
-          <p:cNvSpPr>
-            <a:spLocks noGrp="1"/>
-          </p:cNvSpPr>
-          <p:nvPr>
-            <p:ph type="title"/>
-          </p:nvPr>
-        </p:nvSpPr>
-        <p:spPr/>
-        <p:txBody>
-          <a:bodyPr/>
-          <a:lstStyle/>
-          <a:p>
-            <a:r>
-              <a:rPr lang="en-US" altLang="ko-KR"/>
-              <a:t>VS</a:t>
-            </a:r>
-            <a:r>
-              <a:rPr lang="ko-KR" altLang="en-US"/>
-              <a:t> </a:t>
-            </a:r>
-            <a:r>
-              <a:rPr lang="en-US" altLang="ko-KR"/>
-              <a:t>-</a:t>
-            </a:r>
-            <a:r>
-              <a:rPr lang="ko-KR" altLang="en-US"/>
-              <a:t> </a:t>
-            </a:r>
-            <a:r>
-              <a:rPr lang="en-US" altLang="ko-KR"/>
-              <a:t>GitHub</a:t>
-            </a:r>
-            <a:r>
-              <a:rPr lang="ko-KR" altLang="en-US"/>
-              <a:t> 연동</a:t>
-            </a:r>
-          </a:p>
-        </p:txBody>
-      </p:sp>
-      <p:sp>
-        <p:nvSpPr>
           <p:cNvPr id="4" name="날짜 개체 틀 3">
             <a:extLst>
               <a:ext uri="{FF2B5EF4-FFF2-40B4-BE49-F238E27FC236}">
@@ -15027,6 +15841,54 @@
       </p:sp>
       <p:sp>
         <p:nvSpPr>
+          <p:cNvPr id="2" name="제목 1">
+            <a:extLst>
+              <a:ext uri="{FF2B5EF4-FFF2-40B4-BE49-F238E27FC236}">
+                <a16:creationId xmlns:a16="http://schemas.microsoft.com/office/drawing/2014/main" id="{FED6D24D-13BB-C716-F1DF-410729DECA7A}"/>
+              </a:ext>
+            </a:extLst>
+          </p:cNvPr>
+          <p:cNvSpPr>
+            <a:spLocks noGrp="1"/>
+          </p:cNvSpPr>
+          <p:nvPr>
+            <p:ph type="title"/>
+          </p:nvPr>
+        </p:nvSpPr>
+        <p:spPr/>
+        <p:txBody>
+          <a:bodyPr/>
+          <a:lstStyle/>
+          <a:p>
+            <a:r>
+              <a:rPr lang="en-US" altLang="ko-KR" dirty="0"/>
+              <a:t>VS</a:t>
+            </a:r>
+            <a:r>
+              <a:rPr lang="ko-KR" altLang="en-US" dirty="0"/>
+              <a:t> </a:t>
+            </a:r>
+            <a:r>
+              <a:rPr lang="en-US" altLang="ko-KR" dirty="0"/>
+              <a:t>-</a:t>
+            </a:r>
+            <a:r>
+              <a:rPr lang="ko-KR" altLang="en-US" dirty="0"/>
+              <a:t> </a:t>
+            </a:r>
+            <a:r>
+              <a:rPr lang="en-US" altLang="ko-KR" dirty="0"/>
+              <a:t>GitHub</a:t>
+            </a:r>
+            <a:r>
+              <a:rPr lang="ko-KR" altLang="en-US" dirty="0"/>
+              <a:t> 연동</a:t>
+            </a:r>
+          </a:p>
+        </p:txBody>
+      </p:sp>
+      <p:sp>
+        <p:nvSpPr>
           <p:cNvPr id="3" name="TextBox 2">
             <a:extLst>
               <a:ext uri="{FF2B5EF4-FFF2-40B4-BE49-F238E27FC236}">
@@ -15040,7 +15902,7 @@
         <p:spPr>
           <a:xfrm>
             <a:off x="4714936" y="5314146"/>
-            <a:ext cx="4049507" cy="954107"/>
+            <a:ext cx="4104009" cy="954107"/>
           </a:xfrm>
           <a:prstGeom prst="rect">
             <a:avLst/>
@@ -15058,40 +15920,77 @@
           <a:lstStyle/>
           <a:p>
             <a:r>
-              <a:rPr lang="ko-KR" altLang="en-US" sz="2800">
+              <a:rPr lang="ko-KR" altLang="en-US" sz="2800" dirty="0">
                 <a:solidFill>
                   <a:srgbClr val="FF0000"/>
                 </a:solidFill>
-              </a:rPr>
-              <a:t>만약 웹브라우저가 아닌 </a:t>
-            </a:r>
-            <a:endParaRPr lang="en-US" altLang="ko-KR" sz="2800">
+                <a:latin typeface="Pretendard GOV SemiBold" panose="02000703000000020004" pitchFamily="2" charset="-127"/>
+                <a:ea typeface="Pretendard GOV SemiBold" panose="02000703000000020004" pitchFamily="2" charset="-127"/>
+                <a:cs typeface="Pretendard GOV SemiBold" panose="02000703000000020004" pitchFamily="2" charset="-127"/>
+              </a:rPr>
+              <a:t>만약 </a:t>
+            </a:r>
+            <a:r>
+              <a:rPr lang="ko-KR" altLang="en-US" sz="2800" dirty="0" err="1">
+                <a:solidFill>
+                  <a:srgbClr val="FF0000"/>
+                </a:solidFill>
+                <a:latin typeface="Pretendard GOV SemiBold" panose="02000703000000020004" pitchFamily="2" charset="-127"/>
+                <a:ea typeface="Pretendard GOV SemiBold" panose="02000703000000020004" pitchFamily="2" charset="-127"/>
+                <a:cs typeface="Pretendard GOV SemiBold" panose="02000703000000020004" pitchFamily="2" charset="-127"/>
+              </a:rPr>
+              <a:t>웹브라우저가</a:t>
+            </a:r>
+            <a:r>
+              <a:rPr lang="ko-KR" altLang="en-US" sz="2800" dirty="0">
+                <a:solidFill>
+                  <a:srgbClr val="FF0000"/>
+                </a:solidFill>
+                <a:latin typeface="Pretendard GOV SemiBold" panose="02000703000000020004" pitchFamily="2" charset="-127"/>
+                <a:ea typeface="Pretendard GOV SemiBold" panose="02000703000000020004" pitchFamily="2" charset="-127"/>
+                <a:cs typeface="Pretendard GOV SemiBold" panose="02000703000000020004" pitchFamily="2" charset="-127"/>
+              </a:rPr>
+              <a:t> 아닌 </a:t>
+            </a:r>
+            <a:endParaRPr lang="en-US" altLang="ko-KR" sz="2800" dirty="0">
               <a:solidFill>
                 <a:srgbClr val="FF0000"/>
               </a:solidFill>
+              <a:latin typeface="Pretendard GOV SemiBold" panose="02000703000000020004" pitchFamily="2" charset="-127"/>
+              <a:ea typeface="Pretendard GOV SemiBold" panose="02000703000000020004" pitchFamily="2" charset="-127"/>
+              <a:cs typeface="Pretendard GOV SemiBold" panose="02000703000000020004" pitchFamily="2" charset="-127"/>
             </a:endParaRPr>
           </a:p>
           <a:p>
             <a:r>
-              <a:rPr lang="ko-KR" altLang="en-US" sz="2800">
+              <a:rPr lang="ko-KR" altLang="en-US" sz="2800" dirty="0">
                 <a:solidFill>
                   <a:srgbClr val="FF0000"/>
                 </a:solidFill>
+                <a:latin typeface="Pretendard GOV SemiBold" panose="02000703000000020004" pitchFamily="2" charset="-127"/>
+                <a:ea typeface="Pretendard GOV SemiBold" panose="02000703000000020004" pitchFamily="2" charset="-127"/>
+                <a:cs typeface="Pretendard GOV SemiBold" panose="02000703000000020004" pitchFamily="2" charset="-127"/>
               </a:rPr>
               <a:t>어색한 로그인 창이 뜬다면</a:t>
             </a:r>
             <a:r>
-              <a:rPr lang="en-US" altLang="ko-KR" sz="2800">
+              <a:rPr lang="en-US" altLang="ko-KR" sz="2800" dirty="0">
                 <a:solidFill>
                   <a:srgbClr val="FF0000"/>
                 </a:solidFill>
+                <a:latin typeface="Pretendard GOV SemiBold" panose="02000703000000020004" pitchFamily="2" charset="-127"/>
+                <a:ea typeface="Pretendard GOV SemiBold" panose="02000703000000020004" pitchFamily="2" charset="-127"/>
+                <a:cs typeface="Pretendard GOV SemiBold" panose="02000703000000020004" pitchFamily="2" charset="-127"/>
               </a:rPr>
               <a:t>?</a:t>
             </a:r>
-            <a:endParaRPr lang="ko-KR" altLang="en-US" sz="2800">
+            <a:endParaRPr lang="ko-KR" altLang="en-US" sz="2800" dirty="0">
               <a:solidFill>
                 <a:srgbClr val="FF0000"/>
               </a:solidFill>
+              <a:latin typeface="Pretendard GOV SemiBold" panose="02000703000000020004" pitchFamily="2" charset="-127"/>
+              <a:ea typeface="Pretendard GOV SemiBold" panose="02000703000000020004" pitchFamily="2" charset="-127"/>
+              <a:cs typeface="Pretendard GOV SemiBold" panose="02000703000000020004" pitchFamily="2" charset="-127"/>
             </a:endParaRPr>
           </a:p>
         </p:txBody>
@@ -15262,12 +16161,19 @@
           <a:lstStyle/>
           <a:p>
             <a:r>
-              <a:rPr lang="en-US" altLang="ko-KR">
+              <a:rPr lang="en-US" altLang="ko-KR" dirty="0">
+                <a:latin typeface="Pretendard GOV SemiBold" panose="02000703000000020004" pitchFamily="2" charset="-127"/>
+                <a:ea typeface="Pretendard GOV SemiBold" panose="02000703000000020004" pitchFamily="2" charset="-127"/>
+                <a:cs typeface="Pretendard GOV SemiBold" panose="02000703000000020004" pitchFamily="2" charset="-127"/>
                 <a:hlinkClick r:id="rId2"/>
               </a:rPr>
               <a:t>https://lifefun.tistory.com/161</a:t>
             </a:r>
-            <a:endParaRPr lang="ko-KR" altLang="en-US"/>
+            <a:endParaRPr lang="ko-KR" altLang="en-US" dirty="0">
+              <a:latin typeface="Pretendard GOV SemiBold" panose="02000703000000020004" pitchFamily="2" charset="-127"/>
+              <a:ea typeface="Pretendard GOV SemiBold" panose="02000703000000020004" pitchFamily="2" charset="-127"/>
+              <a:cs typeface="Pretendard GOV SemiBold" panose="02000703000000020004" pitchFamily="2" charset="-127"/>
+            </a:endParaRPr>
           </a:p>
         </p:txBody>
       </p:sp>
@@ -15286,7 +16192,7 @@
         <p:spPr>
           <a:xfrm>
             <a:off x="649904" y="1730849"/>
-            <a:ext cx="8182048" cy="461665"/>
+            <a:ext cx="8268610" cy="461665"/>
           </a:xfrm>
           <a:prstGeom prst="rect">
             <a:avLst/>
@@ -15300,27 +16206,51 @@
           <a:lstStyle/>
           <a:p>
             <a:r>
-              <a:rPr lang="en-US" altLang="ko-KR" sz="2400"/>
+              <a:rPr lang="en-US" altLang="ko-KR" sz="2400" dirty="0">
+                <a:latin typeface="Pretendard GOV SemiBold" panose="02000703000000020004" pitchFamily="2" charset="-127"/>
+                <a:ea typeface="Pretendard GOV SemiBold" panose="02000703000000020004" pitchFamily="2" charset="-127"/>
+                <a:cs typeface="Pretendard GOV SemiBold" panose="02000703000000020004" pitchFamily="2" charset="-127"/>
+              </a:rPr>
               <a:t>GitHub </a:t>
             </a:r>
             <a:r>
-              <a:rPr lang="ko-KR" altLang="en-US" sz="2400"/>
+              <a:rPr lang="ko-KR" altLang="en-US" sz="2400" dirty="0">
+                <a:latin typeface="Pretendard GOV SemiBold" panose="02000703000000020004" pitchFamily="2" charset="-127"/>
+                <a:ea typeface="Pretendard GOV SemiBold" panose="02000703000000020004" pitchFamily="2" charset="-127"/>
+                <a:cs typeface="Pretendard GOV SemiBold" panose="02000703000000020004" pitchFamily="2" charset="-127"/>
+              </a:rPr>
               <a:t>로그인 용 토큰</a:t>
             </a:r>
             <a:r>
-              <a:rPr lang="en-US" altLang="ko-KR" sz="2400"/>
+              <a:rPr lang="en-US" altLang="ko-KR" sz="2400" dirty="0">
+                <a:latin typeface="Pretendard GOV SemiBold" panose="02000703000000020004" pitchFamily="2" charset="-127"/>
+                <a:ea typeface="Pretendard GOV SemiBold" panose="02000703000000020004" pitchFamily="2" charset="-127"/>
+                <a:cs typeface="Pretendard GOV SemiBold" panose="02000703000000020004" pitchFamily="2" charset="-127"/>
+              </a:rPr>
               <a:t>(</a:t>
             </a:r>
             <a:r>
-              <a:rPr lang="ko-KR" altLang="en-US" sz="2400"/>
+              <a:rPr lang="ko-KR" altLang="en-US" sz="2400" dirty="0">
+                <a:latin typeface="Pretendard GOV SemiBold" panose="02000703000000020004" pitchFamily="2" charset="-127"/>
+                <a:ea typeface="Pretendard GOV SemiBold" panose="02000703000000020004" pitchFamily="2" charset="-127"/>
+                <a:cs typeface="Pretendard GOV SemiBold" panose="02000703000000020004" pitchFamily="2" charset="-127"/>
+              </a:rPr>
               <a:t>외부 로그인 전용 비밀번호</a:t>
             </a:r>
             <a:r>
-              <a:rPr lang="en-US" altLang="ko-KR" sz="2400"/>
+              <a:rPr lang="en-US" altLang="ko-KR" sz="2400" dirty="0">
+                <a:latin typeface="Pretendard GOV SemiBold" panose="02000703000000020004" pitchFamily="2" charset="-127"/>
+                <a:ea typeface="Pretendard GOV SemiBold" panose="02000703000000020004" pitchFamily="2" charset="-127"/>
+                <a:cs typeface="Pretendard GOV SemiBold" panose="02000703000000020004" pitchFamily="2" charset="-127"/>
+              </a:rPr>
               <a:t>) </a:t>
             </a:r>
             <a:r>
-              <a:rPr lang="ko-KR" altLang="en-US" sz="2400"/>
+              <a:rPr lang="ko-KR" altLang="en-US" sz="2400" dirty="0">
+                <a:latin typeface="Pretendard GOV SemiBold" panose="02000703000000020004" pitchFamily="2" charset="-127"/>
+                <a:ea typeface="Pretendard GOV SemiBold" panose="02000703000000020004" pitchFamily="2" charset="-127"/>
+                <a:cs typeface="Pretendard GOV SemiBold" panose="02000703000000020004" pitchFamily="2" charset="-127"/>
+              </a:rPr>
               <a:t>발급 및 로그인</a:t>
             </a:r>
           </a:p>
@@ -15610,14 +16540,26 @@
           <a:lstStyle/>
           <a:p>
             <a:r>
-              <a:rPr lang="ko-KR" altLang="en-US"/>
+              <a:rPr lang="ko-KR" altLang="en-US" dirty="0">
+                <a:latin typeface="Pretendard GOV SemiBold" panose="02000703000000020004" pitchFamily="2" charset="-127"/>
+                <a:ea typeface="Pretendard GOV SemiBold" panose="02000703000000020004" pitchFamily="2" charset="-127"/>
+                <a:cs typeface="Pretendard GOV SemiBold" panose="02000703000000020004" pitchFamily="2" charset="-127"/>
+              </a:rPr>
               <a:t>계정 연동 성공 시</a:t>
             </a:r>
-            <a:endParaRPr lang="en-US" altLang="ko-KR"/>
-          </a:p>
-          <a:p>
-            <a:r>
-              <a:rPr lang="ko-KR" altLang="en-US"/>
+            <a:endParaRPr lang="en-US" altLang="ko-KR" dirty="0">
+              <a:latin typeface="Pretendard GOV SemiBold" panose="02000703000000020004" pitchFamily="2" charset="-127"/>
+              <a:ea typeface="Pretendard GOV SemiBold" panose="02000703000000020004" pitchFamily="2" charset="-127"/>
+              <a:cs typeface="Pretendard GOV SemiBold" panose="02000703000000020004" pitchFamily="2" charset="-127"/>
+            </a:endParaRPr>
+          </a:p>
+          <a:p>
+            <a:r>
+              <a:rPr lang="ko-KR" altLang="en-US" dirty="0">
+                <a:latin typeface="Pretendard GOV SemiBold" panose="02000703000000020004" pitchFamily="2" charset="-127"/>
+                <a:ea typeface="Pretendard GOV SemiBold" panose="02000703000000020004" pitchFamily="2" charset="-127"/>
+                <a:cs typeface="Pretendard GOV SemiBold" panose="02000703000000020004" pitchFamily="2" charset="-127"/>
+              </a:rPr>
               <a:t>모든 기능이 활성화됨</a:t>
             </a:r>
           </a:p>
@@ -15807,7 +16749,7 @@
         <p:spPr>
           <a:xfrm>
             <a:off x="901907" y="5239906"/>
-            <a:ext cx="3337773" cy="461665"/>
+            <a:ext cx="3376245" cy="461665"/>
           </a:xfrm>
           <a:prstGeom prst="rect">
             <a:avLst/>
@@ -15821,7 +16763,11 @@
           <a:lstStyle/>
           <a:p>
             <a:r>
-              <a:rPr lang="ko-KR" altLang="en-US" sz="2400"/>
+              <a:rPr lang="ko-KR" altLang="en-US" sz="2400" dirty="0">
+                <a:latin typeface="Pretendard GOV SemiBold" panose="02000703000000020004" pitchFamily="2" charset="-127"/>
+                <a:ea typeface="Pretendard GOV SemiBold" panose="02000703000000020004" pitchFamily="2" charset="-127"/>
+                <a:cs typeface="Pretendard GOV SemiBold" panose="02000703000000020004" pitchFamily="2" charset="-127"/>
+              </a:rPr>
               <a:t>코드에 변동 사항이 생기면</a:t>
             </a:r>
           </a:p>
@@ -15878,7 +16824,7 @@
         <p:spPr>
           <a:xfrm>
             <a:off x="6879091" y="5237277"/>
-            <a:ext cx="2847254" cy="461665"/>
+            <a:ext cx="2896947" cy="461665"/>
           </a:xfrm>
           <a:prstGeom prst="rect">
             <a:avLst/>
@@ -15892,11 +16838,19 @@
           <a:lstStyle/>
           <a:p>
             <a:r>
-              <a:rPr lang="en-US" altLang="ko-KR" sz="2400"/>
+              <a:rPr lang="en-US" altLang="ko-KR" sz="2400">
+                <a:latin typeface="Pretendard GOV SemiBold" panose="02000703000000020004" pitchFamily="2" charset="-127"/>
+                <a:ea typeface="Pretendard GOV SemiBold" panose="02000703000000020004" pitchFamily="2" charset="-127"/>
+                <a:cs typeface="Pretendard GOV SemiBold" panose="02000703000000020004" pitchFamily="2" charset="-127"/>
+              </a:rPr>
               <a:t>Add </a:t>
             </a:r>
             <a:r>
-              <a:rPr lang="ko-KR" altLang="en-US" sz="2400"/>
+              <a:rPr lang="ko-KR" altLang="en-US" sz="2400">
+                <a:latin typeface="Pretendard GOV SemiBold" panose="02000703000000020004" pitchFamily="2" charset="-127"/>
+                <a:ea typeface="Pretendard GOV SemiBold" panose="02000703000000020004" pitchFamily="2" charset="-127"/>
+                <a:cs typeface="Pretendard GOV SemiBold" panose="02000703000000020004" pitchFamily="2" charset="-127"/>
+              </a:rPr>
               <a:t>할 요소가 표시됨</a:t>
             </a:r>
           </a:p>
@@ -15916,7 +16870,7 @@
 </file>
 
 <file path=ppt/theme/theme1.xml><?xml version="1.0" encoding="utf-8"?>
-<a:theme xmlns:a="http://schemas.openxmlformats.org/drawingml/2006/main" name="코딩온템플릿">
+<a:theme xmlns:a="http://schemas.openxmlformats.org/drawingml/2006/main" name="1_코딩온템플릿">
   <a:themeElements>
     <a:clrScheme name="Office">
       <a:dk1>
@@ -16106,7 +17060,25 @@
       </a:bgFillStyleLst>
     </a:fmtScheme>
   </a:themeElements>
-  <a:objectDefaults/>
+  <a:objectDefaults>
+    <a:txDef>
+      <a:spPr>
+        <a:noFill/>
+      </a:spPr>
+      <a:bodyPr wrap="square" rtlCol="0">
+        <a:spAutoFit/>
+      </a:bodyPr>
+      <a:lstStyle>
+        <a:defPPr algn="l">
+          <a:defRPr dirty="0">
+            <a:latin typeface="Pretendard GOV SemiBold" panose="02000703000000020004" pitchFamily="2" charset="-127"/>
+            <a:ea typeface="Pretendard GOV SemiBold" panose="02000703000000020004" pitchFamily="2" charset="-127"/>
+            <a:cs typeface="Pretendard GOV SemiBold" panose="02000703000000020004" pitchFamily="2" charset="-127"/>
+          </a:defRPr>
+        </a:defPPr>
+      </a:lstStyle>
+    </a:txDef>
+  </a:objectDefaults>
   <a:extraClrSchemeLst/>
   <a:extLst>
     <a:ext uri="{05A4C25C-085E-4340-85A3-A5531E510DB2}">

--- a/material/07_CSharp_VS_Git.pptx
+++ b/material/07_CSharp_VS_Git.pptx
@@ -37,20 +37,20 @@
   <p:notesSz cx="6858000" cy="9144000"/>
   <p:embeddedFontLst>
     <p:embeddedFont>
-      <p:font typeface="Pretendard GOV" panose="02000503000000020004" pitchFamily="2" charset="-127"/>
-      <p:regular r:id="rId27"/>
-      <p:bold r:id="rId28"/>
+      <p:font typeface="Pretendard GOV SemiBold" panose="020B0600000101010101" charset="-127"/>
+      <p:bold r:id="rId27"/>
     </p:embeddedFont>
     <p:embeddedFont>
-      <p:font typeface="Pretendard GOV Black" panose="02000A03000000020004" pitchFamily="2" charset="-127"/>
+      <p:font typeface="맑은 고딕" panose="020B0503020000020004" pitchFamily="50" charset="-127"/>
+      <p:regular r:id="rId28"/>
       <p:bold r:id="rId29"/>
     </p:embeddedFont>
     <p:embeddedFont>
-      <p:font typeface="Pretendard GOV SemiBold" panose="02000703000000020004" pitchFamily="2" charset="-127"/>
+      <p:font typeface="Pretendard GOV Black" panose="020B0600000101010101" charset="-127"/>
       <p:bold r:id="rId30"/>
     </p:embeddedFont>
     <p:embeddedFont>
-      <p:font typeface="맑은 고딕" panose="020B0503020000020004" pitchFamily="50" charset="-127"/>
+      <p:font typeface="Pretendard GOV" panose="020B0600000101010101" charset="-127"/>
       <p:regular r:id="rId31"/>
       <p:bold r:id="rId32"/>
     </p:embeddedFont>
@@ -243,7 +243,7 @@
           <a:p>
             <a:fld id="{2EF3F159-7250-4DD4-91C2-13B35D56E1AF}" type="datetimeFigureOut">
               <a:rPr lang="ko-KR" altLang="en-US" smtClean="0"/>
-              <a:t>2025-04-25</a:t>
+              <a:t>2025-06-08</a:t>
             </a:fld>
             <a:endParaRPr lang="ko-KR" altLang="en-US"/>
           </a:p>
@@ -1654,367 +1654,6 @@
           <a:bodyPr/>
           <a:lstStyle/>
           <a:p>
-            <a:r>
-              <a:rPr lang="en-US" altLang="ko-KR" dirty="0"/>
-              <a:t>fetch</a:t>
-            </a:r>
-            <a:r>
-              <a:rPr lang="ko-KR" altLang="en-US" dirty="0"/>
-              <a:t>는 원격 저장소</a:t>
-            </a:r>
-            <a:r>
-              <a:rPr lang="en-US" altLang="ko-KR" dirty="0"/>
-              <a:t>(GitHub </a:t>
-            </a:r>
-            <a:r>
-              <a:rPr lang="ko-KR" altLang="en-US" dirty="0"/>
-              <a:t>등</a:t>
-            </a:r>
-            <a:r>
-              <a:rPr lang="en-US" altLang="ko-KR" dirty="0"/>
-              <a:t>)</a:t>
-            </a:r>
-            <a:r>
-              <a:rPr lang="ko-KR" altLang="en-US" dirty="0"/>
-              <a:t>의 변경사항을 받아오되</a:t>
-            </a:r>
-            <a:r>
-              <a:rPr lang="en-US" altLang="ko-KR" dirty="0"/>
-              <a:t>, </a:t>
-            </a:r>
-            <a:r>
-              <a:rPr lang="ko-KR" altLang="en-US" dirty="0"/>
-              <a:t>로컬 작업에는 영향을 주지 않습니다</a:t>
-            </a:r>
-            <a:r>
-              <a:rPr lang="en-US" altLang="ko-KR" dirty="0"/>
-              <a:t>.</a:t>
-            </a:r>
-          </a:p>
-          <a:p>
-            <a:endParaRPr lang="en-US" altLang="ko-KR" dirty="0"/>
-          </a:p>
-          <a:p>
-            <a:pPr>
-              <a:buNone/>
-            </a:pPr>
-            <a:r>
-              <a:rPr lang="ko-KR" altLang="en-US" b="1" dirty="0"/>
-              <a:t>🔹 </a:t>
-            </a:r>
-            <a:r>
-              <a:rPr lang="en-US" altLang="ko-KR" b="1" dirty="0"/>
-              <a:t>1</a:t>
-            </a:r>
-            <a:r>
-              <a:rPr lang="ko-KR" altLang="en-US" b="1" dirty="0"/>
-              <a:t>단계</a:t>
-            </a:r>
-            <a:r>
-              <a:rPr lang="en-US" altLang="ko-KR" b="1" dirty="0"/>
-              <a:t>: GitHub</a:t>
-            </a:r>
-            <a:r>
-              <a:rPr lang="ko-KR" altLang="en-US" b="1" dirty="0"/>
-              <a:t>에는 최신 코드가 올라가 있음</a:t>
-            </a:r>
-          </a:p>
-          <a:p>
-            <a:pPr>
-              <a:buNone/>
-            </a:pPr>
-            <a:r>
-              <a:rPr lang="ko-KR" altLang="en-US" dirty="0"/>
-              <a:t>팀원이 </a:t>
-            </a:r>
-            <a:r>
-              <a:rPr lang="en-US" altLang="ko-KR" dirty="0"/>
-              <a:t>push</a:t>
-            </a:r>
-            <a:r>
-              <a:rPr lang="ko-KR" altLang="en-US" dirty="0"/>
-              <a:t>한 변경사항이 있을 수 있습니다</a:t>
-            </a:r>
-            <a:r>
-              <a:rPr lang="en-US" altLang="ko-KR" dirty="0"/>
-              <a:t>.</a:t>
-            </a:r>
-          </a:p>
-          <a:p>
-            <a:pPr>
-              <a:buNone/>
-            </a:pPr>
-            <a:r>
-              <a:rPr lang="ko-KR" altLang="en-US" b="1" dirty="0"/>
-              <a:t>🔹 </a:t>
-            </a:r>
-            <a:r>
-              <a:rPr lang="en-US" altLang="ko-KR" b="1" dirty="0"/>
-              <a:t>2</a:t>
-            </a:r>
-            <a:r>
-              <a:rPr lang="ko-KR" altLang="en-US" b="1" dirty="0"/>
-              <a:t>단계</a:t>
-            </a:r>
-            <a:r>
-              <a:rPr lang="en-US" altLang="ko-KR" b="1" dirty="0"/>
-              <a:t>: </a:t>
-            </a:r>
-            <a:r>
-              <a:rPr lang="ko-KR" altLang="en-US" b="1" dirty="0"/>
-              <a:t>내 컴퓨터</a:t>
-            </a:r>
-            <a:r>
-              <a:rPr lang="en-US" altLang="ko-KR" b="1" dirty="0"/>
-              <a:t>(</a:t>
-            </a:r>
-            <a:r>
-              <a:rPr lang="ko-KR" altLang="en-US" b="1" dirty="0"/>
-              <a:t>로컬</a:t>
-            </a:r>
-            <a:r>
-              <a:rPr lang="en-US" altLang="ko-KR" b="1" dirty="0"/>
-              <a:t>)</a:t>
-            </a:r>
-            <a:r>
-              <a:rPr lang="ko-KR" altLang="en-US" b="1" dirty="0"/>
-              <a:t>는 아직 옛날 상태일 수 있음</a:t>
-            </a:r>
-          </a:p>
-          <a:p>
-            <a:r>
-              <a:rPr lang="ko-KR" altLang="en-US" dirty="0"/>
-              <a:t>내가 작업 중이던 상태는 최신이 아닐 수도 있어요</a:t>
-            </a:r>
-            <a:r>
-              <a:rPr lang="en-US" altLang="ko-KR" dirty="0"/>
-              <a:t>.</a:t>
-            </a:r>
-          </a:p>
-          <a:p>
-            <a:endParaRPr lang="en-US" altLang="ko-KR" dirty="0"/>
-          </a:p>
-          <a:p>
-            <a:pPr>
-              <a:buNone/>
-            </a:pPr>
-            <a:r>
-              <a:rPr lang="ko-KR" altLang="en-US" b="1" dirty="0"/>
-              <a:t>🔹 </a:t>
-            </a:r>
-            <a:r>
-              <a:rPr lang="en-US" altLang="ko-KR" b="1" dirty="0"/>
-              <a:t>3</a:t>
-            </a:r>
-            <a:r>
-              <a:rPr lang="ko-KR" altLang="en-US" b="1" dirty="0"/>
-              <a:t>단계</a:t>
-            </a:r>
-            <a:r>
-              <a:rPr lang="en-US" altLang="ko-KR" b="1" dirty="0"/>
-              <a:t>: git fetch</a:t>
-            </a:r>
-            <a:r>
-              <a:rPr lang="ko-KR" altLang="en-US" b="1" dirty="0"/>
-              <a:t>를 하면</a:t>
-            </a:r>
-            <a:r>
-              <a:rPr lang="en-US" altLang="ko-KR" b="1" dirty="0"/>
-              <a:t>?</a:t>
-            </a:r>
-          </a:p>
-          <a:p>
-            <a:pPr>
-              <a:buFont typeface="Arial" panose="020B0604020202020204" pitchFamily="34" charset="0"/>
-              <a:buChar char="•"/>
-            </a:pPr>
-            <a:r>
-              <a:rPr lang="en-US" altLang="ko-KR" dirty="0"/>
-              <a:t>GitHub</a:t>
-            </a:r>
-            <a:r>
-              <a:rPr lang="ko-KR" altLang="en-US" dirty="0"/>
-              <a:t>에서 </a:t>
-            </a:r>
-            <a:r>
-              <a:rPr lang="ko-KR" altLang="en-US" b="1" dirty="0"/>
-              <a:t>변경된 내용</a:t>
-            </a:r>
-            <a:r>
-              <a:rPr lang="ko-KR" altLang="en-US" dirty="0"/>
-              <a:t>만 다운로드합니다</a:t>
-            </a:r>
-            <a:r>
-              <a:rPr lang="en-US" altLang="ko-KR" dirty="0"/>
-              <a:t>.</a:t>
-            </a:r>
-          </a:p>
-          <a:p>
-            <a:pPr>
-              <a:buFont typeface="Arial" panose="020B0604020202020204" pitchFamily="34" charset="0"/>
-              <a:buChar char="•"/>
-            </a:pPr>
-            <a:r>
-              <a:rPr lang="ko-KR" altLang="en-US" dirty="0"/>
-              <a:t>하지만 **내 작업 폴더</a:t>
-            </a:r>
-            <a:r>
-              <a:rPr lang="en-US" altLang="ko-KR" dirty="0"/>
-              <a:t>(Working Directory)**</a:t>
-            </a:r>
-            <a:r>
-              <a:rPr lang="ko-KR" altLang="en-US" dirty="0"/>
-              <a:t>에는 적용되지 않아요</a:t>
-            </a:r>
-            <a:r>
-              <a:rPr lang="en-US" altLang="ko-KR" dirty="0"/>
-              <a:t>.</a:t>
-            </a:r>
-          </a:p>
-          <a:p>
-            <a:r>
-              <a:rPr lang="ko-KR" altLang="en-US" dirty="0"/>
-              <a:t>즉</a:t>
-            </a:r>
-            <a:r>
-              <a:rPr lang="en-US" altLang="ko-KR" dirty="0"/>
-              <a:t>, “</a:t>
-            </a:r>
-            <a:r>
-              <a:rPr lang="ko-KR" altLang="en-US" dirty="0"/>
-              <a:t>최신 상태가 </a:t>
-            </a:r>
-            <a:r>
-              <a:rPr lang="ko-KR" altLang="en-US" dirty="0" err="1"/>
-              <a:t>뭔지</a:t>
-            </a:r>
-            <a:r>
-              <a:rPr lang="ko-KR" altLang="en-US" dirty="0"/>
-              <a:t> </a:t>
-            </a:r>
-            <a:r>
-              <a:rPr lang="ko-KR" altLang="en-US" b="1" dirty="0"/>
-              <a:t>보기만 하고</a:t>
-            </a:r>
-            <a:r>
-              <a:rPr lang="en-US" altLang="ko-KR" dirty="0"/>
-              <a:t>, </a:t>
-            </a:r>
-            <a:r>
-              <a:rPr lang="ko-KR" altLang="en-US" dirty="0"/>
-              <a:t>적용은 안 해요</a:t>
-            </a:r>
-            <a:r>
-              <a:rPr lang="en-US" altLang="ko-KR" dirty="0"/>
-              <a:t>.”</a:t>
-            </a:r>
-          </a:p>
-          <a:p>
-            <a:endParaRPr lang="en-US" altLang="ko-KR" dirty="0"/>
-          </a:p>
-          <a:p>
-            <a:pPr>
-              <a:buNone/>
-            </a:pPr>
-            <a:r>
-              <a:rPr lang="en-US" altLang="ko-KR" dirty="0"/>
-              <a:t>git fetch:</a:t>
-            </a:r>
-            <a:br>
-              <a:rPr lang="en-US" altLang="ko-KR" dirty="0"/>
-            </a:br>
-            <a:r>
-              <a:rPr lang="en-US" altLang="ko-KR" dirty="0"/>
-              <a:t>→ </a:t>
-            </a:r>
-            <a:r>
-              <a:rPr lang="ko-KR" altLang="en-US" dirty="0"/>
-              <a:t>원격 저장소</a:t>
-            </a:r>
-            <a:r>
-              <a:rPr lang="en-US" altLang="ko-KR" dirty="0"/>
-              <a:t>(GitHub)</a:t>
-            </a:r>
-            <a:r>
-              <a:rPr lang="ko-KR" altLang="en-US" dirty="0"/>
-              <a:t>의 최신 정보를 </a:t>
-            </a:r>
-            <a:r>
-              <a:rPr lang="ko-KR" altLang="en-US" b="1" dirty="0" err="1"/>
-              <a:t>받아오기만</a:t>
-            </a:r>
-            <a:r>
-              <a:rPr lang="ko-KR" altLang="en-US" b="1" dirty="0"/>
-              <a:t> 함</a:t>
-            </a:r>
-            <a:br>
-              <a:rPr lang="ko-KR" altLang="en-US" dirty="0"/>
-            </a:br>
-            <a:r>
-              <a:rPr lang="ko-KR" altLang="en-US" dirty="0"/>
-              <a:t>→ </a:t>
-            </a:r>
-            <a:r>
-              <a:rPr lang="ko-KR" altLang="en-US" b="1" dirty="0"/>
-              <a:t>작업 폴더에는 아무 영향 없음</a:t>
-            </a:r>
-            <a:endParaRPr lang="ko-KR" altLang="en-US" dirty="0"/>
-          </a:p>
-          <a:p>
-            <a:r>
-              <a:rPr lang="ko-KR" altLang="en-US" dirty="0"/>
-              <a:t>이후에는 **병합</a:t>
-            </a:r>
-            <a:r>
-              <a:rPr lang="en-US" altLang="ko-KR" dirty="0"/>
-              <a:t>(Merge)**</a:t>
-            </a:r>
-            <a:r>
-              <a:rPr lang="ko-KR" altLang="en-US" dirty="0"/>
-              <a:t>을 하거나 **비교</a:t>
-            </a:r>
-            <a:r>
-              <a:rPr lang="en-US" altLang="ko-KR" dirty="0"/>
-              <a:t>(Diff)**</a:t>
-            </a:r>
-            <a:r>
-              <a:rPr lang="ko-KR" altLang="en-US" dirty="0"/>
-              <a:t>하거나</a:t>
-            </a:r>
-            <a:r>
-              <a:rPr lang="en-US" altLang="ko-KR" dirty="0"/>
-              <a:t>,</a:t>
-            </a:r>
-            <a:br>
-              <a:rPr lang="en-US" altLang="ko-KR" dirty="0"/>
-            </a:br>
-            <a:r>
-              <a:rPr lang="ko-KR" altLang="en-US" dirty="0"/>
-              <a:t>혹은 그냥 </a:t>
-            </a:r>
-            <a:r>
-              <a:rPr lang="ko-KR" altLang="en-US" b="1" dirty="0"/>
-              <a:t>내버려둘 수도</a:t>
-            </a:r>
-            <a:r>
-              <a:rPr lang="ko-KR" altLang="en-US" dirty="0"/>
-              <a:t> 있습니다</a:t>
-            </a:r>
-            <a:r>
-              <a:rPr lang="en-US" altLang="ko-KR" dirty="0"/>
-              <a:t>.</a:t>
-            </a:r>
-          </a:p>
-          <a:p>
-            <a:endParaRPr lang="en-US" altLang="ko-KR" dirty="0"/>
-          </a:p>
-          <a:p>
-            <a:r>
-              <a:rPr lang="en-US" altLang="ko-KR" dirty="0"/>
-              <a:t>git diff origin/main</a:t>
-            </a:r>
-          </a:p>
-          <a:p>
             <a:endParaRPr lang="en-US" altLang="ko-KR" dirty="0"/>
           </a:p>
         </p:txBody>
@@ -2724,7 +2363,7 @@
           <a:p>
             <a:fld id="{442BEE3F-2E9A-4FD8-8B8A-8619F3E161C0}" type="datetime1">
               <a:rPr lang="ko-KR" altLang="en-US" smtClean="0"/>
-              <a:t>2025-04-25</a:t>
+              <a:t>2025-06-08</a:t>
             </a:fld>
             <a:endParaRPr lang="ko-KR" altLang="en-US"/>
           </a:p>
@@ -2910,7 +2549,7 @@
           <a:p>
             <a:fld id="{2EAE422B-0E68-47B5-84BB-CA2BDA8EE46C}" type="datetime1">
               <a:rPr lang="ko-KR" altLang="en-US" smtClean="0"/>
-              <a:t>2025-04-25</a:t>
+              <a:t>2025-06-08</a:t>
             </a:fld>
             <a:endParaRPr lang="ko-KR" altLang="en-US"/>
           </a:p>
@@ -3118,7 +2757,7 @@
           <a:p>
             <a:fld id="{AF7C623F-179B-417F-99B6-50F6DF228D4B}" type="datetime1">
               <a:rPr lang="ko-KR" altLang="en-US" smtClean="0"/>
-              <a:t>2025-04-25</a:t>
+              <a:t>2025-06-08</a:t>
             </a:fld>
             <a:endParaRPr lang="ko-KR" altLang="en-US"/>
           </a:p>
@@ -3352,7 +2991,7 @@
           <a:p>
             <a:fld id="{0F78D9C4-20C1-4B15-A116-16DC77AD9A1E}" type="datetime1">
               <a:rPr lang="ko-KR" altLang="en-US" smtClean="0"/>
-              <a:t>2025-04-25</a:t>
+              <a:t>2025-06-08</a:t>
             </a:fld>
             <a:endParaRPr lang="ko-KR" altLang="en-US"/>
           </a:p>
@@ -3627,7 +3266,7 @@
           <a:p>
             <a:fld id="{C7F43723-C509-4DEA-8428-B50818F79709}" type="datetime1">
               <a:rPr lang="ko-KR" altLang="en-US" smtClean="0"/>
-              <a:t>2025-04-25</a:t>
+              <a:t>2025-06-08</a:t>
             </a:fld>
             <a:endParaRPr lang="ko-KR" altLang="en-US"/>
           </a:p>
@@ -3892,7 +3531,7 @@
           <a:p>
             <a:fld id="{5D2B7482-EE74-4DBD-97F4-D0DAC0C0E4E5}" type="datetime1">
               <a:rPr lang="ko-KR" altLang="en-US" smtClean="0"/>
-              <a:t>2025-04-25</a:t>
+              <a:t>2025-06-08</a:t>
             </a:fld>
             <a:endParaRPr lang="ko-KR" altLang="en-US"/>
           </a:p>
@@ -4305,7 +3944,7 @@
           <a:p>
             <a:fld id="{051A8C49-CED7-4A86-9B4A-621D7F62EE92}" type="datetime1">
               <a:rPr lang="ko-KR" altLang="en-US" smtClean="0"/>
-              <a:t>2025-04-25</a:t>
+              <a:t>2025-06-08</a:t>
             </a:fld>
             <a:endParaRPr lang="ko-KR" altLang="en-US"/>
           </a:p>
@@ -4452,7 +4091,7 @@
           <a:p>
             <a:fld id="{84082D76-7079-412D-848B-E1B9E7A6A286}" type="datetime1">
               <a:rPr lang="ko-KR" altLang="en-US" smtClean="0"/>
-              <a:t>2025-04-25</a:t>
+              <a:t>2025-06-08</a:t>
             </a:fld>
             <a:endParaRPr lang="ko-KR" altLang="en-US"/>
           </a:p>
@@ -4565,7 +4204,7 @@
           <a:p>
             <a:fld id="{10C5FEB5-5F88-4F49-9108-1795E314F09F}" type="datetime1">
               <a:rPr lang="ko-KR" altLang="en-US" smtClean="0"/>
-              <a:t>2025-04-25</a:t>
+              <a:t>2025-06-08</a:t>
             </a:fld>
             <a:endParaRPr lang="ko-KR" altLang="en-US"/>
           </a:p>
@@ -4876,7 +4515,7 @@
           <a:p>
             <a:fld id="{E37ABBEE-D8D4-48AD-9887-4DC578B8A684}" type="datetime1">
               <a:rPr lang="ko-KR" altLang="en-US" smtClean="0"/>
-              <a:t>2025-04-25</a:t>
+              <a:t>2025-06-08</a:t>
             </a:fld>
             <a:endParaRPr lang="ko-KR" altLang="en-US"/>
           </a:p>
@@ -5167,7 +4806,7 @@
           <a:p>
             <a:fld id="{A2D6A55C-F3DD-45DD-9D50-F8680410167D}" type="datetime1">
               <a:rPr lang="ko-KR" altLang="en-US" smtClean="0"/>
-              <a:t>2025-04-25</a:t>
+              <a:t>2025-06-08</a:t>
             </a:fld>
             <a:endParaRPr lang="ko-KR" altLang="en-US"/>
           </a:p>
@@ -5411,7 +5050,7 @@
             <a:fld id="{7F5E23C3-0E3D-4E4E-8486-D7FB4C073DC1}" type="datetime1">
               <a:rPr lang="ko-KR" altLang="en-US" smtClean="0"/>
               <a:pPr/>
-              <a:t>2025-04-25</a:t>
+              <a:t>2025-06-08</a:t>
             </a:fld>
             <a:endParaRPr lang="ko-KR" altLang="en-US" dirty="0"/>
           </a:p>
@@ -5942,7 +5581,7 @@
           <a:p>
             <a:fld id="{2E2BEDFA-D8AA-4914-9440-7DF713C99FA9}" type="datetime1">
               <a:rPr lang="ko-KR" altLang="en-US" smtClean="0"/>
-              <a:t>2025-04-25</a:t>
+              <a:t>2025-06-08</a:t>
             </a:fld>
             <a:endParaRPr lang="ko-KR" altLang="en-US"/>
           </a:p>
@@ -6075,7 +5714,7 @@
           <a:p>
             <a:fld id="{0F78D9C4-20C1-4B15-A116-16DC77AD9A1E}" type="datetime1">
               <a:rPr lang="ko-KR" altLang="en-US" smtClean="0"/>
-              <a:t>2025-04-25</a:t>
+              <a:t>2025-06-08</a:t>
             </a:fld>
             <a:endParaRPr lang="ko-KR" altLang="en-US"/>
           </a:p>
@@ -6459,7 +6098,7 @@
           <a:p>
             <a:fld id="{0F78D9C4-20C1-4B15-A116-16DC77AD9A1E}" type="datetime1">
               <a:rPr lang="ko-KR" altLang="en-US" smtClean="0"/>
-              <a:t>2025-04-25</a:t>
+              <a:t>2025-06-08</a:t>
             </a:fld>
             <a:endParaRPr lang="ko-KR" altLang="en-US"/>
           </a:p>
@@ -6830,7 +6469,7 @@
           <a:p>
             <a:fld id="{0F78D9C4-20C1-4B15-A116-16DC77AD9A1E}" type="datetime1">
               <a:rPr lang="ko-KR" altLang="en-US" smtClean="0"/>
-              <a:t>2025-04-25</a:t>
+              <a:t>2025-06-08</a:t>
             </a:fld>
             <a:endParaRPr lang="ko-KR" altLang="en-US"/>
           </a:p>
@@ -8021,6 +7660,14 @@
                 <a:cs typeface="Pretendard GOV SemiBold" panose="02000703000000020004" pitchFamily="2" charset="-127"/>
               </a:rPr>
               <a:t> </a:t>
+            </a:r>
+            <a:r>
+              <a:rPr lang="en-US" altLang="ko-KR" dirty="0">
+                <a:latin typeface="Pretendard GOV SemiBold" panose="02000703000000020004" pitchFamily="2" charset="-127"/>
+                <a:ea typeface="Pretendard GOV SemiBold" panose="02000703000000020004" pitchFamily="2" charset="-127"/>
+                <a:cs typeface="Pretendard GOV SemiBold" panose="02000703000000020004" pitchFamily="2" charset="-127"/>
+              </a:rPr>
+              <a:t/>
             </a:r>
             <a:br>
               <a:rPr lang="en-US" altLang="ko-KR" dirty="0">
@@ -8154,7 +7801,7 @@
           <a:p>
             <a:fld id="{0F78D9C4-20C1-4B15-A116-16DC77AD9A1E}" type="datetime1">
               <a:rPr lang="ko-KR" altLang="en-US" smtClean="0"/>
-              <a:t>2025-04-25</a:t>
+              <a:t>2025-06-08</a:t>
             </a:fld>
             <a:endParaRPr lang="ko-KR" altLang="en-US"/>
           </a:p>
@@ -9598,7 +9245,7 @@
           <a:p>
             <a:fld id="{0F78D9C4-20C1-4B15-A116-16DC77AD9A1E}" type="datetime1">
               <a:rPr lang="ko-KR" altLang="en-US" smtClean="0"/>
-              <a:t>2025-04-25</a:t>
+              <a:t>2025-06-08</a:t>
             </a:fld>
             <a:endParaRPr lang="ko-KR" altLang="en-US"/>
           </a:p>
@@ -9954,6 +9601,14 @@
                 <a:cs typeface="Pretendard GOV SemiBold" panose="02000703000000020004" pitchFamily="2" charset="-127"/>
               </a:rPr>
               <a:t> 생성과 동시에 체크아웃</a:t>
+            </a:r>
+            <a:r>
+              <a:rPr lang="en-US" altLang="ko-KR" sz="2400" dirty="0">
+                <a:latin typeface="Pretendard GOV SemiBold" panose="02000703000000020004" pitchFamily="2" charset="-127"/>
+                <a:ea typeface="Pretendard GOV SemiBold" panose="02000703000000020004" pitchFamily="2" charset="-127"/>
+                <a:cs typeface="Pretendard GOV SemiBold" panose="02000703000000020004" pitchFamily="2" charset="-127"/>
+              </a:rPr>
+              <a:t/>
             </a:r>
             <a:br>
               <a:rPr lang="en-US" altLang="ko-KR" sz="2400" dirty="0">
@@ -10100,7 +9755,7 @@
           <a:p>
             <a:fld id="{0F78D9C4-20C1-4B15-A116-16DC77AD9A1E}" type="datetime1">
               <a:rPr lang="ko-KR" altLang="en-US" smtClean="0"/>
-              <a:t>2025-04-25</a:t>
+              <a:t>2025-06-08</a:t>
             </a:fld>
             <a:endParaRPr lang="ko-KR" altLang="en-US"/>
           </a:p>
@@ -10571,7 +10226,7 @@
           <a:p>
             <a:fld id="{0F78D9C4-20C1-4B15-A116-16DC77AD9A1E}" type="datetime1">
               <a:rPr lang="ko-KR" altLang="en-US" smtClean="0"/>
-              <a:t>2025-04-25</a:t>
+              <a:t>2025-06-08</a:t>
             </a:fld>
             <a:endParaRPr lang="ko-KR" altLang="en-US"/>
           </a:p>
@@ -11114,7 +10769,7 @@
           <a:p>
             <a:fld id="{0F78D9C4-20C1-4B15-A116-16DC77AD9A1E}" type="datetime1">
               <a:rPr lang="ko-KR" altLang="en-US" smtClean="0"/>
-              <a:t>2025-04-25</a:t>
+              <a:t>2025-06-08</a:t>
             </a:fld>
             <a:endParaRPr lang="ko-KR" altLang="en-US"/>
           </a:p>
@@ -11397,7 +11052,7 @@
           <a:p>
             <a:fld id="{0F78D9C4-20C1-4B15-A116-16DC77AD9A1E}" type="datetime1">
               <a:rPr lang="ko-KR" altLang="en-US" smtClean="0"/>
-              <a:t>2025-04-25</a:t>
+              <a:t>2025-06-08</a:t>
             </a:fld>
             <a:endParaRPr lang="ko-KR" altLang="en-US"/>
           </a:p>
@@ -11621,7 +11276,7 @@
           <a:p>
             <a:fld id="{0F78D9C4-20C1-4B15-A116-16DC77AD9A1E}" type="datetime1">
               <a:rPr lang="ko-KR" altLang="en-US" smtClean="0"/>
-              <a:t>2025-04-25</a:t>
+              <a:t>2025-06-08</a:t>
             </a:fld>
             <a:endParaRPr lang="ko-KR" altLang="en-US"/>
           </a:p>
@@ -11810,7 +11465,7 @@
           <a:p>
             <a:fld id="{0F78D9C4-20C1-4B15-A116-16DC77AD9A1E}" type="datetime1">
               <a:rPr lang="ko-KR" altLang="en-US" smtClean="0"/>
-              <a:t>2025-04-25</a:t>
+              <a:t>2025-06-08</a:t>
             </a:fld>
             <a:endParaRPr lang="ko-KR" altLang="en-US"/>
           </a:p>
@@ -12943,7 +12598,7 @@
           <a:p>
             <a:fld id="{0F78D9C4-20C1-4B15-A116-16DC77AD9A1E}" type="datetime1">
               <a:rPr lang="ko-KR" altLang="en-US" smtClean="0"/>
-              <a:t>2025-04-25</a:t>
+              <a:t>2025-06-08</a:t>
             </a:fld>
             <a:endParaRPr lang="ko-KR" altLang="en-US"/>
           </a:p>
@@ -13437,7 +13092,7 @@
           <a:p>
             <a:fld id="{0F78D9C4-20C1-4B15-A116-16DC77AD9A1E}" type="datetime1">
               <a:rPr lang="ko-KR" altLang="en-US" smtClean="0"/>
-              <a:t>2025-04-25</a:t>
+              <a:t>2025-06-08</a:t>
             </a:fld>
             <a:endParaRPr lang="ko-KR" altLang="en-US"/>
           </a:p>
@@ -13746,7 +13401,7 @@
           <a:p>
             <a:fld id="{0F78D9C4-20C1-4B15-A116-16DC77AD9A1E}" type="datetime1">
               <a:rPr lang="ko-KR" altLang="en-US" smtClean="0"/>
-              <a:t>2025-04-25</a:t>
+              <a:t>2025-06-08</a:t>
             </a:fld>
             <a:endParaRPr lang="ko-KR" altLang="en-US"/>
           </a:p>
@@ -14048,7 +13703,7 @@
           <a:p>
             <a:fld id="{0F78D9C4-20C1-4B15-A116-16DC77AD9A1E}" type="datetime1">
               <a:rPr lang="ko-KR" altLang="en-US" smtClean="0"/>
-              <a:t>2025-04-25</a:t>
+              <a:t>2025-06-08</a:t>
             </a:fld>
             <a:endParaRPr lang="ko-KR" altLang="en-US"/>
           </a:p>
@@ -14233,7 +13888,7 @@
           <a:p>
             <a:fld id="{0F78D9C4-20C1-4B15-A116-16DC77AD9A1E}" type="datetime1">
               <a:rPr lang="ko-KR" altLang="en-US" smtClean="0"/>
-              <a:t>2025-04-25</a:t>
+              <a:t>2025-06-08</a:t>
             </a:fld>
             <a:endParaRPr lang="ko-KR" altLang="en-US"/>
           </a:p>
@@ -14432,7 +14087,7 @@
           <a:p>
             <a:fld id="{0F78D9C4-20C1-4B15-A116-16DC77AD9A1E}" type="datetime1">
               <a:rPr lang="ko-KR" altLang="en-US" smtClean="0"/>
-              <a:t>2025-04-25</a:t>
+              <a:t>2025-06-08</a:t>
             </a:fld>
             <a:endParaRPr lang="ko-KR" altLang="en-US"/>
           </a:p>
@@ -15329,7 +14984,7 @@
           <a:p>
             <a:fld id="{0F78D9C4-20C1-4B15-A116-16DC77AD9A1E}" type="datetime1">
               <a:rPr lang="ko-KR" altLang="en-US" smtClean="0"/>
-              <a:t>2025-04-25</a:t>
+              <a:t>2025-06-08</a:t>
             </a:fld>
             <a:endParaRPr lang="ko-KR" altLang="en-US"/>
           </a:p>
@@ -15494,7 +15149,7 @@
           <a:p>
             <a:fld id="{0F78D9C4-20C1-4B15-A116-16DC77AD9A1E}" type="datetime1">
               <a:rPr lang="ko-KR" altLang="en-US" smtClean="0"/>
-              <a:t>2025-04-25</a:t>
+              <a:t>2025-06-08</a:t>
             </a:fld>
             <a:endParaRPr lang="ko-KR" altLang="en-US"/>
           </a:p>
@@ -15634,7 +15289,7 @@
           <a:p>
             <a:fld id="{0F78D9C4-20C1-4B15-A116-16DC77AD9A1E}" type="datetime1">
               <a:rPr lang="ko-KR" altLang="en-US" smtClean="0"/>
-              <a:t>2025-04-25</a:t>
+              <a:t>2025-06-08</a:t>
             </a:fld>
             <a:endParaRPr lang="ko-KR" altLang="en-US"/>
           </a:p>
@@ -16096,7 +15751,7 @@
           <a:p>
             <a:fld id="{0F78D9C4-20C1-4B15-A116-16DC77AD9A1E}" type="datetime1">
               <a:rPr lang="ko-KR" altLang="en-US" smtClean="0"/>
-              <a:t>2025-04-25</a:t>
+              <a:t>2025-06-08</a:t>
             </a:fld>
             <a:endParaRPr lang="ko-KR" altLang="en-US"/>
           </a:p>
@@ -16440,7 +16095,7 @@
           <a:p>
             <a:fld id="{0F78D9C4-20C1-4B15-A116-16DC77AD9A1E}" type="datetime1">
               <a:rPr lang="ko-KR" altLang="en-US" smtClean="0"/>
-              <a:t>2025-04-25</a:t>
+              <a:t>2025-06-08</a:t>
             </a:fld>
             <a:endParaRPr lang="ko-KR" altLang="en-US"/>
           </a:p>
@@ -16663,7 +16318,7 @@
           <a:p>
             <a:fld id="{0F78D9C4-20C1-4B15-A116-16DC77AD9A1E}" type="datetime1">
               <a:rPr lang="ko-KR" altLang="en-US" smtClean="0"/>
-              <a:t>2025-04-25</a:t>
+              <a:t>2025-06-08</a:t>
             </a:fld>
             <a:endParaRPr lang="ko-KR" altLang="en-US"/>
           </a:p>
